--- a/examples/figures.pptx
+++ b/examples/figures.pptx
@@ -5,14 +5,15 @@
     <p:sldMasterId id="2147483660" r:id="rId1"/>
   </p:sldMasterIdLst>
   <p:notesMasterIdLst>
-    <p:notesMasterId r:id="rId7"/>
+    <p:notesMasterId r:id="rId8"/>
   </p:notesMasterIdLst>
   <p:sldIdLst>
     <p:sldId id="256" r:id="rId2"/>
-    <p:sldId id="257" r:id="rId3"/>
-    <p:sldId id="259" r:id="rId4"/>
-    <p:sldId id="260" r:id="rId5"/>
-    <p:sldId id="258" r:id="rId6"/>
+    <p:sldId id="261" r:id="rId3"/>
+    <p:sldId id="257" r:id="rId4"/>
+    <p:sldId id="259" r:id="rId5"/>
+    <p:sldId id="260" r:id="rId6"/>
+    <p:sldId id="258" r:id="rId7"/>
   </p:sldIdLst>
   <p:sldSz cx="12192000" cy="12188825"/>
   <p:notesSz cx="6858000" cy="9144000"/>
@@ -201,7 +202,7 @@
           <a:p>
             <a:fld id="{237D5E46-8B3A-A74F-9AB2-50466DF7788E}" type="datetimeFigureOut">
               <a:rPr lang="en-US" smtClean="0"/>
-              <a:t>3/15/24</a:t>
+              <a:t>4/15/24</a:t>
             </a:fld>
             <a:endParaRPr lang="en-US"/>
           </a:p>
@@ -611,7 +612,7 @@
           <a:p>
             <a:r>
               <a:rPr lang="en-US" dirty="0"/>
-              <a:t>greedy</a:t>
+              <a:t>LUT</a:t>
             </a:r>
           </a:p>
         </p:txBody>
@@ -642,7 +643,7 @@
     </p:spTree>
     <p:extLst>
       <p:ext uri="{BB962C8B-B14F-4D97-AF65-F5344CB8AC3E}">
-        <p14:creationId xmlns:p14="http://schemas.microsoft.com/office/powerpoint/2010/main" val="3271532187"/>
+        <p14:creationId xmlns:p14="http://schemas.microsoft.com/office/powerpoint/2010/main" val="3459792468"/>
       </p:ext>
     </p:extLst>
   </p:cSld>
@@ -703,7 +704,7 @@
           <a:p>
             <a:r>
               <a:rPr lang="en-US" dirty="0"/>
-              <a:t>LUT</a:t>
+              <a:t>greedy</a:t>
             </a:r>
           </a:p>
         </p:txBody>
@@ -734,7 +735,7 @@
     </p:spTree>
     <p:extLst>
       <p:ext uri="{BB962C8B-B14F-4D97-AF65-F5344CB8AC3E}">
-        <p14:creationId xmlns:p14="http://schemas.microsoft.com/office/powerpoint/2010/main" val="584295099"/>
+        <p14:creationId xmlns:p14="http://schemas.microsoft.com/office/powerpoint/2010/main" val="3271532187"/>
       </p:ext>
     </p:extLst>
   </p:cSld>
@@ -826,7 +827,7 @@
     </p:spTree>
     <p:extLst>
       <p:ext uri="{BB962C8B-B14F-4D97-AF65-F5344CB8AC3E}">
-        <p14:creationId xmlns:p14="http://schemas.microsoft.com/office/powerpoint/2010/main" val="479317588"/>
+        <p14:creationId xmlns:p14="http://schemas.microsoft.com/office/powerpoint/2010/main" val="584295099"/>
       </p:ext>
     </p:extLst>
   </p:cSld>
@@ -910,6 +911,98 @@
             <a:fld id="{8FDC3916-E982-144C-8B92-B76DA21A34E7}" type="slidenum">
               <a:rPr lang="en-US" smtClean="0"/>
               <a:t>5</a:t>
+            </a:fld>
+            <a:endParaRPr lang="en-US"/>
+          </a:p>
+        </p:txBody>
+      </p:sp>
+    </p:spTree>
+    <p:extLst>
+      <p:ext uri="{BB962C8B-B14F-4D97-AF65-F5344CB8AC3E}">
+        <p14:creationId xmlns:p14="http://schemas.microsoft.com/office/powerpoint/2010/main" val="479317588"/>
+      </p:ext>
+    </p:extLst>
+  </p:cSld>
+  <p:clrMapOvr>
+    <a:masterClrMapping/>
+  </p:clrMapOvr>
+</p:notes>
+</file>
+
+<file path=ppt/notesSlides/notesSlide6.xml><?xml version="1.0" encoding="utf-8"?>
+<p:notes xmlns:a="http://schemas.openxmlformats.org/drawingml/2006/main" xmlns:r="http://schemas.openxmlformats.org/officeDocument/2006/relationships" xmlns:p="http://schemas.openxmlformats.org/presentationml/2006/main">
+  <p:cSld>
+    <p:spTree>
+      <p:nvGrpSpPr>
+        <p:cNvPr id="1" name=""/>
+        <p:cNvGrpSpPr/>
+        <p:nvPr/>
+      </p:nvGrpSpPr>
+      <p:grpSpPr>
+        <a:xfrm>
+          <a:off x="0" y="0"/>
+          <a:ext cx="0" cy="0"/>
+          <a:chOff x="0" y="0"/>
+          <a:chExt cx="0" cy="0"/>
+        </a:xfrm>
+      </p:grpSpPr>
+      <p:sp>
+        <p:nvSpPr>
+          <p:cNvPr id="2" name="Slide Image Placeholder 1"/>
+          <p:cNvSpPr>
+            <a:spLocks noGrp="1" noRot="1" noChangeAspect="1"/>
+          </p:cNvSpPr>
+          <p:nvPr>
+            <p:ph type="sldImg"/>
+          </p:nvPr>
+        </p:nvSpPr>
+        <p:spPr>
+          <a:xfrm>
+            <a:off x="1885950" y="1143000"/>
+            <a:ext cx="3086100" cy="3086100"/>
+          </a:xfrm>
+        </p:spPr>
+      </p:sp>
+      <p:sp>
+        <p:nvSpPr>
+          <p:cNvPr id="3" name="Notes Placeholder 2"/>
+          <p:cNvSpPr>
+            <a:spLocks noGrp="1"/>
+          </p:cNvSpPr>
+          <p:nvPr>
+            <p:ph type="body" idx="1"/>
+          </p:nvPr>
+        </p:nvSpPr>
+        <p:spPr/>
+        <p:txBody>
+          <a:bodyPr/>
+          <a:lstStyle/>
+          <a:p>
+            <a:r>
+              <a:rPr lang="en-US" dirty="0"/>
+              <a:t>LUT</a:t>
+            </a:r>
+          </a:p>
+        </p:txBody>
+      </p:sp>
+      <p:sp>
+        <p:nvSpPr>
+          <p:cNvPr id="4" name="Slide Number Placeholder 3"/>
+          <p:cNvSpPr>
+            <a:spLocks noGrp="1"/>
+          </p:cNvSpPr>
+          <p:nvPr>
+            <p:ph type="sldNum" sz="quarter" idx="5"/>
+          </p:nvPr>
+        </p:nvSpPr>
+        <p:spPr/>
+        <p:txBody>
+          <a:bodyPr/>
+          <a:lstStyle/>
+          <a:p>
+            <a:fld id="{8FDC3916-E982-144C-8B92-B76DA21A34E7}" type="slidenum">
+              <a:rPr lang="en-US" smtClean="0"/>
+              <a:t>6</a:t>
             </a:fld>
             <a:endParaRPr lang="en-US"/>
           </a:p>
@@ -1059,7 +1152,7 @@
           <a:p>
             <a:fld id="{98DF4E31-0BCA-2245-9791-A4C408B86257}" type="datetimeFigureOut">
               <a:rPr lang="en-US" smtClean="0"/>
-              <a:t>3/15/24</a:t>
+              <a:t>4/15/24</a:t>
             </a:fld>
             <a:endParaRPr lang="en-US"/>
           </a:p>
@@ -1229,7 +1322,7 @@
           <a:p>
             <a:fld id="{98DF4E31-0BCA-2245-9791-A4C408B86257}" type="datetimeFigureOut">
               <a:rPr lang="en-US" smtClean="0"/>
-              <a:t>3/15/24</a:t>
+              <a:t>4/15/24</a:t>
             </a:fld>
             <a:endParaRPr lang="en-US"/>
           </a:p>
@@ -1409,7 +1502,7 @@
           <a:p>
             <a:fld id="{98DF4E31-0BCA-2245-9791-A4C408B86257}" type="datetimeFigureOut">
               <a:rPr lang="en-US" smtClean="0"/>
-              <a:t>3/15/24</a:t>
+              <a:t>4/15/24</a:t>
             </a:fld>
             <a:endParaRPr lang="en-US"/>
           </a:p>
@@ -1579,7 +1672,7 @@
           <a:p>
             <a:fld id="{98DF4E31-0BCA-2245-9791-A4C408B86257}" type="datetimeFigureOut">
               <a:rPr lang="en-US" smtClean="0"/>
-              <a:t>3/15/24</a:t>
+              <a:t>4/15/24</a:t>
             </a:fld>
             <a:endParaRPr lang="en-US"/>
           </a:p>
@@ -1823,7 +1916,7 @@
           <a:p>
             <a:fld id="{98DF4E31-0BCA-2245-9791-A4C408B86257}" type="datetimeFigureOut">
               <a:rPr lang="en-US" smtClean="0"/>
-              <a:t>3/15/24</a:t>
+              <a:t>4/15/24</a:t>
             </a:fld>
             <a:endParaRPr lang="en-US"/>
           </a:p>
@@ -2055,7 +2148,7 @@
           <a:p>
             <a:fld id="{98DF4E31-0BCA-2245-9791-A4C408B86257}" type="datetimeFigureOut">
               <a:rPr lang="en-US" smtClean="0"/>
-              <a:t>3/15/24</a:t>
+              <a:t>4/15/24</a:t>
             </a:fld>
             <a:endParaRPr lang="en-US"/>
           </a:p>
@@ -2422,7 +2515,7 @@
           <a:p>
             <a:fld id="{98DF4E31-0BCA-2245-9791-A4C408B86257}" type="datetimeFigureOut">
               <a:rPr lang="en-US" smtClean="0"/>
-              <a:t>3/15/24</a:t>
+              <a:t>4/15/24</a:t>
             </a:fld>
             <a:endParaRPr lang="en-US"/>
           </a:p>
@@ -2540,7 +2633,7 @@
           <a:p>
             <a:fld id="{98DF4E31-0BCA-2245-9791-A4C408B86257}" type="datetimeFigureOut">
               <a:rPr lang="en-US" smtClean="0"/>
-              <a:t>3/15/24</a:t>
+              <a:t>4/15/24</a:t>
             </a:fld>
             <a:endParaRPr lang="en-US"/>
           </a:p>
@@ -2635,7 +2728,7 @@
           <a:p>
             <a:fld id="{98DF4E31-0BCA-2245-9791-A4C408B86257}" type="datetimeFigureOut">
               <a:rPr lang="en-US" smtClean="0"/>
-              <a:t>3/15/24</a:t>
+              <a:t>4/15/24</a:t>
             </a:fld>
             <a:endParaRPr lang="en-US"/>
           </a:p>
@@ -2912,7 +3005,7 @@
           <a:p>
             <a:fld id="{98DF4E31-0BCA-2245-9791-A4C408B86257}" type="datetimeFigureOut">
               <a:rPr lang="en-US" smtClean="0"/>
-              <a:t>3/15/24</a:t>
+              <a:t>4/15/24</a:t>
             </a:fld>
             <a:endParaRPr lang="en-US"/>
           </a:p>
@@ -3169,7 +3262,7 @@
           <a:p>
             <a:fld id="{98DF4E31-0BCA-2245-9791-A4C408B86257}" type="datetimeFigureOut">
               <a:rPr lang="en-US" smtClean="0"/>
-              <a:t>3/15/24</a:t>
+              <a:t>4/15/24</a:t>
             </a:fld>
             <a:endParaRPr lang="en-US"/>
           </a:p>
@@ -3382,7 +3475,7 @@
           <a:p>
             <a:fld id="{98DF4E31-0BCA-2245-9791-A4C408B86257}" type="datetimeFigureOut">
               <a:rPr lang="en-US" smtClean="0"/>
-              <a:t>3/15/24</a:t>
+              <a:t>4/15/24</a:t>
             </a:fld>
             <a:endParaRPr lang="en-US"/>
           </a:p>
@@ -4504,6 +4597,766 @@
 </file>
 
 <file path=ppt/slides/slide2.xml><?xml version="1.0" encoding="utf-8"?>
+<p:sld xmlns:a="http://schemas.openxmlformats.org/drawingml/2006/main" xmlns:r="http://schemas.openxmlformats.org/officeDocument/2006/relationships" xmlns:p="http://schemas.openxmlformats.org/presentationml/2006/main">
+  <p:cSld>
+    <p:spTree>
+      <p:nvGrpSpPr>
+        <p:cNvPr id="1" name=""/>
+        <p:cNvGrpSpPr/>
+        <p:nvPr/>
+      </p:nvGrpSpPr>
+      <p:grpSpPr>
+        <a:xfrm>
+          <a:off x="0" y="0"/>
+          <a:ext cx="0" cy="0"/>
+          <a:chOff x="0" y="0"/>
+          <a:chExt cx="0" cy="0"/>
+        </a:xfrm>
+      </p:grpSpPr>
+      <p:grpSp>
+        <p:nvGrpSpPr>
+          <p:cNvPr id="34" name="Group 33">
+            <a:extLst>
+              <a:ext uri="{FF2B5EF4-FFF2-40B4-BE49-F238E27FC236}">
+                <a16:creationId xmlns:a16="http://schemas.microsoft.com/office/drawing/2014/main" id="{A9462E84-D948-0482-9BCF-4D01A5C524B4}"/>
+              </a:ext>
+            </a:extLst>
+          </p:cNvPr>
+          <p:cNvGrpSpPr/>
+          <p:nvPr/>
+        </p:nvGrpSpPr>
+        <p:grpSpPr>
+          <a:xfrm>
+            <a:off x="205495" y="4894351"/>
+            <a:ext cx="11011017" cy="1597193"/>
+            <a:chOff x="205495" y="4894351"/>
+            <a:chExt cx="11011017" cy="1597193"/>
+          </a:xfrm>
+        </p:grpSpPr>
+        <p:cxnSp>
+          <p:nvCxnSpPr>
+            <p:cNvPr id="22" name="Straight Arrow Connector 21">
+              <a:extLst>
+                <a:ext uri="{FF2B5EF4-FFF2-40B4-BE49-F238E27FC236}">
+                  <a16:creationId xmlns:a16="http://schemas.microsoft.com/office/drawing/2014/main" id="{873FC98D-8C21-E73E-715F-C5265FA61D2E}"/>
+                </a:ext>
+              </a:extLst>
+            </p:cNvPr>
+            <p:cNvCxnSpPr>
+              <a:cxnSpLocks/>
+            </p:cNvCxnSpPr>
+            <p:nvPr/>
+          </p:nvCxnSpPr>
+          <p:spPr>
+            <a:xfrm>
+              <a:off x="4527987" y="5247871"/>
+              <a:ext cx="548640" cy="0"/>
+            </a:xfrm>
+            <a:prstGeom prst="straightConnector1">
+              <a:avLst/>
+            </a:prstGeom>
+            <a:ln w="38100">
+              <a:solidFill>
+                <a:schemeClr val="tx1"/>
+              </a:solidFill>
+              <a:headEnd type="none"/>
+              <a:tailEnd type="triangle"/>
+            </a:ln>
+          </p:spPr>
+          <p:style>
+            <a:lnRef idx="1">
+              <a:schemeClr val="accent1"/>
+            </a:lnRef>
+            <a:fillRef idx="0">
+              <a:schemeClr val="accent1"/>
+            </a:fillRef>
+            <a:effectRef idx="0">
+              <a:schemeClr val="accent1"/>
+            </a:effectRef>
+            <a:fontRef idx="minor">
+              <a:schemeClr val="tx1"/>
+            </a:fontRef>
+          </p:style>
+        </p:cxnSp>
+        <p:sp>
+          <p:nvSpPr>
+            <p:cNvPr id="9" name="Rectangle 8">
+              <a:extLst>
+                <a:ext uri="{FF2B5EF4-FFF2-40B4-BE49-F238E27FC236}">
+                  <a16:creationId xmlns:a16="http://schemas.microsoft.com/office/drawing/2014/main" id="{D2D34CD0-792B-46E0-F2B0-B58E1DCFE413}"/>
+                </a:ext>
+              </a:extLst>
+            </p:cNvPr>
+            <p:cNvSpPr/>
+            <p:nvPr/>
+          </p:nvSpPr>
+          <p:spPr>
+            <a:xfrm>
+              <a:off x="205495" y="4894802"/>
+              <a:ext cx="1270000" cy="1579248"/>
+            </a:xfrm>
+            <a:prstGeom prst="rect">
+              <a:avLst/>
+            </a:prstGeom>
+          </p:spPr>
+          <p:style>
+            <a:lnRef idx="1">
+              <a:schemeClr val="accent3"/>
+            </a:lnRef>
+            <a:fillRef idx="2">
+              <a:schemeClr val="accent3"/>
+            </a:fillRef>
+            <a:effectRef idx="1">
+              <a:schemeClr val="accent3"/>
+            </a:effectRef>
+            <a:fontRef idx="minor">
+              <a:schemeClr val="dk1"/>
+            </a:fontRef>
+          </p:style>
+          <p:txBody>
+            <a:bodyPr rtlCol="0" anchor="ctr"/>
+            <a:lstStyle/>
+            <a:p>
+              <a:pPr algn="ctr"/>
+              <a:r>
+                <a:rPr lang="en-US" dirty="0">
+                  <a:latin typeface="Modern No. 20" panose="02070704070505020303" pitchFamily="18" charset="77"/>
+                </a:rPr>
+                <a:t>WHOC (Greedy, LUT, or MPC)</a:t>
+              </a:r>
+              <a:endParaRPr lang="en-US" dirty="0"/>
+            </a:p>
+          </p:txBody>
+        </p:sp>
+        <p:sp>
+          <p:nvSpPr>
+            <p:cNvPr id="14" name="Rectangle 13">
+              <a:extLst>
+                <a:ext uri="{FF2B5EF4-FFF2-40B4-BE49-F238E27FC236}">
+                  <a16:creationId xmlns:a16="http://schemas.microsoft.com/office/drawing/2014/main" id="{61690CAA-70EC-48C9-007B-B2D566437053}"/>
+                </a:ext>
+              </a:extLst>
+            </p:cNvPr>
+            <p:cNvSpPr/>
+            <p:nvPr/>
+          </p:nvSpPr>
+          <p:spPr>
+            <a:xfrm>
+              <a:off x="5075142" y="4908132"/>
+              <a:ext cx="1270000" cy="1579699"/>
+            </a:xfrm>
+            <a:prstGeom prst="rect">
+              <a:avLst/>
+            </a:prstGeom>
+          </p:spPr>
+          <p:style>
+            <a:lnRef idx="1">
+              <a:schemeClr val="accent3"/>
+            </a:lnRef>
+            <a:fillRef idx="2">
+              <a:schemeClr val="accent3"/>
+            </a:fillRef>
+            <a:effectRef idx="1">
+              <a:schemeClr val="accent3"/>
+            </a:effectRef>
+            <a:fontRef idx="minor">
+              <a:schemeClr val="dk1"/>
+            </a:fontRef>
+          </p:style>
+          <p:txBody>
+            <a:bodyPr rtlCol="0" anchor="ctr"/>
+            <a:lstStyle/>
+            <a:p>
+              <a:pPr algn="ctr"/>
+              <a:r>
+                <a:rPr lang="en-US" dirty="0">
+                  <a:latin typeface="Modern No. 20" panose="02070704070505020303" pitchFamily="18" charset="77"/>
+                </a:rPr>
+                <a:t>Hercules</a:t>
+              </a:r>
+              <a:endParaRPr lang="en-US" dirty="0"/>
+            </a:p>
+          </p:txBody>
+        </p:sp>
+        <p:cxnSp>
+          <p:nvCxnSpPr>
+            <p:cNvPr id="17" name="Straight Arrow Connector 16">
+              <a:extLst>
+                <a:ext uri="{FF2B5EF4-FFF2-40B4-BE49-F238E27FC236}">
+                  <a16:creationId xmlns:a16="http://schemas.microsoft.com/office/drawing/2014/main" id="{21B53153-275D-B19F-BBC8-2E8A0DFB94F6}"/>
+                </a:ext>
+              </a:extLst>
+            </p:cNvPr>
+            <p:cNvCxnSpPr>
+              <a:cxnSpLocks/>
+            </p:cNvCxnSpPr>
+            <p:nvPr/>
+          </p:nvCxnSpPr>
+          <p:spPr>
+            <a:xfrm>
+              <a:off x="1475495" y="6091166"/>
+              <a:ext cx="548640" cy="0"/>
+            </a:xfrm>
+            <a:prstGeom prst="straightConnector1">
+              <a:avLst/>
+            </a:prstGeom>
+            <a:ln w="38100">
+              <a:solidFill>
+                <a:schemeClr val="tx1"/>
+              </a:solidFill>
+              <a:headEnd type="triangle"/>
+              <a:tailEnd type="none"/>
+            </a:ln>
+          </p:spPr>
+          <p:style>
+            <a:lnRef idx="1">
+              <a:schemeClr val="accent1"/>
+            </a:lnRef>
+            <a:fillRef idx="0">
+              <a:schemeClr val="accent1"/>
+            </a:fillRef>
+            <a:effectRef idx="0">
+              <a:schemeClr val="accent1"/>
+            </a:effectRef>
+            <a:fontRef idx="minor">
+              <a:schemeClr val="tx1"/>
+            </a:fontRef>
+          </p:style>
+        </p:cxnSp>
+        <p:sp>
+          <p:nvSpPr>
+            <p:cNvPr id="36" name="Parallelogram 35">
+              <a:extLst>
+                <a:ext uri="{FF2B5EF4-FFF2-40B4-BE49-F238E27FC236}">
+                  <a16:creationId xmlns:a16="http://schemas.microsoft.com/office/drawing/2014/main" id="{4D4E4DC2-B7A6-8E0E-0155-ADD66FCD3F7B}"/>
+                </a:ext>
+              </a:extLst>
+            </p:cNvPr>
+            <p:cNvSpPr/>
+            <p:nvPr/>
+          </p:nvSpPr>
+          <p:spPr>
+            <a:xfrm>
+              <a:off x="1929384" y="4894356"/>
+              <a:ext cx="2688336" cy="690875"/>
+            </a:xfrm>
+            <a:prstGeom prst="parallelogram">
+              <a:avLst/>
+            </a:prstGeom>
+            <a:ln/>
+          </p:spPr>
+          <p:style>
+            <a:lnRef idx="1">
+              <a:schemeClr val="accent3"/>
+            </a:lnRef>
+            <a:fillRef idx="2">
+              <a:schemeClr val="accent3"/>
+            </a:fillRef>
+            <a:effectRef idx="1">
+              <a:schemeClr val="accent3"/>
+            </a:effectRef>
+            <a:fontRef idx="minor">
+              <a:schemeClr val="dk1"/>
+            </a:fontRef>
+          </p:style>
+          <p:txBody>
+            <a:bodyPr rtlCol="0" anchor="ctr"/>
+            <a:lstStyle/>
+            <a:p>
+              <a:pPr algn="ctr"/>
+              <a:r>
+                <a:rPr lang="en-US" dirty="0">
+                  <a:latin typeface="Modern No. 20" panose="02070704070505020303" pitchFamily="18" charset="77"/>
+                </a:rPr>
+                <a:t>Turbine Yaw Setpoints</a:t>
+              </a:r>
+            </a:p>
+          </p:txBody>
+        </p:sp>
+        <p:cxnSp>
+          <p:nvCxnSpPr>
+            <p:cNvPr id="5" name="Straight Arrow Connector 4">
+              <a:extLst>
+                <a:ext uri="{FF2B5EF4-FFF2-40B4-BE49-F238E27FC236}">
+                  <a16:creationId xmlns:a16="http://schemas.microsoft.com/office/drawing/2014/main" id="{0CCB287E-D993-6C83-4FAE-FFBEF4CFD1DD}"/>
+                </a:ext>
+              </a:extLst>
+            </p:cNvPr>
+            <p:cNvCxnSpPr>
+              <a:cxnSpLocks/>
+            </p:cNvCxnSpPr>
+            <p:nvPr/>
+          </p:nvCxnSpPr>
+          <p:spPr>
+            <a:xfrm>
+              <a:off x="1475495" y="5221588"/>
+              <a:ext cx="548640" cy="0"/>
+            </a:xfrm>
+            <a:prstGeom prst="straightConnector1">
+              <a:avLst/>
+            </a:prstGeom>
+            <a:ln w="38100">
+              <a:solidFill>
+                <a:schemeClr val="tx1"/>
+              </a:solidFill>
+              <a:tailEnd type="triangle"/>
+            </a:ln>
+          </p:spPr>
+          <p:style>
+            <a:lnRef idx="1">
+              <a:schemeClr val="accent1"/>
+            </a:lnRef>
+            <a:fillRef idx="0">
+              <a:schemeClr val="accent1"/>
+            </a:fillRef>
+            <a:effectRef idx="0">
+              <a:schemeClr val="accent1"/>
+            </a:effectRef>
+            <a:fontRef idx="minor">
+              <a:schemeClr val="tx1"/>
+            </a:fontRef>
+          </p:style>
+        </p:cxnSp>
+        <p:sp>
+          <p:nvSpPr>
+            <p:cNvPr id="10" name="Parallelogram 9">
+              <a:extLst>
+                <a:ext uri="{FF2B5EF4-FFF2-40B4-BE49-F238E27FC236}">
+                  <a16:creationId xmlns:a16="http://schemas.microsoft.com/office/drawing/2014/main" id="{B19274DD-7325-6E83-FC7C-0C0E9B21FAB6}"/>
+                </a:ext>
+              </a:extLst>
+            </p:cNvPr>
+            <p:cNvSpPr/>
+            <p:nvPr/>
+          </p:nvSpPr>
+          <p:spPr>
+            <a:xfrm>
+              <a:off x="1928367" y="5783175"/>
+              <a:ext cx="2689405" cy="690875"/>
+            </a:xfrm>
+            <a:prstGeom prst="parallelogram">
+              <a:avLst/>
+            </a:prstGeom>
+            <a:ln/>
+          </p:spPr>
+          <p:style>
+            <a:lnRef idx="1">
+              <a:schemeClr val="accent3"/>
+            </a:lnRef>
+            <a:fillRef idx="2">
+              <a:schemeClr val="accent3"/>
+            </a:fillRef>
+            <a:effectRef idx="1">
+              <a:schemeClr val="accent3"/>
+            </a:effectRef>
+            <a:fontRef idx="minor">
+              <a:schemeClr val="dk1"/>
+            </a:fontRef>
+          </p:style>
+          <p:txBody>
+            <a:bodyPr rtlCol="0" anchor="ctr"/>
+            <a:lstStyle/>
+            <a:p>
+              <a:pPr algn="ctr"/>
+              <a:r>
+                <a:rPr lang="en-US" dirty="0">
+                  <a:latin typeface="Modern No. 20" panose="02070704070505020303" pitchFamily="18" charset="77"/>
+                </a:rPr>
+                <a:t>Turbine Wind Dirs., Speeds, Powers</a:t>
+              </a:r>
+            </a:p>
+          </p:txBody>
+        </p:sp>
+        <p:cxnSp>
+          <p:nvCxnSpPr>
+            <p:cNvPr id="21" name="Straight Arrow Connector 20">
+              <a:extLst>
+                <a:ext uri="{FF2B5EF4-FFF2-40B4-BE49-F238E27FC236}">
+                  <a16:creationId xmlns:a16="http://schemas.microsoft.com/office/drawing/2014/main" id="{E6E6745C-F71B-35CC-4146-227C4D715DC2}"/>
+                </a:ext>
+              </a:extLst>
+            </p:cNvPr>
+            <p:cNvCxnSpPr>
+              <a:cxnSpLocks/>
+            </p:cNvCxnSpPr>
+            <p:nvPr/>
+          </p:nvCxnSpPr>
+          <p:spPr>
+            <a:xfrm>
+              <a:off x="4527987" y="6117449"/>
+              <a:ext cx="548640" cy="0"/>
+            </a:xfrm>
+            <a:prstGeom prst="straightConnector1">
+              <a:avLst/>
+            </a:prstGeom>
+            <a:ln w="38100">
+              <a:solidFill>
+                <a:schemeClr val="tx1"/>
+              </a:solidFill>
+              <a:headEnd type="triangle"/>
+              <a:tailEnd type="none"/>
+            </a:ln>
+          </p:spPr>
+          <p:style>
+            <a:lnRef idx="1">
+              <a:schemeClr val="accent1"/>
+            </a:lnRef>
+            <a:fillRef idx="0">
+              <a:schemeClr val="accent1"/>
+            </a:fillRef>
+            <a:effectRef idx="0">
+              <a:schemeClr val="accent1"/>
+            </a:effectRef>
+            <a:fontRef idx="minor">
+              <a:schemeClr val="tx1"/>
+            </a:fontRef>
+          </p:style>
+        </p:cxnSp>
+        <p:cxnSp>
+          <p:nvCxnSpPr>
+            <p:cNvPr id="25" name="Straight Arrow Connector 24">
+              <a:extLst>
+                <a:ext uri="{FF2B5EF4-FFF2-40B4-BE49-F238E27FC236}">
+                  <a16:creationId xmlns:a16="http://schemas.microsoft.com/office/drawing/2014/main" id="{F31FAA5C-6ABD-86E9-8FE2-8A4EA1C987B2}"/>
+                </a:ext>
+              </a:extLst>
+            </p:cNvPr>
+            <p:cNvCxnSpPr>
+              <a:cxnSpLocks/>
+            </p:cNvCxnSpPr>
+            <p:nvPr/>
+          </p:nvCxnSpPr>
+          <p:spPr>
+            <a:xfrm>
+              <a:off x="6344065" y="6117449"/>
+              <a:ext cx="548640" cy="0"/>
+            </a:xfrm>
+            <a:prstGeom prst="straightConnector1">
+              <a:avLst/>
+            </a:prstGeom>
+            <a:ln w="38100">
+              <a:solidFill>
+                <a:schemeClr val="tx1"/>
+              </a:solidFill>
+              <a:headEnd type="triangle"/>
+              <a:tailEnd type="none"/>
+            </a:ln>
+          </p:spPr>
+          <p:style>
+            <a:lnRef idx="1">
+              <a:schemeClr val="accent1"/>
+            </a:lnRef>
+            <a:fillRef idx="0">
+              <a:schemeClr val="accent1"/>
+            </a:fillRef>
+            <a:effectRef idx="0">
+              <a:schemeClr val="accent1"/>
+            </a:effectRef>
+            <a:fontRef idx="minor">
+              <a:schemeClr val="tx1"/>
+            </a:fontRef>
+          </p:style>
+        </p:cxnSp>
+        <p:cxnSp>
+          <p:nvCxnSpPr>
+            <p:cNvPr id="26" name="Straight Arrow Connector 25">
+              <a:extLst>
+                <a:ext uri="{FF2B5EF4-FFF2-40B4-BE49-F238E27FC236}">
+                  <a16:creationId xmlns:a16="http://schemas.microsoft.com/office/drawing/2014/main" id="{C9B43FFD-DA41-4515-02A5-C1C17AE2A591}"/>
+                </a:ext>
+              </a:extLst>
+            </p:cNvPr>
+            <p:cNvCxnSpPr>
+              <a:cxnSpLocks/>
+            </p:cNvCxnSpPr>
+            <p:nvPr/>
+          </p:nvCxnSpPr>
+          <p:spPr>
+            <a:xfrm>
+              <a:off x="6344065" y="5247871"/>
+              <a:ext cx="548640" cy="0"/>
+            </a:xfrm>
+            <a:prstGeom prst="straightConnector1">
+              <a:avLst/>
+            </a:prstGeom>
+            <a:ln w="38100">
+              <a:solidFill>
+                <a:schemeClr val="tx1"/>
+              </a:solidFill>
+              <a:headEnd type="none"/>
+              <a:tailEnd type="triangle"/>
+            </a:ln>
+          </p:spPr>
+          <p:style>
+            <a:lnRef idx="1">
+              <a:schemeClr val="accent1"/>
+            </a:lnRef>
+            <a:fillRef idx="0">
+              <a:schemeClr val="accent1"/>
+            </a:fillRef>
+            <a:effectRef idx="0">
+              <a:schemeClr val="accent1"/>
+            </a:effectRef>
+            <a:fontRef idx="minor">
+              <a:schemeClr val="tx1"/>
+            </a:fontRef>
+          </p:style>
+        </p:cxnSp>
+        <p:sp>
+          <p:nvSpPr>
+            <p:cNvPr id="27" name="Parallelogram 26">
+              <a:extLst>
+                <a:ext uri="{FF2B5EF4-FFF2-40B4-BE49-F238E27FC236}">
+                  <a16:creationId xmlns:a16="http://schemas.microsoft.com/office/drawing/2014/main" id="{29773C2D-1E98-1FFC-946A-0DF463ACC53E}"/>
+                </a:ext>
+              </a:extLst>
+            </p:cNvPr>
+            <p:cNvSpPr/>
+            <p:nvPr/>
+          </p:nvSpPr>
+          <p:spPr>
+            <a:xfrm>
+              <a:off x="6793992" y="4911850"/>
+              <a:ext cx="2688336" cy="690875"/>
+            </a:xfrm>
+            <a:prstGeom prst="parallelogram">
+              <a:avLst/>
+            </a:prstGeom>
+            <a:ln/>
+          </p:spPr>
+          <p:style>
+            <a:lnRef idx="1">
+              <a:schemeClr val="accent3"/>
+            </a:lnRef>
+            <a:fillRef idx="2">
+              <a:schemeClr val="accent3"/>
+            </a:fillRef>
+            <a:effectRef idx="1">
+              <a:schemeClr val="accent3"/>
+            </a:effectRef>
+            <a:fontRef idx="minor">
+              <a:schemeClr val="dk1"/>
+            </a:fontRef>
+          </p:style>
+          <p:txBody>
+            <a:bodyPr rtlCol="0" anchor="ctr"/>
+            <a:lstStyle/>
+            <a:p>
+              <a:pPr algn="ctr"/>
+              <a:r>
+                <a:rPr lang="en-US" dirty="0">
+                  <a:latin typeface="Modern No. 20" panose="02070704070505020303" pitchFamily="18" charset="77"/>
+                </a:rPr>
+                <a:t>Packaged AMR=Wind Inputs</a:t>
+              </a:r>
+            </a:p>
+          </p:txBody>
+        </p:sp>
+        <p:sp>
+          <p:nvSpPr>
+            <p:cNvPr id="28" name="Parallelogram 27">
+              <a:extLst>
+                <a:ext uri="{FF2B5EF4-FFF2-40B4-BE49-F238E27FC236}">
+                  <a16:creationId xmlns:a16="http://schemas.microsoft.com/office/drawing/2014/main" id="{F5C5D2EE-4E54-0AEF-B610-82C8969D843B}"/>
+                </a:ext>
+              </a:extLst>
+            </p:cNvPr>
+            <p:cNvSpPr/>
+            <p:nvPr/>
+          </p:nvSpPr>
+          <p:spPr>
+            <a:xfrm>
+              <a:off x="6792249" y="5800669"/>
+              <a:ext cx="2688336" cy="690875"/>
+            </a:xfrm>
+            <a:prstGeom prst="parallelogram">
+              <a:avLst/>
+            </a:prstGeom>
+            <a:ln/>
+          </p:spPr>
+          <p:style>
+            <a:lnRef idx="1">
+              <a:schemeClr val="accent3"/>
+            </a:lnRef>
+            <a:fillRef idx="2">
+              <a:schemeClr val="accent3"/>
+            </a:fillRef>
+            <a:effectRef idx="1">
+              <a:schemeClr val="accent3"/>
+            </a:effectRef>
+            <a:fontRef idx="minor">
+              <a:schemeClr val="dk1"/>
+            </a:fontRef>
+          </p:style>
+          <p:txBody>
+            <a:bodyPr rtlCol="0" anchor="ctr"/>
+            <a:lstStyle/>
+            <a:p>
+              <a:pPr algn="ctr"/>
+              <a:r>
+                <a:rPr lang="en-US" dirty="0">
+                  <a:latin typeface="Modern No. 20" panose="02070704070505020303" pitchFamily="18" charset="77"/>
+                </a:rPr>
+                <a:t>Raw AMR-Wind Outputs</a:t>
+              </a:r>
+            </a:p>
+          </p:txBody>
+        </p:sp>
+        <p:sp>
+          <p:nvSpPr>
+            <p:cNvPr id="29" name="Rectangle 28">
+              <a:extLst>
+                <a:ext uri="{FF2B5EF4-FFF2-40B4-BE49-F238E27FC236}">
+                  <a16:creationId xmlns:a16="http://schemas.microsoft.com/office/drawing/2014/main" id="{6B5817EB-1945-E832-2DFF-EC6B9B59F72D}"/>
+                </a:ext>
+              </a:extLst>
+            </p:cNvPr>
+            <p:cNvSpPr/>
+            <p:nvPr/>
+          </p:nvSpPr>
+          <p:spPr>
+            <a:xfrm>
+              <a:off x="9946512" y="4894351"/>
+              <a:ext cx="1270000" cy="1579699"/>
+            </a:xfrm>
+            <a:prstGeom prst="rect">
+              <a:avLst/>
+            </a:prstGeom>
+          </p:spPr>
+          <p:style>
+            <a:lnRef idx="1">
+              <a:schemeClr val="accent3"/>
+            </a:lnRef>
+            <a:fillRef idx="2">
+              <a:schemeClr val="accent3"/>
+            </a:fillRef>
+            <a:effectRef idx="1">
+              <a:schemeClr val="accent3"/>
+            </a:effectRef>
+            <a:fontRef idx="minor">
+              <a:schemeClr val="dk1"/>
+            </a:fontRef>
+          </p:style>
+          <p:txBody>
+            <a:bodyPr rtlCol="0" anchor="ctr"/>
+            <a:lstStyle/>
+            <a:p>
+              <a:pPr algn="ctr"/>
+              <a:r>
+                <a:rPr lang="en-US" dirty="0">
+                  <a:latin typeface="Modern No. 20" panose="02070704070505020303" pitchFamily="18" charset="77"/>
+                </a:rPr>
+                <a:t>AMR-Wind</a:t>
+              </a:r>
+              <a:endParaRPr lang="en-US" dirty="0"/>
+            </a:p>
+          </p:txBody>
+        </p:sp>
+        <p:cxnSp>
+          <p:nvCxnSpPr>
+            <p:cNvPr id="30" name="Straight Arrow Connector 29">
+              <a:extLst>
+                <a:ext uri="{FF2B5EF4-FFF2-40B4-BE49-F238E27FC236}">
+                  <a16:creationId xmlns:a16="http://schemas.microsoft.com/office/drawing/2014/main" id="{1AC34B00-9B0D-5EA9-467C-A75BEC7BC443}"/>
+                </a:ext>
+              </a:extLst>
+            </p:cNvPr>
+            <p:cNvCxnSpPr>
+              <a:cxnSpLocks/>
+            </p:cNvCxnSpPr>
+            <p:nvPr/>
+          </p:nvCxnSpPr>
+          <p:spPr>
+            <a:xfrm>
+              <a:off x="9397872" y="6108488"/>
+              <a:ext cx="548640" cy="0"/>
+            </a:xfrm>
+            <a:prstGeom prst="straightConnector1">
+              <a:avLst/>
+            </a:prstGeom>
+            <a:ln w="38100">
+              <a:solidFill>
+                <a:schemeClr val="tx1"/>
+              </a:solidFill>
+              <a:headEnd type="triangle"/>
+              <a:tailEnd type="none"/>
+            </a:ln>
+          </p:spPr>
+          <p:style>
+            <a:lnRef idx="1">
+              <a:schemeClr val="accent1"/>
+            </a:lnRef>
+            <a:fillRef idx="0">
+              <a:schemeClr val="accent1"/>
+            </a:fillRef>
+            <a:effectRef idx="0">
+              <a:schemeClr val="accent1"/>
+            </a:effectRef>
+            <a:fontRef idx="minor">
+              <a:schemeClr val="tx1"/>
+            </a:fontRef>
+          </p:style>
+        </p:cxnSp>
+        <p:cxnSp>
+          <p:nvCxnSpPr>
+            <p:cNvPr id="31" name="Straight Arrow Connector 30">
+              <a:extLst>
+                <a:ext uri="{FF2B5EF4-FFF2-40B4-BE49-F238E27FC236}">
+                  <a16:creationId xmlns:a16="http://schemas.microsoft.com/office/drawing/2014/main" id="{558AD731-8294-DE29-9509-45BB53D02CE5}"/>
+                </a:ext>
+              </a:extLst>
+            </p:cNvPr>
+            <p:cNvCxnSpPr>
+              <a:cxnSpLocks/>
+            </p:cNvCxnSpPr>
+            <p:nvPr/>
+          </p:nvCxnSpPr>
+          <p:spPr>
+            <a:xfrm>
+              <a:off x="9397872" y="5238910"/>
+              <a:ext cx="548640" cy="0"/>
+            </a:xfrm>
+            <a:prstGeom prst="straightConnector1">
+              <a:avLst/>
+            </a:prstGeom>
+            <a:ln w="38100">
+              <a:solidFill>
+                <a:schemeClr val="tx1"/>
+              </a:solidFill>
+              <a:headEnd type="none"/>
+              <a:tailEnd type="triangle"/>
+            </a:ln>
+          </p:spPr>
+          <p:style>
+            <a:lnRef idx="1">
+              <a:schemeClr val="accent1"/>
+            </a:lnRef>
+            <a:fillRef idx="0">
+              <a:schemeClr val="accent1"/>
+            </a:fillRef>
+            <a:effectRef idx="0">
+              <a:schemeClr val="accent1"/>
+            </a:effectRef>
+            <a:fontRef idx="minor">
+              <a:schemeClr val="tx1"/>
+            </a:fontRef>
+          </p:style>
+        </p:cxnSp>
+      </p:grpSp>
+    </p:spTree>
+    <p:extLst>
+      <p:ext uri="{BB962C8B-B14F-4D97-AF65-F5344CB8AC3E}">
+        <p14:creationId xmlns:p14="http://schemas.microsoft.com/office/powerpoint/2010/main" val="3594315945"/>
+      </p:ext>
+    </p:extLst>
+  </p:cSld>
+  <p:clrMapOvr>
+    <a:masterClrMapping/>
+  </p:clrMapOvr>
+</p:sld>
+</file>
+
+<file path=ppt/slides/slide3.xml><?xml version="1.0" encoding="utf-8"?>
 <p:sld xmlns:a="http://schemas.openxmlformats.org/drawingml/2006/main" xmlns:r="http://schemas.openxmlformats.org/officeDocument/2006/relationships" xmlns:p="http://schemas.openxmlformats.org/presentationml/2006/main">
   <p:cSld>
     <p:spTree>
@@ -5791,7 +6644,7 @@
 </p:sld>
 </file>
 
-<file path=ppt/slides/slide3.xml><?xml version="1.0" encoding="utf-8"?>
+<file path=ppt/slides/slide4.xml><?xml version="1.0" encoding="utf-8"?>
 <p:sld xmlns:a="http://schemas.openxmlformats.org/drawingml/2006/main" xmlns:r="http://schemas.openxmlformats.org/officeDocument/2006/relationships" xmlns:p="http://schemas.openxmlformats.org/presentationml/2006/main">
   <p:cSld>
     <p:spTree>
@@ -7094,7 +7947,7 @@
 </p:sld>
 </file>
 
-<file path=ppt/slides/slide4.xml><?xml version="1.0" encoding="utf-8"?>
+<file path=ppt/slides/slide5.xml><?xml version="1.0" encoding="utf-8"?>
 <p:sld xmlns:a="http://schemas.openxmlformats.org/drawingml/2006/main" xmlns:r="http://schemas.openxmlformats.org/officeDocument/2006/relationships" xmlns:p="http://schemas.openxmlformats.org/presentationml/2006/main">
   <p:cSld>
     <p:spTree>
@@ -7113,10 +7966,10 @@
       </p:grpSpPr>
       <p:grpSp>
         <p:nvGrpSpPr>
-          <p:cNvPr id="106" name="Group 105">
+          <p:cNvPr id="6" name="Group 5">
             <a:extLst>
               <a:ext uri="{FF2B5EF4-FFF2-40B4-BE49-F238E27FC236}">
-                <a16:creationId xmlns:a16="http://schemas.microsoft.com/office/drawing/2014/main" id="{E4413299-E165-76CB-26C4-63F78870AA6C}"/>
+                <a16:creationId xmlns:a16="http://schemas.microsoft.com/office/drawing/2014/main" id="{CC6586D5-5F11-C131-062B-B5CC6347427F}"/>
               </a:ext>
             </a:extLst>
           </p:cNvPr>
@@ -7125,10 +7978,10 @@
         </p:nvGrpSpPr>
         <p:grpSpPr>
           <a:xfrm>
-            <a:off x="1764092" y="4270861"/>
-            <a:ext cx="9217886" cy="4914945"/>
-            <a:chOff x="1764092" y="4270861"/>
-            <a:chExt cx="9217886" cy="4914945"/>
+            <a:off x="1764092" y="4434840"/>
+            <a:ext cx="9217886" cy="4826010"/>
+            <a:chOff x="1764092" y="4434840"/>
+            <a:chExt cx="9217886" cy="4826010"/>
           </a:xfrm>
         </p:grpSpPr>
         <p:sp>
@@ -7144,9 +7997,9 @@
             <p:nvPr/>
           </p:nvSpPr>
           <p:spPr>
-            <a:xfrm rot="-1200000">
-              <a:off x="9607936" y="4270861"/>
-              <a:ext cx="773426" cy="4825498"/>
+            <a:xfrm rot="20400000">
+              <a:off x="9762513" y="4434840"/>
+              <a:ext cx="649224" cy="4825498"/>
             </a:xfrm>
             <a:prstGeom prst="ellipse">
               <a:avLst/>
@@ -7208,8 +8061,8 @@
             <p:nvPr/>
           </p:nvSpPr>
           <p:spPr>
-            <a:xfrm rot="-1200000">
-              <a:off x="9247430" y="6082080"/>
+            <a:xfrm rot="20400000">
+              <a:off x="9172014" y="6071616"/>
               <a:ext cx="467776" cy="1387784"/>
             </a:xfrm>
             <a:prstGeom prst="ellipse">
@@ -7272,8 +8125,8 @@
             <p:nvPr/>
           </p:nvSpPr>
           <p:spPr>
-            <a:xfrm rot="-1200000">
-              <a:off x="10442118" y="6017256"/>
+            <a:xfrm rot="20400000">
+              <a:off x="10423429" y="6071616"/>
               <a:ext cx="467776" cy="1387784"/>
             </a:xfrm>
             <a:prstGeom prst="ellipse">
@@ -7336,8 +8189,8 @@
             <p:nvPr/>
           </p:nvSpPr>
           <p:spPr>
-            <a:xfrm rot="-1200000">
-              <a:off x="7989488" y="7619740"/>
+            <a:xfrm rot="20400000">
+              <a:off x="7918421" y="7619740"/>
               <a:ext cx="467776" cy="1387784"/>
             </a:xfrm>
             <a:prstGeom prst="ellipse">
@@ -7399,8 +8252,8 @@
             <p:nvPr/>
           </p:nvSpPr>
           <p:spPr>
-            <a:xfrm rot="-1200000">
-              <a:off x="7956027" y="6075179"/>
+            <a:xfrm rot="20400000">
+              <a:off x="7918319" y="6075179"/>
               <a:ext cx="467776" cy="1387784"/>
             </a:xfrm>
             <a:prstGeom prst="ellipse">
@@ -7463,9 +8316,9 @@
             <p:nvPr/>
           </p:nvSpPr>
           <p:spPr>
-            <a:xfrm rot="-1200000">
-              <a:off x="8425422" y="4360308"/>
-              <a:ext cx="773426" cy="4825498"/>
+            <a:xfrm rot="20400000">
+              <a:off x="8511123" y="4435352"/>
+              <a:ext cx="646537" cy="4825498"/>
             </a:xfrm>
             <a:prstGeom prst="ellipse">
               <a:avLst/>
@@ -7630,8 +8483,8 @@
               </a:fontRef>
             </p:style>
           </p:cxnSp>
-          <mc:AlternateContent xmlns:mc="http://schemas.openxmlformats.org/markup-compatibility/2006">
-            <mc:Choice xmlns:a14="http://schemas.microsoft.com/office/drawing/2010/main" Requires="a14">
+          <mc:AlternateContent xmlns:mc="http://schemas.openxmlformats.org/markup-compatibility/2006" xmlns:a14="http://schemas.microsoft.com/office/drawing/2010/main">
+            <mc:Choice Requires="a14">
               <p:sp>
                 <p:nvSpPr>
                   <p:cNvPr id="17" name="TextBox 16">
@@ -7684,7 +8537,7 @@
                 </p:txBody>
               </p:sp>
             </mc:Choice>
-            <mc:Fallback>
+            <mc:Fallback xmlns="">
               <p:sp>
                 <p:nvSpPr>
                   <p:cNvPr id="17" name="TextBox 16">
@@ -7729,8 +8582,8 @@
               </p:sp>
             </mc:Fallback>
           </mc:AlternateContent>
-          <mc:AlternateContent xmlns:mc="http://schemas.openxmlformats.org/markup-compatibility/2006">
-            <mc:Choice xmlns:a14="http://schemas.microsoft.com/office/drawing/2010/main" Requires="a14">
+          <mc:AlternateContent xmlns:mc="http://schemas.openxmlformats.org/markup-compatibility/2006" xmlns:a14="http://schemas.microsoft.com/office/drawing/2010/main">
+            <mc:Choice Requires="a14">
               <p:sp>
                 <p:nvSpPr>
                   <p:cNvPr id="18" name="TextBox 17">
@@ -7783,7 +8636,7 @@
                 </p:txBody>
               </p:sp>
             </mc:Choice>
-            <mc:Fallback>
+            <mc:Fallback xmlns="">
               <p:sp>
                 <p:nvSpPr>
                   <p:cNvPr id="18" name="TextBox 17">
@@ -7927,8 +8780,8 @@
               </a:p>
             </p:txBody>
           </p:sp>
-          <mc:AlternateContent xmlns:mc="http://schemas.openxmlformats.org/markup-compatibility/2006">
-            <mc:Choice xmlns:a14="http://schemas.microsoft.com/office/drawing/2010/main" Requires="a14">
+          <mc:AlternateContent xmlns:mc="http://schemas.openxmlformats.org/markup-compatibility/2006" xmlns:a14="http://schemas.microsoft.com/office/drawing/2010/main">
+            <mc:Choice Requires="a14">
               <p:sp>
                 <p:nvSpPr>
                   <p:cNvPr id="33" name="TextBox 32">
@@ -8119,7 +8972,7 @@
                 </p:txBody>
               </p:sp>
             </mc:Choice>
-            <mc:Fallback>
+            <mc:Fallback xmlns="">
               <p:sp>
                 <p:nvSpPr>
                   <p:cNvPr id="33" name="TextBox 32">
@@ -8178,7 +9031,7 @@
             <p:nvPr/>
           </p:nvGrpSpPr>
           <p:grpSpPr>
-            <a:xfrm rot="-1200000">
+            <a:xfrm rot="20400000">
               <a:off x="3931413" y="4462652"/>
               <a:ext cx="2764038" cy="2602946"/>
               <a:chOff x="4295406" y="1907588"/>
@@ -8281,8 +9134,8 @@
               </a:fontRef>
             </p:style>
           </p:cxnSp>
-          <mc:AlternateContent xmlns:mc="http://schemas.openxmlformats.org/markup-compatibility/2006">
-            <mc:Choice xmlns:a14="http://schemas.microsoft.com/office/drawing/2010/main" Requires="a14">
+          <mc:AlternateContent xmlns:mc="http://schemas.openxmlformats.org/markup-compatibility/2006" xmlns:a14="http://schemas.microsoft.com/office/drawing/2010/main">
+            <mc:Choice Requires="a14">
               <p:sp>
                 <p:nvSpPr>
                   <p:cNvPr id="60" name="TextBox 59">
@@ -8344,7 +9197,7 @@
                 </p:txBody>
               </p:sp>
             </mc:Choice>
-            <mc:Fallback>
+            <mc:Fallback xmlns="">
               <p:sp>
                 <p:nvSpPr>
                   <p:cNvPr id="60" name="TextBox 59">
@@ -8389,8 +9242,8 @@
               </p:sp>
             </mc:Fallback>
           </mc:AlternateContent>
-          <mc:AlternateContent xmlns:mc="http://schemas.openxmlformats.org/markup-compatibility/2006">
-            <mc:Choice xmlns:a14="http://schemas.microsoft.com/office/drawing/2010/main" Requires="a14">
+          <mc:AlternateContent xmlns:mc="http://schemas.openxmlformats.org/markup-compatibility/2006" xmlns:a14="http://schemas.microsoft.com/office/drawing/2010/main">
+            <mc:Choice Requires="a14">
               <p:sp>
                 <p:nvSpPr>
                   <p:cNvPr id="61" name="TextBox 60">
@@ -8452,7 +9305,7 @@
                 </p:txBody>
               </p:sp>
             </mc:Choice>
-            <mc:Fallback>
+            <mc:Fallback xmlns="">
               <p:sp>
                 <p:nvSpPr>
                   <p:cNvPr id="61" name="TextBox 60">
@@ -9001,7 +9854,7 @@
           </p:nvGrpSpPr>
           <p:grpSpPr>
             <a:xfrm>
-              <a:off x="9367033" y="4635629"/>
+              <a:off x="9367033" y="4681728"/>
               <a:ext cx="365797" cy="993670"/>
               <a:chOff x="4397514" y="658002"/>
               <a:chExt cx="1280242" cy="3477718"/>
@@ -9164,7 +10017,7 @@
           </p:nvGrpSpPr>
           <p:grpSpPr>
             <a:xfrm>
-              <a:off x="10616181" y="4634771"/>
+              <a:off x="10616181" y="4681728"/>
               <a:ext cx="365797" cy="993670"/>
               <a:chOff x="4397514" y="658002"/>
               <a:chExt cx="1280242" cy="3477718"/>
@@ -9490,7 +10343,7 @@
           </p:nvGrpSpPr>
           <p:grpSpPr>
             <a:xfrm>
-              <a:off x="9363751" y="6286810"/>
+              <a:off x="9363751" y="6236208"/>
               <a:ext cx="365797" cy="993670"/>
               <a:chOff x="4397514" y="658002"/>
               <a:chExt cx="1280242" cy="3477718"/>
@@ -9653,7 +10506,7 @@
           </p:nvGrpSpPr>
           <p:grpSpPr>
             <a:xfrm>
-              <a:off x="9371910" y="7837957"/>
+              <a:off x="9363456" y="7790688"/>
               <a:ext cx="365797" cy="993670"/>
               <a:chOff x="4397514" y="658002"/>
               <a:chExt cx="1280242" cy="3477718"/>
@@ -9816,7 +10669,7 @@
           </p:nvGrpSpPr>
           <p:grpSpPr>
             <a:xfrm>
-              <a:off x="10616181" y="7835012"/>
+              <a:off x="10616181" y="7790688"/>
               <a:ext cx="365797" cy="993670"/>
               <a:chOff x="4397514" y="658002"/>
               <a:chExt cx="1280242" cy="3477718"/>
@@ -9978,8 +10831,8 @@
             <p:nvPr/>
           </p:nvSpPr>
           <p:spPr>
-            <a:xfrm rot="-1200000">
-              <a:off x="10492254" y="4458609"/>
+            <a:xfrm rot="20400000">
+              <a:off x="10385721" y="4458609"/>
               <a:ext cx="467776" cy="1387784"/>
             </a:xfrm>
             <a:prstGeom prst="ellipse">
@@ -10059,6 +10912,7 @@
                 </a:bodyPr>
                 <a:lstStyle/>
                 <a:p>
+                  <a:pPr/>
                   <a14:m>
                     <m:oMathPara xmlns:m="http://schemas.openxmlformats.org/officeDocument/2006/math">
                       <m:oMathParaPr>
@@ -10229,6 +11083,7 @@
                 </a:bodyPr>
                 <a:lstStyle/>
                 <a:p>
+                  <a:pPr/>
                   <a14:m>
                     <m:oMathPara xmlns:m="http://schemas.openxmlformats.org/officeDocument/2006/math">
                       <m:oMathParaPr>
@@ -10399,6 +11254,7 @@
                 </a:bodyPr>
                 <a:lstStyle/>
                 <a:p>
+                  <a:pPr/>
                   <a14:m>
                     <m:oMathPara xmlns:m="http://schemas.openxmlformats.org/officeDocument/2006/math">
                       <m:oMathParaPr>
@@ -10491,6 +11347,7 @@
                   </a:endParaRPr>
                 </a:p>
                 <a:p>
+                  <a:pPr/>
                   <a14:m>
                     <m:oMathPara xmlns:m="http://schemas.openxmlformats.org/officeDocument/2006/math">
                       <m:oMathParaPr>
@@ -10654,7 +11511,7 @@
 </p:sld>
 </file>
 
-<file path=ppt/slides/slide5.xml><?xml version="1.0" encoding="utf-8"?>
+<file path=ppt/slides/slide6.xml><?xml version="1.0" encoding="utf-8"?>
 <p:sld xmlns:a="http://schemas.openxmlformats.org/drawingml/2006/main" xmlns:r="http://schemas.openxmlformats.org/officeDocument/2006/relationships" xmlns:p="http://schemas.openxmlformats.org/presentationml/2006/main">
   <p:cSld>
     <p:spTree>

--- a/examples/figures.pptx
+++ b/examples/figures.pptx
@@ -5,15 +5,16 @@
     <p:sldMasterId id="2147483660" r:id="rId1"/>
   </p:sldMasterIdLst>
   <p:notesMasterIdLst>
-    <p:notesMasterId r:id="rId8"/>
+    <p:notesMasterId r:id="rId9"/>
   </p:notesMasterIdLst>
   <p:sldIdLst>
     <p:sldId id="256" r:id="rId2"/>
-    <p:sldId id="261" r:id="rId3"/>
-    <p:sldId id="257" r:id="rId4"/>
+    <p:sldId id="257" r:id="rId3"/>
+    <p:sldId id="261" r:id="rId4"/>
     <p:sldId id="259" r:id="rId5"/>
     <p:sldId id="260" r:id="rId6"/>
     <p:sldId id="258" r:id="rId7"/>
+    <p:sldId id="262" r:id="rId8"/>
   </p:sldIdLst>
   <p:sldSz cx="12192000" cy="12188825"/>
   <p:notesSz cx="6858000" cy="9144000"/>
@@ -202,7 +203,7 @@
           <a:p>
             <a:fld id="{237D5E46-8B3A-A74F-9AB2-50466DF7788E}" type="datetimeFigureOut">
               <a:rPr lang="en-US" smtClean="0"/>
-              <a:t>4/15/24</a:t>
+              <a:t>12/11/24</a:t>
             </a:fld>
             <a:endParaRPr lang="en-US"/>
           </a:p>
@@ -612,7 +613,7 @@
           <a:p>
             <a:r>
               <a:rPr lang="en-US" dirty="0"/>
-              <a:t>LUT</a:t>
+              <a:t>greedy</a:t>
             </a:r>
           </a:p>
         </p:txBody>
@@ -643,7 +644,7 @@
     </p:spTree>
     <p:extLst>
       <p:ext uri="{BB962C8B-B14F-4D97-AF65-F5344CB8AC3E}">
-        <p14:creationId xmlns:p14="http://schemas.microsoft.com/office/powerpoint/2010/main" val="3459792468"/>
+        <p14:creationId xmlns:p14="http://schemas.microsoft.com/office/powerpoint/2010/main" val="3271532187"/>
       </p:ext>
     </p:extLst>
   </p:cSld>
@@ -704,7 +705,7 @@
           <a:p>
             <a:r>
               <a:rPr lang="en-US" dirty="0"/>
-              <a:t>greedy</a:t>
+              <a:t>LUT</a:t>
             </a:r>
           </a:p>
         </p:txBody>
@@ -735,7 +736,7 @@
     </p:spTree>
     <p:extLst>
       <p:ext uri="{BB962C8B-B14F-4D97-AF65-F5344CB8AC3E}">
-        <p14:creationId xmlns:p14="http://schemas.microsoft.com/office/powerpoint/2010/main" val="3271532187"/>
+        <p14:creationId xmlns:p14="http://schemas.microsoft.com/office/powerpoint/2010/main" val="3459792468"/>
       </p:ext>
     </p:extLst>
   </p:cSld>
@@ -1021,6 +1022,122 @@
 </p:notes>
 </file>
 
+<file path=ppt/notesSlides/notesSlide7.xml><?xml version="1.0" encoding="utf-8"?>
+<p:notes xmlns:a="http://schemas.openxmlformats.org/drawingml/2006/main" xmlns:r="http://schemas.openxmlformats.org/officeDocument/2006/relationships" xmlns:p="http://schemas.openxmlformats.org/presentationml/2006/main">
+  <p:cSld>
+    <p:spTree>
+      <p:nvGrpSpPr>
+        <p:cNvPr id="1" name="">
+          <a:extLst>
+            <a:ext uri="{FF2B5EF4-FFF2-40B4-BE49-F238E27FC236}">
+              <a16:creationId xmlns:a16="http://schemas.microsoft.com/office/drawing/2014/main" id="{AC1C3A60-9613-1BAD-F5D4-B810F2D16F2D}"/>
+            </a:ext>
+          </a:extLst>
+        </p:cNvPr>
+        <p:cNvGrpSpPr/>
+        <p:nvPr/>
+      </p:nvGrpSpPr>
+      <p:grpSpPr>
+        <a:xfrm>
+          <a:off x="0" y="0"/>
+          <a:ext cx="0" cy="0"/>
+          <a:chOff x="0" y="0"/>
+          <a:chExt cx="0" cy="0"/>
+        </a:xfrm>
+      </p:grpSpPr>
+      <p:sp>
+        <p:nvSpPr>
+          <p:cNvPr id="2" name="Slide Image Placeholder 1">
+            <a:extLst>
+              <a:ext uri="{FF2B5EF4-FFF2-40B4-BE49-F238E27FC236}">
+                <a16:creationId xmlns:a16="http://schemas.microsoft.com/office/drawing/2014/main" id="{99B3B0B0-EED5-6365-7D68-B2FF439999F2}"/>
+              </a:ext>
+            </a:extLst>
+          </p:cNvPr>
+          <p:cNvSpPr>
+            <a:spLocks noGrp="1" noRot="1" noChangeAspect="1"/>
+          </p:cNvSpPr>
+          <p:nvPr>
+            <p:ph type="sldImg"/>
+          </p:nvPr>
+        </p:nvSpPr>
+        <p:spPr>
+          <a:xfrm>
+            <a:off x="1885950" y="1143000"/>
+            <a:ext cx="3086100" cy="3086100"/>
+          </a:xfrm>
+        </p:spPr>
+      </p:sp>
+      <p:sp>
+        <p:nvSpPr>
+          <p:cNvPr id="3" name="Notes Placeholder 2">
+            <a:extLst>
+              <a:ext uri="{FF2B5EF4-FFF2-40B4-BE49-F238E27FC236}">
+                <a16:creationId xmlns:a16="http://schemas.microsoft.com/office/drawing/2014/main" id="{0DE90A97-FD05-F243-2EEC-16BCDB7DC80D}"/>
+              </a:ext>
+            </a:extLst>
+          </p:cNvPr>
+          <p:cNvSpPr>
+            <a:spLocks noGrp="1"/>
+          </p:cNvSpPr>
+          <p:nvPr>
+            <p:ph type="body" idx="1"/>
+          </p:nvPr>
+        </p:nvSpPr>
+        <p:spPr/>
+        <p:txBody>
+          <a:bodyPr/>
+          <a:lstStyle/>
+          <a:p>
+            <a:r>
+              <a:rPr lang="en-US" dirty="0"/>
+              <a:t>LUT</a:t>
+            </a:r>
+          </a:p>
+        </p:txBody>
+      </p:sp>
+      <p:sp>
+        <p:nvSpPr>
+          <p:cNvPr id="4" name="Slide Number Placeholder 3">
+            <a:extLst>
+              <a:ext uri="{FF2B5EF4-FFF2-40B4-BE49-F238E27FC236}">
+                <a16:creationId xmlns:a16="http://schemas.microsoft.com/office/drawing/2014/main" id="{C617CB10-A0B7-DD3E-A34D-B3A16EAE009F}"/>
+              </a:ext>
+            </a:extLst>
+          </p:cNvPr>
+          <p:cNvSpPr>
+            <a:spLocks noGrp="1"/>
+          </p:cNvSpPr>
+          <p:nvPr>
+            <p:ph type="sldNum" sz="quarter" idx="5"/>
+          </p:nvPr>
+        </p:nvSpPr>
+        <p:spPr/>
+        <p:txBody>
+          <a:bodyPr/>
+          <a:lstStyle/>
+          <a:p>
+            <a:fld id="{8FDC3916-E982-144C-8B92-B76DA21A34E7}" type="slidenum">
+              <a:rPr lang="en-US" smtClean="0"/>
+              <a:t>7</a:t>
+            </a:fld>
+            <a:endParaRPr lang="en-US"/>
+          </a:p>
+        </p:txBody>
+      </p:sp>
+    </p:spTree>
+    <p:extLst>
+      <p:ext uri="{BB962C8B-B14F-4D97-AF65-F5344CB8AC3E}">
+        <p14:creationId xmlns:p14="http://schemas.microsoft.com/office/powerpoint/2010/main" val="582136522"/>
+      </p:ext>
+    </p:extLst>
+  </p:cSld>
+  <p:clrMapOvr>
+    <a:masterClrMapping/>
+  </p:clrMapOvr>
+</p:notes>
+</file>
+
 <file path=ppt/slideLayouts/slideLayout1.xml><?xml version="1.0" encoding="utf-8"?>
 <p:sldLayout xmlns:a="http://schemas.openxmlformats.org/drawingml/2006/main" xmlns:r="http://schemas.openxmlformats.org/officeDocument/2006/relationships" xmlns:p="http://schemas.openxmlformats.org/presentationml/2006/main" type="title" preserve="1">
   <p:cSld name="Title Slide">
@@ -1152,7 +1269,7 @@
           <a:p>
             <a:fld id="{98DF4E31-0BCA-2245-9791-A4C408B86257}" type="datetimeFigureOut">
               <a:rPr lang="en-US" smtClean="0"/>
-              <a:t>4/15/24</a:t>
+              <a:t>12/11/24</a:t>
             </a:fld>
             <a:endParaRPr lang="en-US"/>
           </a:p>
@@ -1322,7 +1439,7 @@
           <a:p>
             <a:fld id="{98DF4E31-0BCA-2245-9791-A4C408B86257}" type="datetimeFigureOut">
               <a:rPr lang="en-US" smtClean="0"/>
-              <a:t>4/15/24</a:t>
+              <a:t>12/11/24</a:t>
             </a:fld>
             <a:endParaRPr lang="en-US"/>
           </a:p>
@@ -1502,7 +1619,7 @@
           <a:p>
             <a:fld id="{98DF4E31-0BCA-2245-9791-A4C408B86257}" type="datetimeFigureOut">
               <a:rPr lang="en-US" smtClean="0"/>
-              <a:t>4/15/24</a:t>
+              <a:t>12/11/24</a:t>
             </a:fld>
             <a:endParaRPr lang="en-US"/>
           </a:p>
@@ -1672,7 +1789,7 @@
           <a:p>
             <a:fld id="{98DF4E31-0BCA-2245-9791-A4C408B86257}" type="datetimeFigureOut">
               <a:rPr lang="en-US" smtClean="0"/>
-              <a:t>4/15/24</a:t>
+              <a:t>12/11/24</a:t>
             </a:fld>
             <a:endParaRPr lang="en-US"/>
           </a:p>
@@ -1916,7 +2033,7 @@
           <a:p>
             <a:fld id="{98DF4E31-0BCA-2245-9791-A4C408B86257}" type="datetimeFigureOut">
               <a:rPr lang="en-US" smtClean="0"/>
-              <a:t>4/15/24</a:t>
+              <a:t>12/11/24</a:t>
             </a:fld>
             <a:endParaRPr lang="en-US"/>
           </a:p>
@@ -2148,7 +2265,7 @@
           <a:p>
             <a:fld id="{98DF4E31-0BCA-2245-9791-A4C408B86257}" type="datetimeFigureOut">
               <a:rPr lang="en-US" smtClean="0"/>
-              <a:t>4/15/24</a:t>
+              <a:t>12/11/24</a:t>
             </a:fld>
             <a:endParaRPr lang="en-US"/>
           </a:p>
@@ -2515,7 +2632,7 @@
           <a:p>
             <a:fld id="{98DF4E31-0BCA-2245-9791-A4C408B86257}" type="datetimeFigureOut">
               <a:rPr lang="en-US" smtClean="0"/>
-              <a:t>4/15/24</a:t>
+              <a:t>12/11/24</a:t>
             </a:fld>
             <a:endParaRPr lang="en-US"/>
           </a:p>
@@ -2633,7 +2750,7 @@
           <a:p>
             <a:fld id="{98DF4E31-0BCA-2245-9791-A4C408B86257}" type="datetimeFigureOut">
               <a:rPr lang="en-US" smtClean="0"/>
-              <a:t>4/15/24</a:t>
+              <a:t>12/11/24</a:t>
             </a:fld>
             <a:endParaRPr lang="en-US"/>
           </a:p>
@@ -2728,7 +2845,7 @@
           <a:p>
             <a:fld id="{98DF4E31-0BCA-2245-9791-A4C408B86257}" type="datetimeFigureOut">
               <a:rPr lang="en-US" smtClean="0"/>
-              <a:t>4/15/24</a:t>
+              <a:t>12/11/24</a:t>
             </a:fld>
             <a:endParaRPr lang="en-US"/>
           </a:p>
@@ -3005,7 +3122,7 @@
           <a:p>
             <a:fld id="{98DF4E31-0BCA-2245-9791-A4C408B86257}" type="datetimeFigureOut">
               <a:rPr lang="en-US" smtClean="0"/>
-              <a:t>4/15/24</a:t>
+              <a:t>12/11/24</a:t>
             </a:fld>
             <a:endParaRPr lang="en-US"/>
           </a:p>
@@ -3262,7 +3379,7 @@
           <a:p>
             <a:fld id="{98DF4E31-0BCA-2245-9791-A4C408B86257}" type="datetimeFigureOut">
               <a:rPr lang="en-US" smtClean="0"/>
-              <a:t>4/15/24</a:t>
+              <a:t>12/11/24</a:t>
             </a:fld>
             <a:endParaRPr lang="en-US"/>
           </a:p>
@@ -3475,7 +3592,7 @@
           <a:p>
             <a:fld id="{98DF4E31-0BCA-2245-9791-A4C408B86257}" type="datetimeFigureOut">
               <a:rPr lang="en-US" smtClean="0"/>
-              <a:t>4/15/24</a:t>
+              <a:t>12/11/24</a:t>
             </a:fld>
             <a:endParaRPr lang="en-US"/>
           </a:p>
@@ -4597,766 +4714,6 @@
 </file>
 
 <file path=ppt/slides/slide2.xml><?xml version="1.0" encoding="utf-8"?>
-<p:sld xmlns:a="http://schemas.openxmlformats.org/drawingml/2006/main" xmlns:r="http://schemas.openxmlformats.org/officeDocument/2006/relationships" xmlns:p="http://schemas.openxmlformats.org/presentationml/2006/main">
-  <p:cSld>
-    <p:spTree>
-      <p:nvGrpSpPr>
-        <p:cNvPr id="1" name=""/>
-        <p:cNvGrpSpPr/>
-        <p:nvPr/>
-      </p:nvGrpSpPr>
-      <p:grpSpPr>
-        <a:xfrm>
-          <a:off x="0" y="0"/>
-          <a:ext cx="0" cy="0"/>
-          <a:chOff x="0" y="0"/>
-          <a:chExt cx="0" cy="0"/>
-        </a:xfrm>
-      </p:grpSpPr>
-      <p:grpSp>
-        <p:nvGrpSpPr>
-          <p:cNvPr id="34" name="Group 33">
-            <a:extLst>
-              <a:ext uri="{FF2B5EF4-FFF2-40B4-BE49-F238E27FC236}">
-                <a16:creationId xmlns:a16="http://schemas.microsoft.com/office/drawing/2014/main" id="{A9462E84-D948-0482-9BCF-4D01A5C524B4}"/>
-              </a:ext>
-            </a:extLst>
-          </p:cNvPr>
-          <p:cNvGrpSpPr/>
-          <p:nvPr/>
-        </p:nvGrpSpPr>
-        <p:grpSpPr>
-          <a:xfrm>
-            <a:off x="205495" y="4894351"/>
-            <a:ext cx="11011017" cy="1597193"/>
-            <a:chOff x="205495" y="4894351"/>
-            <a:chExt cx="11011017" cy="1597193"/>
-          </a:xfrm>
-        </p:grpSpPr>
-        <p:cxnSp>
-          <p:nvCxnSpPr>
-            <p:cNvPr id="22" name="Straight Arrow Connector 21">
-              <a:extLst>
-                <a:ext uri="{FF2B5EF4-FFF2-40B4-BE49-F238E27FC236}">
-                  <a16:creationId xmlns:a16="http://schemas.microsoft.com/office/drawing/2014/main" id="{873FC98D-8C21-E73E-715F-C5265FA61D2E}"/>
-                </a:ext>
-              </a:extLst>
-            </p:cNvPr>
-            <p:cNvCxnSpPr>
-              <a:cxnSpLocks/>
-            </p:cNvCxnSpPr>
-            <p:nvPr/>
-          </p:nvCxnSpPr>
-          <p:spPr>
-            <a:xfrm>
-              <a:off x="4527987" y="5247871"/>
-              <a:ext cx="548640" cy="0"/>
-            </a:xfrm>
-            <a:prstGeom prst="straightConnector1">
-              <a:avLst/>
-            </a:prstGeom>
-            <a:ln w="38100">
-              <a:solidFill>
-                <a:schemeClr val="tx1"/>
-              </a:solidFill>
-              <a:headEnd type="none"/>
-              <a:tailEnd type="triangle"/>
-            </a:ln>
-          </p:spPr>
-          <p:style>
-            <a:lnRef idx="1">
-              <a:schemeClr val="accent1"/>
-            </a:lnRef>
-            <a:fillRef idx="0">
-              <a:schemeClr val="accent1"/>
-            </a:fillRef>
-            <a:effectRef idx="0">
-              <a:schemeClr val="accent1"/>
-            </a:effectRef>
-            <a:fontRef idx="minor">
-              <a:schemeClr val="tx1"/>
-            </a:fontRef>
-          </p:style>
-        </p:cxnSp>
-        <p:sp>
-          <p:nvSpPr>
-            <p:cNvPr id="9" name="Rectangle 8">
-              <a:extLst>
-                <a:ext uri="{FF2B5EF4-FFF2-40B4-BE49-F238E27FC236}">
-                  <a16:creationId xmlns:a16="http://schemas.microsoft.com/office/drawing/2014/main" id="{D2D34CD0-792B-46E0-F2B0-B58E1DCFE413}"/>
-                </a:ext>
-              </a:extLst>
-            </p:cNvPr>
-            <p:cNvSpPr/>
-            <p:nvPr/>
-          </p:nvSpPr>
-          <p:spPr>
-            <a:xfrm>
-              <a:off x="205495" y="4894802"/>
-              <a:ext cx="1270000" cy="1579248"/>
-            </a:xfrm>
-            <a:prstGeom prst="rect">
-              <a:avLst/>
-            </a:prstGeom>
-          </p:spPr>
-          <p:style>
-            <a:lnRef idx="1">
-              <a:schemeClr val="accent3"/>
-            </a:lnRef>
-            <a:fillRef idx="2">
-              <a:schemeClr val="accent3"/>
-            </a:fillRef>
-            <a:effectRef idx="1">
-              <a:schemeClr val="accent3"/>
-            </a:effectRef>
-            <a:fontRef idx="minor">
-              <a:schemeClr val="dk1"/>
-            </a:fontRef>
-          </p:style>
-          <p:txBody>
-            <a:bodyPr rtlCol="0" anchor="ctr"/>
-            <a:lstStyle/>
-            <a:p>
-              <a:pPr algn="ctr"/>
-              <a:r>
-                <a:rPr lang="en-US" dirty="0">
-                  <a:latin typeface="Modern No. 20" panose="02070704070505020303" pitchFamily="18" charset="77"/>
-                </a:rPr>
-                <a:t>WHOC (Greedy, LUT, or MPC)</a:t>
-              </a:r>
-              <a:endParaRPr lang="en-US" dirty="0"/>
-            </a:p>
-          </p:txBody>
-        </p:sp>
-        <p:sp>
-          <p:nvSpPr>
-            <p:cNvPr id="14" name="Rectangle 13">
-              <a:extLst>
-                <a:ext uri="{FF2B5EF4-FFF2-40B4-BE49-F238E27FC236}">
-                  <a16:creationId xmlns:a16="http://schemas.microsoft.com/office/drawing/2014/main" id="{61690CAA-70EC-48C9-007B-B2D566437053}"/>
-                </a:ext>
-              </a:extLst>
-            </p:cNvPr>
-            <p:cNvSpPr/>
-            <p:nvPr/>
-          </p:nvSpPr>
-          <p:spPr>
-            <a:xfrm>
-              <a:off x="5075142" y="4908132"/>
-              <a:ext cx="1270000" cy="1579699"/>
-            </a:xfrm>
-            <a:prstGeom prst="rect">
-              <a:avLst/>
-            </a:prstGeom>
-          </p:spPr>
-          <p:style>
-            <a:lnRef idx="1">
-              <a:schemeClr val="accent3"/>
-            </a:lnRef>
-            <a:fillRef idx="2">
-              <a:schemeClr val="accent3"/>
-            </a:fillRef>
-            <a:effectRef idx="1">
-              <a:schemeClr val="accent3"/>
-            </a:effectRef>
-            <a:fontRef idx="minor">
-              <a:schemeClr val="dk1"/>
-            </a:fontRef>
-          </p:style>
-          <p:txBody>
-            <a:bodyPr rtlCol="0" anchor="ctr"/>
-            <a:lstStyle/>
-            <a:p>
-              <a:pPr algn="ctr"/>
-              <a:r>
-                <a:rPr lang="en-US" dirty="0">
-                  <a:latin typeface="Modern No. 20" panose="02070704070505020303" pitchFamily="18" charset="77"/>
-                </a:rPr>
-                <a:t>Hercules</a:t>
-              </a:r>
-              <a:endParaRPr lang="en-US" dirty="0"/>
-            </a:p>
-          </p:txBody>
-        </p:sp>
-        <p:cxnSp>
-          <p:nvCxnSpPr>
-            <p:cNvPr id="17" name="Straight Arrow Connector 16">
-              <a:extLst>
-                <a:ext uri="{FF2B5EF4-FFF2-40B4-BE49-F238E27FC236}">
-                  <a16:creationId xmlns:a16="http://schemas.microsoft.com/office/drawing/2014/main" id="{21B53153-275D-B19F-BBC8-2E8A0DFB94F6}"/>
-                </a:ext>
-              </a:extLst>
-            </p:cNvPr>
-            <p:cNvCxnSpPr>
-              <a:cxnSpLocks/>
-            </p:cNvCxnSpPr>
-            <p:nvPr/>
-          </p:nvCxnSpPr>
-          <p:spPr>
-            <a:xfrm>
-              <a:off x="1475495" y="6091166"/>
-              <a:ext cx="548640" cy="0"/>
-            </a:xfrm>
-            <a:prstGeom prst="straightConnector1">
-              <a:avLst/>
-            </a:prstGeom>
-            <a:ln w="38100">
-              <a:solidFill>
-                <a:schemeClr val="tx1"/>
-              </a:solidFill>
-              <a:headEnd type="triangle"/>
-              <a:tailEnd type="none"/>
-            </a:ln>
-          </p:spPr>
-          <p:style>
-            <a:lnRef idx="1">
-              <a:schemeClr val="accent1"/>
-            </a:lnRef>
-            <a:fillRef idx="0">
-              <a:schemeClr val="accent1"/>
-            </a:fillRef>
-            <a:effectRef idx="0">
-              <a:schemeClr val="accent1"/>
-            </a:effectRef>
-            <a:fontRef idx="minor">
-              <a:schemeClr val="tx1"/>
-            </a:fontRef>
-          </p:style>
-        </p:cxnSp>
-        <p:sp>
-          <p:nvSpPr>
-            <p:cNvPr id="36" name="Parallelogram 35">
-              <a:extLst>
-                <a:ext uri="{FF2B5EF4-FFF2-40B4-BE49-F238E27FC236}">
-                  <a16:creationId xmlns:a16="http://schemas.microsoft.com/office/drawing/2014/main" id="{4D4E4DC2-B7A6-8E0E-0155-ADD66FCD3F7B}"/>
-                </a:ext>
-              </a:extLst>
-            </p:cNvPr>
-            <p:cNvSpPr/>
-            <p:nvPr/>
-          </p:nvSpPr>
-          <p:spPr>
-            <a:xfrm>
-              <a:off x="1929384" y="4894356"/>
-              <a:ext cx="2688336" cy="690875"/>
-            </a:xfrm>
-            <a:prstGeom prst="parallelogram">
-              <a:avLst/>
-            </a:prstGeom>
-            <a:ln/>
-          </p:spPr>
-          <p:style>
-            <a:lnRef idx="1">
-              <a:schemeClr val="accent3"/>
-            </a:lnRef>
-            <a:fillRef idx="2">
-              <a:schemeClr val="accent3"/>
-            </a:fillRef>
-            <a:effectRef idx="1">
-              <a:schemeClr val="accent3"/>
-            </a:effectRef>
-            <a:fontRef idx="minor">
-              <a:schemeClr val="dk1"/>
-            </a:fontRef>
-          </p:style>
-          <p:txBody>
-            <a:bodyPr rtlCol="0" anchor="ctr"/>
-            <a:lstStyle/>
-            <a:p>
-              <a:pPr algn="ctr"/>
-              <a:r>
-                <a:rPr lang="en-US" dirty="0">
-                  <a:latin typeface="Modern No. 20" panose="02070704070505020303" pitchFamily="18" charset="77"/>
-                </a:rPr>
-                <a:t>Turbine Yaw Setpoints</a:t>
-              </a:r>
-            </a:p>
-          </p:txBody>
-        </p:sp>
-        <p:cxnSp>
-          <p:nvCxnSpPr>
-            <p:cNvPr id="5" name="Straight Arrow Connector 4">
-              <a:extLst>
-                <a:ext uri="{FF2B5EF4-FFF2-40B4-BE49-F238E27FC236}">
-                  <a16:creationId xmlns:a16="http://schemas.microsoft.com/office/drawing/2014/main" id="{0CCB287E-D993-6C83-4FAE-FFBEF4CFD1DD}"/>
-                </a:ext>
-              </a:extLst>
-            </p:cNvPr>
-            <p:cNvCxnSpPr>
-              <a:cxnSpLocks/>
-            </p:cNvCxnSpPr>
-            <p:nvPr/>
-          </p:nvCxnSpPr>
-          <p:spPr>
-            <a:xfrm>
-              <a:off x="1475495" y="5221588"/>
-              <a:ext cx="548640" cy="0"/>
-            </a:xfrm>
-            <a:prstGeom prst="straightConnector1">
-              <a:avLst/>
-            </a:prstGeom>
-            <a:ln w="38100">
-              <a:solidFill>
-                <a:schemeClr val="tx1"/>
-              </a:solidFill>
-              <a:tailEnd type="triangle"/>
-            </a:ln>
-          </p:spPr>
-          <p:style>
-            <a:lnRef idx="1">
-              <a:schemeClr val="accent1"/>
-            </a:lnRef>
-            <a:fillRef idx="0">
-              <a:schemeClr val="accent1"/>
-            </a:fillRef>
-            <a:effectRef idx="0">
-              <a:schemeClr val="accent1"/>
-            </a:effectRef>
-            <a:fontRef idx="minor">
-              <a:schemeClr val="tx1"/>
-            </a:fontRef>
-          </p:style>
-        </p:cxnSp>
-        <p:sp>
-          <p:nvSpPr>
-            <p:cNvPr id="10" name="Parallelogram 9">
-              <a:extLst>
-                <a:ext uri="{FF2B5EF4-FFF2-40B4-BE49-F238E27FC236}">
-                  <a16:creationId xmlns:a16="http://schemas.microsoft.com/office/drawing/2014/main" id="{B19274DD-7325-6E83-FC7C-0C0E9B21FAB6}"/>
-                </a:ext>
-              </a:extLst>
-            </p:cNvPr>
-            <p:cNvSpPr/>
-            <p:nvPr/>
-          </p:nvSpPr>
-          <p:spPr>
-            <a:xfrm>
-              <a:off x="1928367" y="5783175"/>
-              <a:ext cx="2689405" cy="690875"/>
-            </a:xfrm>
-            <a:prstGeom prst="parallelogram">
-              <a:avLst/>
-            </a:prstGeom>
-            <a:ln/>
-          </p:spPr>
-          <p:style>
-            <a:lnRef idx="1">
-              <a:schemeClr val="accent3"/>
-            </a:lnRef>
-            <a:fillRef idx="2">
-              <a:schemeClr val="accent3"/>
-            </a:fillRef>
-            <a:effectRef idx="1">
-              <a:schemeClr val="accent3"/>
-            </a:effectRef>
-            <a:fontRef idx="minor">
-              <a:schemeClr val="dk1"/>
-            </a:fontRef>
-          </p:style>
-          <p:txBody>
-            <a:bodyPr rtlCol="0" anchor="ctr"/>
-            <a:lstStyle/>
-            <a:p>
-              <a:pPr algn="ctr"/>
-              <a:r>
-                <a:rPr lang="en-US" dirty="0">
-                  <a:latin typeface="Modern No. 20" panose="02070704070505020303" pitchFamily="18" charset="77"/>
-                </a:rPr>
-                <a:t>Turbine Wind Dirs., Speeds, Powers</a:t>
-              </a:r>
-            </a:p>
-          </p:txBody>
-        </p:sp>
-        <p:cxnSp>
-          <p:nvCxnSpPr>
-            <p:cNvPr id="21" name="Straight Arrow Connector 20">
-              <a:extLst>
-                <a:ext uri="{FF2B5EF4-FFF2-40B4-BE49-F238E27FC236}">
-                  <a16:creationId xmlns:a16="http://schemas.microsoft.com/office/drawing/2014/main" id="{E6E6745C-F71B-35CC-4146-227C4D715DC2}"/>
-                </a:ext>
-              </a:extLst>
-            </p:cNvPr>
-            <p:cNvCxnSpPr>
-              <a:cxnSpLocks/>
-            </p:cNvCxnSpPr>
-            <p:nvPr/>
-          </p:nvCxnSpPr>
-          <p:spPr>
-            <a:xfrm>
-              <a:off x="4527987" y="6117449"/>
-              <a:ext cx="548640" cy="0"/>
-            </a:xfrm>
-            <a:prstGeom prst="straightConnector1">
-              <a:avLst/>
-            </a:prstGeom>
-            <a:ln w="38100">
-              <a:solidFill>
-                <a:schemeClr val="tx1"/>
-              </a:solidFill>
-              <a:headEnd type="triangle"/>
-              <a:tailEnd type="none"/>
-            </a:ln>
-          </p:spPr>
-          <p:style>
-            <a:lnRef idx="1">
-              <a:schemeClr val="accent1"/>
-            </a:lnRef>
-            <a:fillRef idx="0">
-              <a:schemeClr val="accent1"/>
-            </a:fillRef>
-            <a:effectRef idx="0">
-              <a:schemeClr val="accent1"/>
-            </a:effectRef>
-            <a:fontRef idx="minor">
-              <a:schemeClr val="tx1"/>
-            </a:fontRef>
-          </p:style>
-        </p:cxnSp>
-        <p:cxnSp>
-          <p:nvCxnSpPr>
-            <p:cNvPr id="25" name="Straight Arrow Connector 24">
-              <a:extLst>
-                <a:ext uri="{FF2B5EF4-FFF2-40B4-BE49-F238E27FC236}">
-                  <a16:creationId xmlns:a16="http://schemas.microsoft.com/office/drawing/2014/main" id="{F31FAA5C-6ABD-86E9-8FE2-8A4EA1C987B2}"/>
-                </a:ext>
-              </a:extLst>
-            </p:cNvPr>
-            <p:cNvCxnSpPr>
-              <a:cxnSpLocks/>
-            </p:cNvCxnSpPr>
-            <p:nvPr/>
-          </p:nvCxnSpPr>
-          <p:spPr>
-            <a:xfrm>
-              <a:off x="6344065" y="6117449"/>
-              <a:ext cx="548640" cy="0"/>
-            </a:xfrm>
-            <a:prstGeom prst="straightConnector1">
-              <a:avLst/>
-            </a:prstGeom>
-            <a:ln w="38100">
-              <a:solidFill>
-                <a:schemeClr val="tx1"/>
-              </a:solidFill>
-              <a:headEnd type="triangle"/>
-              <a:tailEnd type="none"/>
-            </a:ln>
-          </p:spPr>
-          <p:style>
-            <a:lnRef idx="1">
-              <a:schemeClr val="accent1"/>
-            </a:lnRef>
-            <a:fillRef idx="0">
-              <a:schemeClr val="accent1"/>
-            </a:fillRef>
-            <a:effectRef idx="0">
-              <a:schemeClr val="accent1"/>
-            </a:effectRef>
-            <a:fontRef idx="minor">
-              <a:schemeClr val="tx1"/>
-            </a:fontRef>
-          </p:style>
-        </p:cxnSp>
-        <p:cxnSp>
-          <p:nvCxnSpPr>
-            <p:cNvPr id="26" name="Straight Arrow Connector 25">
-              <a:extLst>
-                <a:ext uri="{FF2B5EF4-FFF2-40B4-BE49-F238E27FC236}">
-                  <a16:creationId xmlns:a16="http://schemas.microsoft.com/office/drawing/2014/main" id="{C9B43FFD-DA41-4515-02A5-C1C17AE2A591}"/>
-                </a:ext>
-              </a:extLst>
-            </p:cNvPr>
-            <p:cNvCxnSpPr>
-              <a:cxnSpLocks/>
-            </p:cNvCxnSpPr>
-            <p:nvPr/>
-          </p:nvCxnSpPr>
-          <p:spPr>
-            <a:xfrm>
-              <a:off x="6344065" y="5247871"/>
-              <a:ext cx="548640" cy="0"/>
-            </a:xfrm>
-            <a:prstGeom prst="straightConnector1">
-              <a:avLst/>
-            </a:prstGeom>
-            <a:ln w="38100">
-              <a:solidFill>
-                <a:schemeClr val="tx1"/>
-              </a:solidFill>
-              <a:headEnd type="none"/>
-              <a:tailEnd type="triangle"/>
-            </a:ln>
-          </p:spPr>
-          <p:style>
-            <a:lnRef idx="1">
-              <a:schemeClr val="accent1"/>
-            </a:lnRef>
-            <a:fillRef idx="0">
-              <a:schemeClr val="accent1"/>
-            </a:fillRef>
-            <a:effectRef idx="0">
-              <a:schemeClr val="accent1"/>
-            </a:effectRef>
-            <a:fontRef idx="minor">
-              <a:schemeClr val="tx1"/>
-            </a:fontRef>
-          </p:style>
-        </p:cxnSp>
-        <p:sp>
-          <p:nvSpPr>
-            <p:cNvPr id="27" name="Parallelogram 26">
-              <a:extLst>
-                <a:ext uri="{FF2B5EF4-FFF2-40B4-BE49-F238E27FC236}">
-                  <a16:creationId xmlns:a16="http://schemas.microsoft.com/office/drawing/2014/main" id="{29773C2D-1E98-1FFC-946A-0DF463ACC53E}"/>
-                </a:ext>
-              </a:extLst>
-            </p:cNvPr>
-            <p:cNvSpPr/>
-            <p:nvPr/>
-          </p:nvSpPr>
-          <p:spPr>
-            <a:xfrm>
-              <a:off x="6793992" y="4911850"/>
-              <a:ext cx="2688336" cy="690875"/>
-            </a:xfrm>
-            <a:prstGeom prst="parallelogram">
-              <a:avLst/>
-            </a:prstGeom>
-            <a:ln/>
-          </p:spPr>
-          <p:style>
-            <a:lnRef idx="1">
-              <a:schemeClr val="accent3"/>
-            </a:lnRef>
-            <a:fillRef idx="2">
-              <a:schemeClr val="accent3"/>
-            </a:fillRef>
-            <a:effectRef idx="1">
-              <a:schemeClr val="accent3"/>
-            </a:effectRef>
-            <a:fontRef idx="minor">
-              <a:schemeClr val="dk1"/>
-            </a:fontRef>
-          </p:style>
-          <p:txBody>
-            <a:bodyPr rtlCol="0" anchor="ctr"/>
-            <a:lstStyle/>
-            <a:p>
-              <a:pPr algn="ctr"/>
-              <a:r>
-                <a:rPr lang="en-US" dirty="0">
-                  <a:latin typeface="Modern No. 20" panose="02070704070505020303" pitchFamily="18" charset="77"/>
-                </a:rPr>
-                <a:t>Packaged AMR=Wind Inputs</a:t>
-              </a:r>
-            </a:p>
-          </p:txBody>
-        </p:sp>
-        <p:sp>
-          <p:nvSpPr>
-            <p:cNvPr id="28" name="Parallelogram 27">
-              <a:extLst>
-                <a:ext uri="{FF2B5EF4-FFF2-40B4-BE49-F238E27FC236}">
-                  <a16:creationId xmlns:a16="http://schemas.microsoft.com/office/drawing/2014/main" id="{F5C5D2EE-4E54-0AEF-B610-82C8969D843B}"/>
-                </a:ext>
-              </a:extLst>
-            </p:cNvPr>
-            <p:cNvSpPr/>
-            <p:nvPr/>
-          </p:nvSpPr>
-          <p:spPr>
-            <a:xfrm>
-              <a:off x="6792249" y="5800669"/>
-              <a:ext cx="2688336" cy="690875"/>
-            </a:xfrm>
-            <a:prstGeom prst="parallelogram">
-              <a:avLst/>
-            </a:prstGeom>
-            <a:ln/>
-          </p:spPr>
-          <p:style>
-            <a:lnRef idx="1">
-              <a:schemeClr val="accent3"/>
-            </a:lnRef>
-            <a:fillRef idx="2">
-              <a:schemeClr val="accent3"/>
-            </a:fillRef>
-            <a:effectRef idx="1">
-              <a:schemeClr val="accent3"/>
-            </a:effectRef>
-            <a:fontRef idx="minor">
-              <a:schemeClr val="dk1"/>
-            </a:fontRef>
-          </p:style>
-          <p:txBody>
-            <a:bodyPr rtlCol="0" anchor="ctr"/>
-            <a:lstStyle/>
-            <a:p>
-              <a:pPr algn="ctr"/>
-              <a:r>
-                <a:rPr lang="en-US" dirty="0">
-                  <a:latin typeface="Modern No. 20" panose="02070704070505020303" pitchFamily="18" charset="77"/>
-                </a:rPr>
-                <a:t>Raw AMR-Wind Outputs</a:t>
-              </a:r>
-            </a:p>
-          </p:txBody>
-        </p:sp>
-        <p:sp>
-          <p:nvSpPr>
-            <p:cNvPr id="29" name="Rectangle 28">
-              <a:extLst>
-                <a:ext uri="{FF2B5EF4-FFF2-40B4-BE49-F238E27FC236}">
-                  <a16:creationId xmlns:a16="http://schemas.microsoft.com/office/drawing/2014/main" id="{6B5817EB-1945-E832-2DFF-EC6B9B59F72D}"/>
-                </a:ext>
-              </a:extLst>
-            </p:cNvPr>
-            <p:cNvSpPr/>
-            <p:nvPr/>
-          </p:nvSpPr>
-          <p:spPr>
-            <a:xfrm>
-              <a:off x="9946512" y="4894351"/>
-              <a:ext cx="1270000" cy="1579699"/>
-            </a:xfrm>
-            <a:prstGeom prst="rect">
-              <a:avLst/>
-            </a:prstGeom>
-          </p:spPr>
-          <p:style>
-            <a:lnRef idx="1">
-              <a:schemeClr val="accent3"/>
-            </a:lnRef>
-            <a:fillRef idx="2">
-              <a:schemeClr val="accent3"/>
-            </a:fillRef>
-            <a:effectRef idx="1">
-              <a:schemeClr val="accent3"/>
-            </a:effectRef>
-            <a:fontRef idx="minor">
-              <a:schemeClr val="dk1"/>
-            </a:fontRef>
-          </p:style>
-          <p:txBody>
-            <a:bodyPr rtlCol="0" anchor="ctr"/>
-            <a:lstStyle/>
-            <a:p>
-              <a:pPr algn="ctr"/>
-              <a:r>
-                <a:rPr lang="en-US" dirty="0">
-                  <a:latin typeface="Modern No. 20" panose="02070704070505020303" pitchFamily="18" charset="77"/>
-                </a:rPr>
-                <a:t>AMR-Wind</a:t>
-              </a:r>
-              <a:endParaRPr lang="en-US" dirty="0"/>
-            </a:p>
-          </p:txBody>
-        </p:sp>
-        <p:cxnSp>
-          <p:nvCxnSpPr>
-            <p:cNvPr id="30" name="Straight Arrow Connector 29">
-              <a:extLst>
-                <a:ext uri="{FF2B5EF4-FFF2-40B4-BE49-F238E27FC236}">
-                  <a16:creationId xmlns:a16="http://schemas.microsoft.com/office/drawing/2014/main" id="{1AC34B00-9B0D-5EA9-467C-A75BEC7BC443}"/>
-                </a:ext>
-              </a:extLst>
-            </p:cNvPr>
-            <p:cNvCxnSpPr>
-              <a:cxnSpLocks/>
-            </p:cNvCxnSpPr>
-            <p:nvPr/>
-          </p:nvCxnSpPr>
-          <p:spPr>
-            <a:xfrm>
-              <a:off x="9397872" y="6108488"/>
-              <a:ext cx="548640" cy="0"/>
-            </a:xfrm>
-            <a:prstGeom prst="straightConnector1">
-              <a:avLst/>
-            </a:prstGeom>
-            <a:ln w="38100">
-              <a:solidFill>
-                <a:schemeClr val="tx1"/>
-              </a:solidFill>
-              <a:headEnd type="triangle"/>
-              <a:tailEnd type="none"/>
-            </a:ln>
-          </p:spPr>
-          <p:style>
-            <a:lnRef idx="1">
-              <a:schemeClr val="accent1"/>
-            </a:lnRef>
-            <a:fillRef idx="0">
-              <a:schemeClr val="accent1"/>
-            </a:fillRef>
-            <a:effectRef idx="0">
-              <a:schemeClr val="accent1"/>
-            </a:effectRef>
-            <a:fontRef idx="minor">
-              <a:schemeClr val="tx1"/>
-            </a:fontRef>
-          </p:style>
-        </p:cxnSp>
-        <p:cxnSp>
-          <p:nvCxnSpPr>
-            <p:cNvPr id="31" name="Straight Arrow Connector 30">
-              <a:extLst>
-                <a:ext uri="{FF2B5EF4-FFF2-40B4-BE49-F238E27FC236}">
-                  <a16:creationId xmlns:a16="http://schemas.microsoft.com/office/drawing/2014/main" id="{558AD731-8294-DE29-9509-45BB53D02CE5}"/>
-                </a:ext>
-              </a:extLst>
-            </p:cNvPr>
-            <p:cNvCxnSpPr>
-              <a:cxnSpLocks/>
-            </p:cNvCxnSpPr>
-            <p:nvPr/>
-          </p:nvCxnSpPr>
-          <p:spPr>
-            <a:xfrm>
-              <a:off x="9397872" y="5238910"/>
-              <a:ext cx="548640" cy="0"/>
-            </a:xfrm>
-            <a:prstGeom prst="straightConnector1">
-              <a:avLst/>
-            </a:prstGeom>
-            <a:ln w="38100">
-              <a:solidFill>
-                <a:schemeClr val="tx1"/>
-              </a:solidFill>
-              <a:headEnd type="none"/>
-              <a:tailEnd type="triangle"/>
-            </a:ln>
-          </p:spPr>
-          <p:style>
-            <a:lnRef idx="1">
-              <a:schemeClr val="accent1"/>
-            </a:lnRef>
-            <a:fillRef idx="0">
-              <a:schemeClr val="accent1"/>
-            </a:fillRef>
-            <a:effectRef idx="0">
-              <a:schemeClr val="accent1"/>
-            </a:effectRef>
-            <a:fontRef idx="minor">
-              <a:schemeClr val="tx1"/>
-            </a:fontRef>
-          </p:style>
-        </p:cxnSp>
-      </p:grpSp>
-    </p:spTree>
-    <p:extLst>
-      <p:ext uri="{BB962C8B-B14F-4D97-AF65-F5344CB8AC3E}">
-        <p14:creationId xmlns:p14="http://schemas.microsoft.com/office/powerpoint/2010/main" val="3594315945"/>
-      </p:ext>
-    </p:extLst>
-  </p:cSld>
-  <p:clrMapOvr>
-    <a:masterClrMapping/>
-  </p:clrMapOvr>
-</p:sld>
-</file>
-
-<file path=ppt/slides/slide3.xml><?xml version="1.0" encoding="utf-8"?>
 <p:sld xmlns:a="http://schemas.openxmlformats.org/drawingml/2006/main" xmlns:r="http://schemas.openxmlformats.org/officeDocument/2006/relationships" xmlns:p="http://schemas.openxmlformats.org/presentationml/2006/main">
   <p:cSld>
     <p:spTree>
@@ -6635,6 +5992,766 @@
     <p:extLst>
       <p:ext uri="{BB962C8B-B14F-4D97-AF65-F5344CB8AC3E}">
         <p14:creationId xmlns:p14="http://schemas.microsoft.com/office/powerpoint/2010/main" val="2036988933"/>
+      </p:ext>
+    </p:extLst>
+  </p:cSld>
+  <p:clrMapOvr>
+    <a:masterClrMapping/>
+  </p:clrMapOvr>
+</p:sld>
+</file>
+
+<file path=ppt/slides/slide3.xml><?xml version="1.0" encoding="utf-8"?>
+<p:sld xmlns:a="http://schemas.openxmlformats.org/drawingml/2006/main" xmlns:r="http://schemas.openxmlformats.org/officeDocument/2006/relationships" xmlns:p="http://schemas.openxmlformats.org/presentationml/2006/main">
+  <p:cSld>
+    <p:spTree>
+      <p:nvGrpSpPr>
+        <p:cNvPr id="1" name=""/>
+        <p:cNvGrpSpPr/>
+        <p:nvPr/>
+      </p:nvGrpSpPr>
+      <p:grpSpPr>
+        <a:xfrm>
+          <a:off x="0" y="0"/>
+          <a:ext cx="0" cy="0"/>
+          <a:chOff x="0" y="0"/>
+          <a:chExt cx="0" cy="0"/>
+        </a:xfrm>
+      </p:grpSpPr>
+      <p:grpSp>
+        <p:nvGrpSpPr>
+          <p:cNvPr id="34" name="Group 33">
+            <a:extLst>
+              <a:ext uri="{FF2B5EF4-FFF2-40B4-BE49-F238E27FC236}">
+                <a16:creationId xmlns:a16="http://schemas.microsoft.com/office/drawing/2014/main" id="{A9462E84-D948-0482-9BCF-4D01A5C524B4}"/>
+              </a:ext>
+            </a:extLst>
+          </p:cNvPr>
+          <p:cNvGrpSpPr/>
+          <p:nvPr/>
+        </p:nvGrpSpPr>
+        <p:grpSpPr>
+          <a:xfrm>
+            <a:off x="205495" y="4894351"/>
+            <a:ext cx="11011017" cy="1597193"/>
+            <a:chOff x="205495" y="4894351"/>
+            <a:chExt cx="11011017" cy="1597193"/>
+          </a:xfrm>
+        </p:grpSpPr>
+        <p:cxnSp>
+          <p:nvCxnSpPr>
+            <p:cNvPr id="22" name="Straight Arrow Connector 21">
+              <a:extLst>
+                <a:ext uri="{FF2B5EF4-FFF2-40B4-BE49-F238E27FC236}">
+                  <a16:creationId xmlns:a16="http://schemas.microsoft.com/office/drawing/2014/main" id="{873FC98D-8C21-E73E-715F-C5265FA61D2E}"/>
+                </a:ext>
+              </a:extLst>
+            </p:cNvPr>
+            <p:cNvCxnSpPr>
+              <a:cxnSpLocks/>
+            </p:cNvCxnSpPr>
+            <p:nvPr/>
+          </p:nvCxnSpPr>
+          <p:spPr>
+            <a:xfrm>
+              <a:off x="4527987" y="5247871"/>
+              <a:ext cx="548640" cy="0"/>
+            </a:xfrm>
+            <a:prstGeom prst="straightConnector1">
+              <a:avLst/>
+            </a:prstGeom>
+            <a:ln w="38100">
+              <a:solidFill>
+                <a:schemeClr val="tx1"/>
+              </a:solidFill>
+              <a:headEnd type="none"/>
+              <a:tailEnd type="triangle"/>
+            </a:ln>
+          </p:spPr>
+          <p:style>
+            <a:lnRef idx="1">
+              <a:schemeClr val="accent1"/>
+            </a:lnRef>
+            <a:fillRef idx="0">
+              <a:schemeClr val="accent1"/>
+            </a:fillRef>
+            <a:effectRef idx="0">
+              <a:schemeClr val="accent1"/>
+            </a:effectRef>
+            <a:fontRef idx="minor">
+              <a:schemeClr val="tx1"/>
+            </a:fontRef>
+          </p:style>
+        </p:cxnSp>
+        <p:sp>
+          <p:nvSpPr>
+            <p:cNvPr id="9" name="Rectangle 8">
+              <a:extLst>
+                <a:ext uri="{FF2B5EF4-FFF2-40B4-BE49-F238E27FC236}">
+                  <a16:creationId xmlns:a16="http://schemas.microsoft.com/office/drawing/2014/main" id="{D2D34CD0-792B-46E0-F2B0-B58E1DCFE413}"/>
+                </a:ext>
+              </a:extLst>
+            </p:cNvPr>
+            <p:cNvSpPr/>
+            <p:nvPr/>
+          </p:nvSpPr>
+          <p:spPr>
+            <a:xfrm>
+              <a:off x="205495" y="4894802"/>
+              <a:ext cx="1270000" cy="1579248"/>
+            </a:xfrm>
+            <a:prstGeom prst="rect">
+              <a:avLst/>
+            </a:prstGeom>
+          </p:spPr>
+          <p:style>
+            <a:lnRef idx="1">
+              <a:schemeClr val="accent3"/>
+            </a:lnRef>
+            <a:fillRef idx="2">
+              <a:schemeClr val="accent3"/>
+            </a:fillRef>
+            <a:effectRef idx="1">
+              <a:schemeClr val="accent3"/>
+            </a:effectRef>
+            <a:fontRef idx="minor">
+              <a:schemeClr val="dk1"/>
+            </a:fontRef>
+          </p:style>
+          <p:txBody>
+            <a:bodyPr rtlCol="0" anchor="ctr"/>
+            <a:lstStyle/>
+            <a:p>
+              <a:pPr algn="ctr"/>
+              <a:r>
+                <a:rPr lang="en-US" dirty="0">
+                  <a:latin typeface="Modern No. 20" panose="02070704070505020303" pitchFamily="18" charset="77"/>
+                </a:rPr>
+                <a:t>WHOC (Greedy, LUT, or MPC)</a:t>
+              </a:r>
+              <a:endParaRPr lang="en-US" dirty="0"/>
+            </a:p>
+          </p:txBody>
+        </p:sp>
+        <p:sp>
+          <p:nvSpPr>
+            <p:cNvPr id="14" name="Rectangle 13">
+              <a:extLst>
+                <a:ext uri="{FF2B5EF4-FFF2-40B4-BE49-F238E27FC236}">
+                  <a16:creationId xmlns:a16="http://schemas.microsoft.com/office/drawing/2014/main" id="{61690CAA-70EC-48C9-007B-B2D566437053}"/>
+                </a:ext>
+              </a:extLst>
+            </p:cNvPr>
+            <p:cNvSpPr/>
+            <p:nvPr/>
+          </p:nvSpPr>
+          <p:spPr>
+            <a:xfrm>
+              <a:off x="5075142" y="4908132"/>
+              <a:ext cx="1270000" cy="1579699"/>
+            </a:xfrm>
+            <a:prstGeom prst="rect">
+              <a:avLst/>
+            </a:prstGeom>
+          </p:spPr>
+          <p:style>
+            <a:lnRef idx="1">
+              <a:schemeClr val="accent3"/>
+            </a:lnRef>
+            <a:fillRef idx="2">
+              <a:schemeClr val="accent3"/>
+            </a:fillRef>
+            <a:effectRef idx="1">
+              <a:schemeClr val="accent3"/>
+            </a:effectRef>
+            <a:fontRef idx="minor">
+              <a:schemeClr val="dk1"/>
+            </a:fontRef>
+          </p:style>
+          <p:txBody>
+            <a:bodyPr rtlCol="0" anchor="ctr"/>
+            <a:lstStyle/>
+            <a:p>
+              <a:pPr algn="ctr"/>
+              <a:r>
+                <a:rPr lang="en-US" dirty="0">
+                  <a:latin typeface="Modern No. 20" panose="02070704070505020303" pitchFamily="18" charset="77"/>
+                </a:rPr>
+                <a:t>Hercules</a:t>
+              </a:r>
+              <a:endParaRPr lang="en-US" dirty="0"/>
+            </a:p>
+          </p:txBody>
+        </p:sp>
+        <p:cxnSp>
+          <p:nvCxnSpPr>
+            <p:cNvPr id="17" name="Straight Arrow Connector 16">
+              <a:extLst>
+                <a:ext uri="{FF2B5EF4-FFF2-40B4-BE49-F238E27FC236}">
+                  <a16:creationId xmlns:a16="http://schemas.microsoft.com/office/drawing/2014/main" id="{21B53153-275D-B19F-BBC8-2E8A0DFB94F6}"/>
+                </a:ext>
+              </a:extLst>
+            </p:cNvPr>
+            <p:cNvCxnSpPr>
+              <a:cxnSpLocks/>
+            </p:cNvCxnSpPr>
+            <p:nvPr/>
+          </p:nvCxnSpPr>
+          <p:spPr>
+            <a:xfrm>
+              <a:off x="1475495" y="6091166"/>
+              <a:ext cx="548640" cy="0"/>
+            </a:xfrm>
+            <a:prstGeom prst="straightConnector1">
+              <a:avLst/>
+            </a:prstGeom>
+            <a:ln w="38100">
+              <a:solidFill>
+                <a:schemeClr val="tx1"/>
+              </a:solidFill>
+              <a:headEnd type="triangle"/>
+              <a:tailEnd type="none"/>
+            </a:ln>
+          </p:spPr>
+          <p:style>
+            <a:lnRef idx="1">
+              <a:schemeClr val="accent1"/>
+            </a:lnRef>
+            <a:fillRef idx="0">
+              <a:schemeClr val="accent1"/>
+            </a:fillRef>
+            <a:effectRef idx="0">
+              <a:schemeClr val="accent1"/>
+            </a:effectRef>
+            <a:fontRef idx="minor">
+              <a:schemeClr val="tx1"/>
+            </a:fontRef>
+          </p:style>
+        </p:cxnSp>
+        <p:sp>
+          <p:nvSpPr>
+            <p:cNvPr id="36" name="Parallelogram 35">
+              <a:extLst>
+                <a:ext uri="{FF2B5EF4-FFF2-40B4-BE49-F238E27FC236}">
+                  <a16:creationId xmlns:a16="http://schemas.microsoft.com/office/drawing/2014/main" id="{4D4E4DC2-B7A6-8E0E-0155-ADD66FCD3F7B}"/>
+                </a:ext>
+              </a:extLst>
+            </p:cNvPr>
+            <p:cNvSpPr/>
+            <p:nvPr/>
+          </p:nvSpPr>
+          <p:spPr>
+            <a:xfrm>
+              <a:off x="1929384" y="4894356"/>
+              <a:ext cx="2688336" cy="690875"/>
+            </a:xfrm>
+            <a:prstGeom prst="parallelogram">
+              <a:avLst/>
+            </a:prstGeom>
+            <a:ln/>
+          </p:spPr>
+          <p:style>
+            <a:lnRef idx="1">
+              <a:schemeClr val="accent3"/>
+            </a:lnRef>
+            <a:fillRef idx="2">
+              <a:schemeClr val="accent3"/>
+            </a:fillRef>
+            <a:effectRef idx="1">
+              <a:schemeClr val="accent3"/>
+            </a:effectRef>
+            <a:fontRef idx="minor">
+              <a:schemeClr val="dk1"/>
+            </a:fontRef>
+          </p:style>
+          <p:txBody>
+            <a:bodyPr rtlCol="0" anchor="ctr"/>
+            <a:lstStyle/>
+            <a:p>
+              <a:pPr algn="ctr"/>
+              <a:r>
+                <a:rPr lang="en-US" dirty="0">
+                  <a:latin typeface="Modern No. 20" panose="02070704070505020303" pitchFamily="18" charset="77"/>
+                </a:rPr>
+                <a:t>Turbine Yaw Setpoints</a:t>
+              </a:r>
+            </a:p>
+          </p:txBody>
+        </p:sp>
+        <p:cxnSp>
+          <p:nvCxnSpPr>
+            <p:cNvPr id="5" name="Straight Arrow Connector 4">
+              <a:extLst>
+                <a:ext uri="{FF2B5EF4-FFF2-40B4-BE49-F238E27FC236}">
+                  <a16:creationId xmlns:a16="http://schemas.microsoft.com/office/drawing/2014/main" id="{0CCB287E-D993-6C83-4FAE-FFBEF4CFD1DD}"/>
+                </a:ext>
+              </a:extLst>
+            </p:cNvPr>
+            <p:cNvCxnSpPr>
+              <a:cxnSpLocks/>
+            </p:cNvCxnSpPr>
+            <p:nvPr/>
+          </p:nvCxnSpPr>
+          <p:spPr>
+            <a:xfrm>
+              <a:off x="1475495" y="5221588"/>
+              <a:ext cx="548640" cy="0"/>
+            </a:xfrm>
+            <a:prstGeom prst="straightConnector1">
+              <a:avLst/>
+            </a:prstGeom>
+            <a:ln w="38100">
+              <a:solidFill>
+                <a:schemeClr val="tx1"/>
+              </a:solidFill>
+              <a:tailEnd type="triangle"/>
+            </a:ln>
+          </p:spPr>
+          <p:style>
+            <a:lnRef idx="1">
+              <a:schemeClr val="accent1"/>
+            </a:lnRef>
+            <a:fillRef idx="0">
+              <a:schemeClr val="accent1"/>
+            </a:fillRef>
+            <a:effectRef idx="0">
+              <a:schemeClr val="accent1"/>
+            </a:effectRef>
+            <a:fontRef idx="minor">
+              <a:schemeClr val="tx1"/>
+            </a:fontRef>
+          </p:style>
+        </p:cxnSp>
+        <p:sp>
+          <p:nvSpPr>
+            <p:cNvPr id="10" name="Parallelogram 9">
+              <a:extLst>
+                <a:ext uri="{FF2B5EF4-FFF2-40B4-BE49-F238E27FC236}">
+                  <a16:creationId xmlns:a16="http://schemas.microsoft.com/office/drawing/2014/main" id="{B19274DD-7325-6E83-FC7C-0C0E9B21FAB6}"/>
+                </a:ext>
+              </a:extLst>
+            </p:cNvPr>
+            <p:cNvSpPr/>
+            <p:nvPr/>
+          </p:nvSpPr>
+          <p:spPr>
+            <a:xfrm>
+              <a:off x="1928367" y="5783175"/>
+              <a:ext cx="2689405" cy="690875"/>
+            </a:xfrm>
+            <a:prstGeom prst="parallelogram">
+              <a:avLst/>
+            </a:prstGeom>
+            <a:ln/>
+          </p:spPr>
+          <p:style>
+            <a:lnRef idx="1">
+              <a:schemeClr val="accent3"/>
+            </a:lnRef>
+            <a:fillRef idx="2">
+              <a:schemeClr val="accent3"/>
+            </a:fillRef>
+            <a:effectRef idx="1">
+              <a:schemeClr val="accent3"/>
+            </a:effectRef>
+            <a:fontRef idx="minor">
+              <a:schemeClr val="dk1"/>
+            </a:fontRef>
+          </p:style>
+          <p:txBody>
+            <a:bodyPr rtlCol="0" anchor="ctr"/>
+            <a:lstStyle/>
+            <a:p>
+              <a:pPr algn="ctr"/>
+              <a:r>
+                <a:rPr lang="en-US" dirty="0">
+                  <a:latin typeface="Modern No. 20" panose="02070704070505020303" pitchFamily="18" charset="77"/>
+                </a:rPr>
+                <a:t>Turbine Wind Dirs., Speeds, Powers</a:t>
+              </a:r>
+            </a:p>
+          </p:txBody>
+        </p:sp>
+        <p:cxnSp>
+          <p:nvCxnSpPr>
+            <p:cNvPr id="21" name="Straight Arrow Connector 20">
+              <a:extLst>
+                <a:ext uri="{FF2B5EF4-FFF2-40B4-BE49-F238E27FC236}">
+                  <a16:creationId xmlns:a16="http://schemas.microsoft.com/office/drawing/2014/main" id="{E6E6745C-F71B-35CC-4146-227C4D715DC2}"/>
+                </a:ext>
+              </a:extLst>
+            </p:cNvPr>
+            <p:cNvCxnSpPr>
+              <a:cxnSpLocks/>
+            </p:cNvCxnSpPr>
+            <p:nvPr/>
+          </p:nvCxnSpPr>
+          <p:spPr>
+            <a:xfrm>
+              <a:off x="4527987" y="6117449"/>
+              <a:ext cx="548640" cy="0"/>
+            </a:xfrm>
+            <a:prstGeom prst="straightConnector1">
+              <a:avLst/>
+            </a:prstGeom>
+            <a:ln w="38100">
+              <a:solidFill>
+                <a:schemeClr val="tx1"/>
+              </a:solidFill>
+              <a:headEnd type="triangle"/>
+              <a:tailEnd type="none"/>
+            </a:ln>
+          </p:spPr>
+          <p:style>
+            <a:lnRef idx="1">
+              <a:schemeClr val="accent1"/>
+            </a:lnRef>
+            <a:fillRef idx="0">
+              <a:schemeClr val="accent1"/>
+            </a:fillRef>
+            <a:effectRef idx="0">
+              <a:schemeClr val="accent1"/>
+            </a:effectRef>
+            <a:fontRef idx="minor">
+              <a:schemeClr val="tx1"/>
+            </a:fontRef>
+          </p:style>
+        </p:cxnSp>
+        <p:cxnSp>
+          <p:nvCxnSpPr>
+            <p:cNvPr id="25" name="Straight Arrow Connector 24">
+              <a:extLst>
+                <a:ext uri="{FF2B5EF4-FFF2-40B4-BE49-F238E27FC236}">
+                  <a16:creationId xmlns:a16="http://schemas.microsoft.com/office/drawing/2014/main" id="{F31FAA5C-6ABD-86E9-8FE2-8A4EA1C987B2}"/>
+                </a:ext>
+              </a:extLst>
+            </p:cNvPr>
+            <p:cNvCxnSpPr>
+              <a:cxnSpLocks/>
+            </p:cNvCxnSpPr>
+            <p:nvPr/>
+          </p:nvCxnSpPr>
+          <p:spPr>
+            <a:xfrm>
+              <a:off x="6344065" y="6117449"/>
+              <a:ext cx="548640" cy="0"/>
+            </a:xfrm>
+            <a:prstGeom prst="straightConnector1">
+              <a:avLst/>
+            </a:prstGeom>
+            <a:ln w="38100">
+              <a:solidFill>
+                <a:schemeClr val="tx1"/>
+              </a:solidFill>
+              <a:headEnd type="triangle"/>
+              <a:tailEnd type="none"/>
+            </a:ln>
+          </p:spPr>
+          <p:style>
+            <a:lnRef idx="1">
+              <a:schemeClr val="accent1"/>
+            </a:lnRef>
+            <a:fillRef idx="0">
+              <a:schemeClr val="accent1"/>
+            </a:fillRef>
+            <a:effectRef idx="0">
+              <a:schemeClr val="accent1"/>
+            </a:effectRef>
+            <a:fontRef idx="minor">
+              <a:schemeClr val="tx1"/>
+            </a:fontRef>
+          </p:style>
+        </p:cxnSp>
+        <p:cxnSp>
+          <p:nvCxnSpPr>
+            <p:cNvPr id="26" name="Straight Arrow Connector 25">
+              <a:extLst>
+                <a:ext uri="{FF2B5EF4-FFF2-40B4-BE49-F238E27FC236}">
+                  <a16:creationId xmlns:a16="http://schemas.microsoft.com/office/drawing/2014/main" id="{C9B43FFD-DA41-4515-02A5-C1C17AE2A591}"/>
+                </a:ext>
+              </a:extLst>
+            </p:cNvPr>
+            <p:cNvCxnSpPr>
+              <a:cxnSpLocks/>
+            </p:cNvCxnSpPr>
+            <p:nvPr/>
+          </p:nvCxnSpPr>
+          <p:spPr>
+            <a:xfrm>
+              <a:off x="6344065" y="5247871"/>
+              <a:ext cx="548640" cy="0"/>
+            </a:xfrm>
+            <a:prstGeom prst="straightConnector1">
+              <a:avLst/>
+            </a:prstGeom>
+            <a:ln w="38100">
+              <a:solidFill>
+                <a:schemeClr val="tx1"/>
+              </a:solidFill>
+              <a:headEnd type="none"/>
+              <a:tailEnd type="triangle"/>
+            </a:ln>
+          </p:spPr>
+          <p:style>
+            <a:lnRef idx="1">
+              <a:schemeClr val="accent1"/>
+            </a:lnRef>
+            <a:fillRef idx="0">
+              <a:schemeClr val="accent1"/>
+            </a:fillRef>
+            <a:effectRef idx="0">
+              <a:schemeClr val="accent1"/>
+            </a:effectRef>
+            <a:fontRef idx="minor">
+              <a:schemeClr val="tx1"/>
+            </a:fontRef>
+          </p:style>
+        </p:cxnSp>
+        <p:sp>
+          <p:nvSpPr>
+            <p:cNvPr id="27" name="Parallelogram 26">
+              <a:extLst>
+                <a:ext uri="{FF2B5EF4-FFF2-40B4-BE49-F238E27FC236}">
+                  <a16:creationId xmlns:a16="http://schemas.microsoft.com/office/drawing/2014/main" id="{29773C2D-1E98-1FFC-946A-0DF463ACC53E}"/>
+                </a:ext>
+              </a:extLst>
+            </p:cNvPr>
+            <p:cNvSpPr/>
+            <p:nvPr/>
+          </p:nvSpPr>
+          <p:spPr>
+            <a:xfrm>
+              <a:off x="6793992" y="4911850"/>
+              <a:ext cx="2688336" cy="690875"/>
+            </a:xfrm>
+            <a:prstGeom prst="parallelogram">
+              <a:avLst/>
+            </a:prstGeom>
+            <a:ln/>
+          </p:spPr>
+          <p:style>
+            <a:lnRef idx="1">
+              <a:schemeClr val="accent3"/>
+            </a:lnRef>
+            <a:fillRef idx="2">
+              <a:schemeClr val="accent3"/>
+            </a:fillRef>
+            <a:effectRef idx="1">
+              <a:schemeClr val="accent3"/>
+            </a:effectRef>
+            <a:fontRef idx="minor">
+              <a:schemeClr val="dk1"/>
+            </a:fontRef>
+          </p:style>
+          <p:txBody>
+            <a:bodyPr rtlCol="0" anchor="ctr"/>
+            <a:lstStyle/>
+            <a:p>
+              <a:pPr algn="ctr"/>
+              <a:r>
+                <a:rPr lang="en-US" dirty="0">
+                  <a:latin typeface="Modern No. 20" panose="02070704070505020303" pitchFamily="18" charset="77"/>
+                </a:rPr>
+                <a:t>Packaged AMR=Wind Inputs</a:t>
+              </a:r>
+            </a:p>
+          </p:txBody>
+        </p:sp>
+        <p:sp>
+          <p:nvSpPr>
+            <p:cNvPr id="28" name="Parallelogram 27">
+              <a:extLst>
+                <a:ext uri="{FF2B5EF4-FFF2-40B4-BE49-F238E27FC236}">
+                  <a16:creationId xmlns:a16="http://schemas.microsoft.com/office/drawing/2014/main" id="{F5C5D2EE-4E54-0AEF-B610-82C8969D843B}"/>
+                </a:ext>
+              </a:extLst>
+            </p:cNvPr>
+            <p:cNvSpPr/>
+            <p:nvPr/>
+          </p:nvSpPr>
+          <p:spPr>
+            <a:xfrm>
+              <a:off x="6792249" y="5800669"/>
+              <a:ext cx="2688336" cy="690875"/>
+            </a:xfrm>
+            <a:prstGeom prst="parallelogram">
+              <a:avLst/>
+            </a:prstGeom>
+            <a:ln/>
+          </p:spPr>
+          <p:style>
+            <a:lnRef idx="1">
+              <a:schemeClr val="accent3"/>
+            </a:lnRef>
+            <a:fillRef idx="2">
+              <a:schemeClr val="accent3"/>
+            </a:fillRef>
+            <a:effectRef idx="1">
+              <a:schemeClr val="accent3"/>
+            </a:effectRef>
+            <a:fontRef idx="minor">
+              <a:schemeClr val="dk1"/>
+            </a:fontRef>
+          </p:style>
+          <p:txBody>
+            <a:bodyPr rtlCol="0" anchor="ctr"/>
+            <a:lstStyle/>
+            <a:p>
+              <a:pPr algn="ctr"/>
+              <a:r>
+                <a:rPr lang="en-US" dirty="0">
+                  <a:latin typeface="Modern No. 20" panose="02070704070505020303" pitchFamily="18" charset="77"/>
+                </a:rPr>
+                <a:t>Raw AMR-Wind Outputs</a:t>
+              </a:r>
+            </a:p>
+          </p:txBody>
+        </p:sp>
+        <p:sp>
+          <p:nvSpPr>
+            <p:cNvPr id="29" name="Rectangle 28">
+              <a:extLst>
+                <a:ext uri="{FF2B5EF4-FFF2-40B4-BE49-F238E27FC236}">
+                  <a16:creationId xmlns:a16="http://schemas.microsoft.com/office/drawing/2014/main" id="{6B5817EB-1945-E832-2DFF-EC6B9B59F72D}"/>
+                </a:ext>
+              </a:extLst>
+            </p:cNvPr>
+            <p:cNvSpPr/>
+            <p:nvPr/>
+          </p:nvSpPr>
+          <p:spPr>
+            <a:xfrm>
+              <a:off x="9946512" y="4894351"/>
+              <a:ext cx="1270000" cy="1579699"/>
+            </a:xfrm>
+            <a:prstGeom prst="rect">
+              <a:avLst/>
+            </a:prstGeom>
+          </p:spPr>
+          <p:style>
+            <a:lnRef idx="1">
+              <a:schemeClr val="accent3"/>
+            </a:lnRef>
+            <a:fillRef idx="2">
+              <a:schemeClr val="accent3"/>
+            </a:fillRef>
+            <a:effectRef idx="1">
+              <a:schemeClr val="accent3"/>
+            </a:effectRef>
+            <a:fontRef idx="minor">
+              <a:schemeClr val="dk1"/>
+            </a:fontRef>
+          </p:style>
+          <p:txBody>
+            <a:bodyPr rtlCol="0" anchor="ctr"/>
+            <a:lstStyle/>
+            <a:p>
+              <a:pPr algn="ctr"/>
+              <a:r>
+                <a:rPr lang="en-US" dirty="0">
+                  <a:latin typeface="Modern No. 20" panose="02070704070505020303" pitchFamily="18" charset="77"/>
+                </a:rPr>
+                <a:t>AMR-Wind</a:t>
+              </a:r>
+              <a:endParaRPr lang="en-US" dirty="0"/>
+            </a:p>
+          </p:txBody>
+        </p:sp>
+        <p:cxnSp>
+          <p:nvCxnSpPr>
+            <p:cNvPr id="30" name="Straight Arrow Connector 29">
+              <a:extLst>
+                <a:ext uri="{FF2B5EF4-FFF2-40B4-BE49-F238E27FC236}">
+                  <a16:creationId xmlns:a16="http://schemas.microsoft.com/office/drawing/2014/main" id="{1AC34B00-9B0D-5EA9-467C-A75BEC7BC443}"/>
+                </a:ext>
+              </a:extLst>
+            </p:cNvPr>
+            <p:cNvCxnSpPr>
+              <a:cxnSpLocks/>
+            </p:cNvCxnSpPr>
+            <p:nvPr/>
+          </p:nvCxnSpPr>
+          <p:spPr>
+            <a:xfrm>
+              <a:off x="9397872" y="6108488"/>
+              <a:ext cx="548640" cy="0"/>
+            </a:xfrm>
+            <a:prstGeom prst="straightConnector1">
+              <a:avLst/>
+            </a:prstGeom>
+            <a:ln w="38100">
+              <a:solidFill>
+                <a:schemeClr val="tx1"/>
+              </a:solidFill>
+              <a:headEnd type="triangle"/>
+              <a:tailEnd type="none"/>
+            </a:ln>
+          </p:spPr>
+          <p:style>
+            <a:lnRef idx="1">
+              <a:schemeClr val="accent1"/>
+            </a:lnRef>
+            <a:fillRef idx="0">
+              <a:schemeClr val="accent1"/>
+            </a:fillRef>
+            <a:effectRef idx="0">
+              <a:schemeClr val="accent1"/>
+            </a:effectRef>
+            <a:fontRef idx="minor">
+              <a:schemeClr val="tx1"/>
+            </a:fontRef>
+          </p:style>
+        </p:cxnSp>
+        <p:cxnSp>
+          <p:nvCxnSpPr>
+            <p:cNvPr id="31" name="Straight Arrow Connector 30">
+              <a:extLst>
+                <a:ext uri="{FF2B5EF4-FFF2-40B4-BE49-F238E27FC236}">
+                  <a16:creationId xmlns:a16="http://schemas.microsoft.com/office/drawing/2014/main" id="{558AD731-8294-DE29-9509-45BB53D02CE5}"/>
+                </a:ext>
+              </a:extLst>
+            </p:cNvPr>
+            <p:cNvCxnSpPr>
+              <a:cxnSpLocks/>
+            </p:cNvCxnSpPr>
+            <p:nvPr/>
+          </p:nvCxnSpPr>
+          <p:spPr>
+            <a:xfrm>
+              <a:off x="9397872" y="5238910"/>
+              <a:ext cx="548640" cy="0"/>
+            </a:xfrm>
+            <a:prstGeom prst="straightConnector1">
+              <a:avLst/>
+            </a:prstGeom>
+            <a:ln w="38100">
+              <a:solidFill>
+                <a:schemeClr val="tx1"/>
+              </a:solidFill>
+              <a:headEnd type="none"/>
+              <a:tailEnd type="triangle"/>
+            </a:ln>
+          </p:spPr>
+          <p:style>
+            <a:lnRef idx="1">
+              <a:schemeClr val="accent1"/>
+            </a:lnRef>
+            <a:fillRef idx="0">
+              <a:schemeClr val="accent1"/>
+            </a:fillRef>
+            <a:effectRef idx="0">
+              <a:schemeClr val="accent1"/>
+            </a:effectRef>
+            <a:fontRef idx="minor">
+              <a:schemeClr val="tx1"/>
+            </a:fontRef>
+          </p:style>
+        </p:cxnSp>
+      </p:grpSp>
+    </p:spTree>
+    <p:extLst>
+      <p:ext uri="{BB962C8B-B14F-4D97-AF65-F5344CB8AC3E}">
+        <p14:creationId xmlns:p14="http://schemas.microsoft.com/office/powerpoint/2010/main" val="3594315945"/>
       </p:ext>
     </p:extLst>
   </p:cSld>
@@ -7978,10 +8095,10 @@
         </p:nvGrpSpPr>
         <p:grpSpPr>
           <a:xfrm>
-            <a:off x="1764092" y="4434840"/>
-            <a:ext cx="9217886" cy="4826010"/>
-            <a:chOff x="1764092" y="4434840"/>
-            <a:chExt cx="9217886" cy="4826010"/>
+            <a:off x="1171726" y="4434840"/>
+            <a:ext cx="9810252" cy="4826010"/>
+            <a:chOff x="1171726" y="4434840"/>
+            <a:chExt cx="9810252" cy="4826010"/>
           </a:xfrm>
         </p:grpSpPr>
         <p:sp>
@@ -8381,10 +8498,10 @@
           </p:nvGrpSpPr>
           <p:grpSpPr>
             <a:xfrm>
-              <a:off x="1764092" y="5387427"/>
-              <a:ext cx="4347227" cy="3241900"/>
-              <a:chOff x="2546748" y="408356"/>
-              <a:chExt cx="4347227" cy="3241900"/>
+              <a:off x="1171726" y="5387427"/>
+              <a:ext cx="4939593" cy="3241900"/>
+              <a:chOff x="1954382" y="408356"/>
+              <a:chExt cx="4939593" cy="3241900"/>
             </a:xfrm>
           </p:grpSpPr>
           <p:cxnSp>
@@ -8500,7 +8617,7 @@
                 <p:spPr>
                   <a:xfrm>
                     <a:off x="6394245" y="2641970"/>
-                    <a:ext cx="499730" cy="369332"/>
+                    <a:ext cx="499730" cy="461665"/>
                   </a:xfrm>
                   <a:prstGeom prst="rect">
                     <a:avLst/>
@@ -8521,7 +8638,7 @@
                         </m:oMathParaPr>
                         <m:oMath xmlns:m="http://schemas.openxmlformats.org/officeDocument/2006/math">
                           <m:r>
-                            <a:rPr lang="en-US" i="1" dirty="0">
+                            <a:rPr lang="en-US" sz="2400" i="1" dirty="0">
                               <a:solidFill>
                                 <a:srgbClr val="7F7F7F"/>
                               </a:solidFill>
@@ -8555,7 +8672,7 @@
                 <p:spPr>
                   <a:xfrm>
                     <a:off x="6394245" y="2641970"/>
-                    <a:ext cx="499730" cy="369332"/>
+                    <a:ext cx="499730" cy="461665"/>
                   </a:xfrm>
                   <a:prstGeom prst="rect">
                     <a:avLst/>
@@ -8599,7 +8716,7 @@
                 <p:spPr>
                   <a:xfrm>
                     <a:off x="4129937" y="408356"/>
-                    <a:ext cx="499730" cy="369332"/>
+                    <a:ext cx="499730" cy="461665"/>
                   </a:xfrm>
                   <a:prstGeom prst="rect">
                     <a:avLst/>
@@ -8620,7 +8737,7 @@
                         </m:oMathParaPr>
                         <m:oMath xmlns:m="http://schemas.openxmlformats.org/officeDocument/2006/math">
                           <m:r>
-                            <a:rPr lang="en-US" i="1" dirty="0">
+                            <a:rPr lang="en-US" sz="2400" i="1" dirty="0">
                               <a:solidFill>
                                 <a:srgbClr val="7F7F7F"/>
                               </a:solidFill>
@@ -8654,7 +8771,7 @@
                 <p:spPr>
                   <a:xfrm>
                     <a:off x="4129937" y="408356"/>
-                    <a:ext cx="499730" cy="369332"/>
+                    <a:ext cx="499730" cy="461665"/>
                   </a:xfrm>
                   <a:prstGeom prst="rect">
                     <a:avLst/>
@@ -8662,7 +8779,7 @@
                   <a:blipFill>
                     <a:blip r:embed="rId4"/>
                     <a:stretch>
-                      <a:fillRect b="-6667"/>
+                      <a:fillRect b="-10811"/>
                     </a:stretch>
                   </a:blipFill>
                 </p:spPr>
@@ -8796,8 +8913,8 @@
                 </p:nvSpPr>
                 <p:spPr>
                   <a:xfrm>
-                    <a:off x="2546748" y="1836341"/>
-                    <a:ext cx="2068006" cy="843821"/>
+                    <a:off x="1954382" y="1651282"/>
+                    <a:ext cx="2660456" cy="1094339"/>
                   </a:xfrm>
                   <a:prstGeom prst="rect">
                     <a:avLst/>
@@ -8811,7 +8928,7 @@
                   <a:lstStyle/>
                   <a:p>
                     <a:r>
-                      <a:rPr lang="en-US" dirty="0">
+                      <a:rPr lang="en-US" sz="2400" dirty="0">
                         <a:solidFill>
                           <a:srgbClr val="5B9BD5"/>
                         </a:solidFill>
@@ -8829,7 +8946,7 @@
                         </m:oMathParaPr>
                         <m:oMath xmlns:m="http://schemas.openxmlformats.org/officeDocument/2006/math">
                           <m:r>
-                            <a:rPr lang="en-US" i="1">
+                            <a:rPr lang="en-US" sz="2400" i="1">
                               <a:solidFill>
                                 <a:srgbClr val="5B9BD5"/>
                               </a:solidFill>
@@ -8838,7 +8955,7 @@
                             <m:t>∠</m:t>
                           </m:r>
                           <m:r>
-                            <a:rPr lang="en-US" i="1">
+                            <a:rPr lang="en-US" sz="2400" i="1">
                               <a:solidFill>
                                 <a:srgbClr val="5B9BD5"/>
                               </a:solidFill>
@@ -8847,7 +8964,7 @@
                             <m:t>𝑤</m:t>
                           </m:r>
                           <m:r>
-                            <a:rPr lang="en-US" i="1">
+                            <a:rPr lang="en-US" sz="2400" i="1">
                               <a:solidFill>
                                 <a:srgbClr val="5B9BD5"/>
                               </a:solidFill>
@@ -8858,7 +8975,7 @@
                           <m:func>
                             <m:funcPr>
                               <m:ctrlPr>
-                                <a:rPr lang="en-US" i="1">
+                                <a:rPr lang="en-US" sz="2400" i="1">
                                   <a:solidFill>
                                     <a:srgbClr val="5B9BD5"/>
                                   </a:solidFill>
@@ -8870,7 +8987,7 @@
                               <m:sSup>
                                 <m:sSupPr>
                                   <m:ctrlPr>
-                                    <a:rPr lang="en-US" i="1">
+                                    <a:rPr lang="en-US" sz="2400" i="1">
                                       <a:solidFill>
                                         <a:srgbClr val="5B9BD5"/>
                                       </a:solidFill>
@@ -8883,7 +9000,7 @@
                                     <m:rPr>
                                       <m:sty m:val="p"/>
                                     </m:rPr>
-                                    <a:rPr lang="en-US">
+                                    <a:rPr lang="en-US" sz="2400">
                                       <a:solidFill>
                                         <a:srgbClr val="5B9BD5"/>
                                       </a:solidFill>
@@ -8894,7 +9011,7 @@
                                 </m:e>
                                 <m:sup>
                                   <m:r>
-                                    <a:rPr lang="en-US" i="1">
+                                    <a:rPr lang="en-US" sz="2400" i="1">
                                       <a:solidFill>
                                         <a:srgbClr val="5B9BD5"/>
                                       </a:solidFill>
@@ -8909,7 +9026,7 @@
                               <m:f>
                                 <m:fPr>
                                   <m:ctrlPr>
-                                    <a:rPr lang="en-US" i="1">
+                                    <a:rPr lang="en-US" sz="2400" i="1">
                                       <a:solidFill>
                                         <a:srgbClr val="5B9BD5"/>
                                       </a:solidFill>
@@ -8919,7 +9036,7 @@
                                 </m:fPr>
                                 <m:num>
                                   <m:r>
-                                    <a:rPr lang="en-US" i="1">
+                                    <a:rPr lang="en-US" sz="2400" i="1">
                                       <a:solidFill>
                                         <a:srgbClr val="5B9BD5"/>
                                       </a:solidFill>
@@ -8930,7 +9047,7 @@
                                 </m:num>
                                 <m:den>
                                   <m:r>
-                                    <a:rPr lang="en-US" i="1">
+                                    <a:rPr lang="en-US" sz="2400" i="1">
                                       <a:solidFill>
                                         <a:srgbClr val="5B9BD5"/>
                                       </a:solidFill>
@@ -8943,7 +9060,7 @@
                             </m:e>
                           </m:func>
                           <m:r>
-                            <a:rPr lang="en-US" i="1">
+                            <a:rPr lang="en-US" sz="2400" i="1">
                               <a:solidFill>
                                 <a:srgbClr val="5B9BD5"/>
                               </a:solidFill>
@@ -8952,7 +9069,7 @@
                             <m:t>+</m:t>
                           </m:r>
                           <m:r>
-                            <a:rPr lang="en-US" i="1">
+                            <a:rPr lang="en-US" sz="2400" i="1">
                               <a:solidFill>
                                 <a:srgbClr val="5B9BD5"/>
                               </a:solidFill>
@@ -8963,7 +9080,7 @@
                         </m:oMath>
                       </m:oMathPara>
                     </a14:m>
-                    <a:endParaRPr lang="en-US" dirty="0">
+                    <a:endParaRPr lang="en-US" sz="2400" dirty="0">
                       <a:solidFill>
                         <a:srgbClr val="5B9BD5"/>
                       </a:solidFill>
@@ -8989,8 +9106,8 @@
                 </p:nvSpPr>
                 <p:spPr>
                   <a:xfrm>
-                    <a:off x="2546748" y="1836341"/>
-                    <a:ext cx="2068006" cy="843821"/>
+                    <a:off x="1954382" y="1651282"/>
+                    <a:ext cx="2660456" cy="1094339"/>
                   </a:xfrm>
                   <a:prstGeom prst="rect">
                     <a:avLst/>
@@ -8998,7 +9115,7 @@
                   <a:blipFill>
                     <a:blip r:embed="rId5"/>
                     <a:stretch>
-                      <a:fillRect l="-2439" t="-2985"/>
+                      <a:fillRect l="-3810" t="-4598" b="-2299"/>
                     </a:stretch>
                   </a:blipFill>
                 </p:spPr>
@@ -9032,10 +9149,10 @@
           </p:nvGrpSpPr>
           <p:grpSpPr>
             <a:xfrm rot="20400000">
-              <a:off x="3931413" y="4462652"/>
-              <a:ext cx="2764038" cy="2602946"/>
-              <a:chOff x="4295406" y="1907588"/>
-              <a:chExt cx="2764038" cy="2602946"/>
+              <a:off x="3965987" y="4552736"/>
+              <a:ext cx="2644209" cy="2610610"/>
+              <a:chOff x="4299388" y="1983341"/>
+              <a:chExt cx="2644209" cy="2610610"/>
             </a:xfrm>
           </p:grpSpPr>
           <p:cxnSp>
@@ -9150,8 +9267,8 @@
                 </p:nvSpPr>
                 <p:spPr>
                   <a:xfrm>
-                    <a:off x="6559714" y="4141202"/>
-                    <a:ext cx="499730" cy="369332"/>
+                    <a:off x="6443867" y="4132286"/>
+                    <a:ext cx="499730" cy="461665"/>
                   </a:xfrm>
                   <a:prstGeom prst="rect">
                     <a:avLst/>
@@ -9172,7 +9289,7 @@
                         </m:oMathParaPr>
                         <m:oMath xmlns:m="http://schemas.openxmlformats.org/officeDocument/2006/math">
                           <m:r>
-                            <a:rPr lang="en-US" i="1" dirty="0">
+                            <a:rPr lang="en-US" sz="2400" i="1" dirty="0">
                               <a:solidFill>
                                 <a:srgbClr val="7F7F7F"/>
                               </a:solidFill>
@@ -9181,7 +9298,7 @@
                             <m:t>𝑥</m:t>
                           </m:r>
                           <m:r>
-                            <a:rPr lang="en-US" i="1" dirty="0">
+                            <a:rPr lang="en-US" sz="2400" i="1" dirty="0">
                               <a:solidFill>
                                 <a:srgbClr val="7F7F7F"/>
                               </a:solidFill>
@@ -9192,7 +9309,7 @@
                         </m:oMath>
                       </m:oMathPara>
                     </a14:m>
-                    <a:endParaRPr lang="en-US" dirty="0"/>
+                    <a:endParaRPr lang="en-US" sz="2400" dirty="0"/>
                   </a:p>
                 </p:txBody>
               </p:sp>
@@ -9214,8 +9331,8 @@
                 </p:nvSpPr>
                 <p:spPr>
                   <a:xfrm>
-                    <a:off x="6559714" y="4141202"/>
-                    <a:ext cx="499730" cy="369332"/>
+                    <a:off x="6443867" y="4132286"/>
+                    <a:ext cx="499730" cy="461665"/>
                   </a:xfrm>
                   <a:prstGeom prst="rect">
                     <a:avLst/>
@@ -9258,8 +9375,8 @@
                 </p:nvSpPr>
                 <p:spPr>
                   <a:xfrm>
-                    <a:off x="4295406" y="1907588"/>
-                    <a:ext cx="499730" cy="369332"/>
+                    <a:off x="4299388" y="1983341"/>
+                    <a:ext cx="499730" cy="461665"/>
                   </a:xfrm>
                   <a:prstGeom prst="rect">
                     <a:avLst/>
@@ -9280,7 +9397,7 @@
                         </m:oMathParaPr>
                         <m:oMath xmlns:m="http://schemas.openxmlformats.org/officeDocument/2006/math">
                           <m:r>
-                            <a:rPr lang="en-US" i="1" dirty="0">
+                            <a:rPr lang="en-US" sz="2400" i="1" dirty="0">
                               <a:solidFill>
                                 <a:srgbClr val="7F7F7F"/>
                               </a:solidFill>
@@ -9289,7 +9406,7 @@
                             <m:t>𝑦</m:t>
                           </m:r>
                           <m:r>
-                            <a:rPr lang="en-US" i="1" dirty="0">
+                            <a:rPr lang="en-US" sz="2400" i="1" dirty="0">
                               <a:solidFill>
                                 <a:srgbClr val="7F7F7F"/>
                               </a:solidFill>
@@ -9300,7 +9417,7 @@
                         </m:oMath>
                       </m:oMathPara>
                     </a14:m>
-                    <a:endParaRPr lang="en-US" dirty="0"/>
+                    <a:endParaRPr lang="en-US" sz="2400" dirty="0"/>
                   </a:p>
                 </p:txBody>
               </p:sp>
@@ -9322,8 +9439,8 @@
                 </p:nvSpPr>
                 <p:spPr>
                   <a:xfrm>
-                    <a:off x="4295406" y="1907588"/>
-                    <a:ext cx="499730" cy="369332"/>
+                    <a:off x="4299388" y="1983341"/>
+                    <a:ext cx="499730" cy="461665"/>
                   </a:xfrm>
                   <a:prstGeom prst="rect">
                     <a:avLst/>
@@ -9331,7 +9448,7 @@
                   <a:blipFill>
                     <a:blip r:embed="rId7"/>
                     <a:stretch>
-                      <a:fillRect b="-7143"/>
+                      <a:fillRect l="-1961" r="-5882" b="-14286"/>
                     </a:stretch>
                   </a:blipFill>
                 </p:spPr>
@@ -10882,8 +10999,8 @@
             </a:p>
           </p:txBody>
         </p:sp>
-        <mc:AlternateContent xmlns:mc="http://schemas.openxmlformats.org/markup-compatibility/2006">
-          <mc:Choice xmlns:a14="http://schemas.microsoft.com/office/drawing/2010/main" Requires="a14">
+        <mc:AlternateContent xmlns:mc="http://schemas.openxmlformats.org/markup-compatibility/2006" xmlns:a14="http://schemas.microsoft.com/office/drawing/2010/main">
+          <mc:Choice Requires="a14">
             <p:sp>
               <p:nvSpPr>
                 <p:cNvPr id="101" name="TextBox 100">
@@ -10898,8 +11015,8 @@
               </p:nvSpPr>
               <p:spPr>
                 <a:xfrm>
-                  <a:off x="6976424" y="7540026"/>
-                  <a:ext cx="914216" cy="276999"/>
+                  <a:off x="6874903" y="7555120"/>
+                  <a:ext cx="914216" cy="380682"/>
                 </a:xfrm>
                 <a:prstGeom prst="rect">
                   <a:avLst/>
@@ -10922,14 +11039,14 @@
                         <m:sSubSup>
                           <m:sSubSupPr>
                             <m:ctrlPr>
-                              <a:rPr lang="en-US" b="0" i="1" smtClean="0">
+                              <a:rPr lang="en-US" sz="2400" b="0" i="1" smtClean="0">
                                 <a:latin typeface="Cambria Math" panose="02040503050406030204" pitchFamily="18" charset="0"/>
                               </a:rPr>
                             </m:ctrlPr>
                           </m:sSubSupPr>
                           <m:e>
                             <m:r>
-                              <a:rPr lang="en-US" b="0" i="1" smtClean="0">
+                              <a:rPr lang="en-US" sz="2400" b="0" i="1" smtClean="0">
                                 <a:latin typeface="Cambria Math" panose="02040503050406030204" pitchFamily="18" charset="0"/>
                               </a:rPr>
                               <m:t>𝛾</m:t>
@@ -10937,15 +11054,15 @@
                           </m:e>
                           <m:sub>
                             <m:r>
-                              <a:rPr lang="en-US" b="0" i="1" smtClean="0">
+                              <a:rPr lang="en-US" sz="2400" b="0" i="1" smtClean="0">
                                 <a:latin typeface="Cambria Math" panose="02040503050406030204" pitchFamily="18" charset="0"/>
                               </a:rPr>
-                              <m:t>0</m:t>
+                              <m:t>1</m:t>
                             </m:r>
                           </m:sub>
                           <m:sup>
                             <m:r>
-                              <a:rPr lang="en-US" b="0" i="1" smtClean="0">
+                              <a:rPr lang="en-US" sz="2400" b="0" i="1" smtClean="0">
                                 <a:latin typeface="Cambria Math" panose="02040503050406030204" pitchFamily="18" charset="0"/>
                               </a:rPr>
                               <m:t>⋆</m:t>
@@ -10953,7 +11070,7 @@
                           </m:sup>
                         </m:sSubSup>
                         <m:r>
-                          <a:rPr lang="en-US" b="0" i="1" smtClean="0">
+                          <a:rPr lang="en-US" sz="2400" b="0" i="1" smtClean="0">
                             <a:latin typeface="Cambria Math" panose="02040503050406030204" pitchFamily="18" charset="0"/>
                           </a:rPr>
                           <m:t>,</m:t>
@@ -10961,7 +11078,7 @@
                         <m:sSubSup>
                           <m:sSubSupPr>
                             <m:ctrlPr>
-                              <a:rPr lang="en-US" i="1">
+                              <a:rPr lang="en-US" sz="2400" i="1">
                                 <a:latin typeface="Cambria Math" panose="02040503050406030204" pitchFamily="18" charset="0"/>
                               </a:rPr>
                             </m:ctrlPr>
@@ -10971,13 +11088,13 @@
                               <m:rPr>
                                 <m:sty m:val="p"/>
                               </m:rPr>
-                              <a:rPr lang="en-US" b="0" i="0" smtClean="0">
+                              <a:rPr lang="en-US" sz="2400" b="0" i="0" smtClean="0">
                                 <a:latin typeface="Cambria Math" panose="02040503050406030204" pitchFamily="18" charset="0"/>
                               </a:rPr>
                               <m:t>Δ</m:t>
                             </m:r>
                             <m:r>
-                              <a:rPr lang="en-US" i="1">
+                              <a:rPr lang="en-US" sz="2400" i="1">
                                 <a:latin typeface="Cambria Math" panose="02040503050406030204" pitchFamily="18" charset="0"/>
                               </a:rPr>
                               <m:t>𝛾</m:t>
@@ -10985,15 +11102,15 @@
                           </m:e>
                           <m:sub>
                             <m:r>
-                              <a:rPr lang="en-US" i="1">
+                              <a:rPr lang="en-US" sz="2400" b="0" i="1" smtClean="0">
                                 <a:latin typeface="Cambria Math" panose="02040503050406030204" pitchFamily="18" charset="0"/>
                               </a:rPr>
-                              <m:t>0</m:t>
+                              <m:t>1</m:t>
                             </m:r>
                           </m:sub>
                           <m:sup>
                             <m:r>
-                              <a:rPr lang="en-US" i="1">
+                              <a:rPr lang="en-US" sz="2400" i="1">
                                 <a:latin typeface="Cambria Math" panose="02040503050406030204" pitchFamily="18" charset="0"/>
                               </a:rPr>
                               <m:t>⋆</m:t>
@@ -11003,12 +11120,12 @@
                       </m:oMath>
                     </m:oMathPara>
                   </a14:m>
-                  <a:endParaRPr lang="en-US" dirty="0"/>
+                  <a:endParaRPr lang="en-US" sz="2400" dirty="0"/>
                 </a:p>
               </p:txBody>
             </p:sp>
           </mc:Choice>
-          <mc:Fallback>
+          <mc:Fallback xmlns="">
             <p:sp>
               <p:nvSpPr>
                 <p:cNvPr id="101" name="TextBox 100">
@@ -11025,8 +11142,8 @@
               </p:nvSpPr>
               <p:spPr>
                 <a:xfrm>
-                  <a:off x="6976424" y="7540026"/>
-                  <a:ext cx="914216" cy="276999"/>
+                  <a:off x="6874903" y="7555120"/>
+                  <a:ext cx="914216" cy="380682"/>
                 </a:xfrm>
                 <a:prstGeom prst="rect">
                   <a:avLst/>
@@ -11034,7 +11151,7 @@
                 <a:blipFill>
                   <a:blip r:embed="rId8"/>
                   <a:stretch>
-                    <a:fillRect b="-26087"/>
+                    <a:fillRect l="-10959" r="-4110" b="-22581"/>
                   </a:stretch>
                 </a:blipFill>
               </p:spPr>
@@ -11053,8 +11170,8 @@
             </p:sp>
           </mc:Fallback>
         </mc:AlternateContent>
-        <mc:AlternateContent xmlns:mc="http://schemas.openxmlformats.org/markup-compatibility/2006">
-          <mc:Choice xmlns:a14="http://schemas.microsoft.com/office/drawing/2010/main" Requires="a14">
+        <mc:AlternateContent xmlns:mc="http://schemas.openxmlformats.org/markup-compatibility/2006" xmlns:a14="http://schemas.microsoft.com/office/drawing/2010/main">
+          <mc:Choice Requires="a14">
             <p:sp>
               <p:nvSpPr>
                 <p:cNvPr id="102" name="TextBox 101">
@@ -11069,8 +11186,8 @@
               </p:nvSpPr>
               <p:spPr>
                 <a:xfrm>
-                  <a:off x="6976424" y="6086235"/>
-                  <a:ext cx="914216" cy="285463"/>
+                  <a:off x="6897960" y="6094412"/>
+                  <a:ext cx="914216" cy="380682"/>
                 </a:xfrm>
                 <a:prstGeom prst="rect">
                   <a:avLst/>
@@ -11093,14 +11210,14 @@
                         <m:sSubSup>
                           <m:sSubSupPr>
                             <m:ctrlPr>
-                              <a:rPr lang="en-US" b="0" i="1" smtClean="0">
+                              <a:rPr lang="en-US" sz="2400" b="0" i="1" smtClean="0">
                                 <a:latin typeface="Cambria Math" panose="02040503050406030204" pitchFamily="18" charset="0"/>
                               </a:rPr>
                             </m:ctrlPr>
                           </m:sSubSupPr>
                           <m:e>
                             <m:r>
-                              <a:rPr lang="en-US" b="0" i="1" smtClean="0">
+                              <a:rPr lang="en-US" sz="2400" b="0" i="1" smtClean="0">
                                 <a:latin typeface="Cambria Math" panose="02040503050406030204" pitchFamily="18" charset="0"/>
                               </a:rPr>
                               <m:t>𝛾</m:t>
@@ -11108,15 +11225,15 @@
                           </m:e>
                           <m:sub>
                             <m:r>
-                              <a:rPr lang="en-US" b="0" i="1" smtClean="0">
+                              <a:rPr lang="en-US" sz="2400" b="0" i="1" smtClean="0">
                                 <a:latin typeface="Cambria Math" panose="02040503050406030204" pitchFamily="18" charset="0"/>
                               </a:rPr>
-                              <m:t>1</m:t>
+                              <m:t>2</m:t>
                             </m:r>
                           </m:sub>
                           <m:sup>
                             <m:r>
-                              <a:rPr lang="en-US" b="0" i="1" smtClean="0">
+                              <a:rPr lang="en-US" sz="2400" b="0" i="1" smtClean="0">
                                 <a:latin typeface="Cambria Math" panose="02040503050406030204" pitchFamily="18" charset="0"/>
                               </a:rPr>
                               <m:t>⋆</m:t>
@@ -11124,7 +11241,7 @@
                           </m:sup>
                         </m:sSubSup>
                         <m:r>
-                          <a:rPr lang="en-US" b="0" i="1" smtClean="0">
+                          <a:rPr lang="en-US" sz="2400" b="0" i="1" smtClean="0">
                             <a:latin typeface="Cambria Math" panose="02040503050406030204" pitchFamily="18" charset="0"/>
                           </a:rPr>
                           <m:t>,</m:t>
@@ -11132,7 +11249,7 @@
                         <m:sSubSup>
                           <m:sSubSupPr>
                             <m:ctrlPr>
-                              <a:rPr lang="en-US" i="1">
+                              <a:rPr lang="en-US" sz="2400" i="1">
                                 <a:latin typeface="Cambria Math" panose="02040503050406030204" pitchFamily="18" charset="0"/>
                               </a:rPr>
                             </m:ctrlPr>
@@ -11142,13 +11259,13 @@
                               <m:rPr>
                                 <m:sty m:val="p"/>
                               </m:rPr>
-                              <a:rPr lang="en-US" b="0" i="0" smtClean="0">
+                              <a:rPr lang="en-US" sz="2400" b="0" i="0" smtClean="0">
                                 <a:latin typeface="Cambria Math" panose="02040503050406030204" pitchFamily="18" charset="0"/>
                               </a:rPr>
                               <m:t>Δ</m:t>
                             </m:r>
                             <m:r>
-                              <a:rPr lang="en-US" i="1">
+                              <a:rPr lang="en-US" sz="2400" i="1">
                                 <a:latin typeface="Cambria Math" panose="02040503050406030204" pitchFamily="18" charset="0"/>
                               </a:rPr>
                               <m:t>𝛾</m:t>
@@ -11156,15 +11273,15 @@
                           </m:e>
                           <m:sub>
                             <m:r>
-                              <a:rPr lang="en-US" b="0" i="1" smtClean="0">
+                              <a:rPr lang="en-US" sz="2400" b="0" i="1" smtClean="0">
                                 <a:latin typeface="Cambria Math" panose="02040503050406030204" pitchFamily="18" charset="0"/>
                               </a:rPr>
-                              <m:t>1</m:t>
+                              <m:t>2</m:t>
                             </m:r>
                           </m:sub>
                           <m:sup>
                             <m:r>
-                              <a:rPr lang="en-US" i="1">
+                              <a:rPr lang="en-US" sz="2400" i="1">
                                 <a:latin typeface="Cambria Math" panose="02040503050406030204" pitchFamily="18" charset="0"/>
                               </a:rPr>
                               <m:t>⋆</m:t>
@@ -11174,12 +11291,12 @@
                       </m:oMath>
                     </m:oMathPara>
                   </a14:m>
-                  <a:endParaRPr lang="en-US" dirty="0"/>
+                  <a:endParaRPr lang="en-US" sz="2400" dirty="0"/>
                 </a:p>
               </p:txBody>
             </p:sp>
           </mc:Choice>
-          <mc:Fallback>
+          <mc:Fallback xmlns="">
             <p:sp>
               <p:nvSpPr>
                 <p:cNvPr id="102" name="TextBox 101">
@@ -11196,8 +11313,8 @@
               </p:nvSpPr>
               <p:spPr>
                 <a:xfrm>
-                  <a:off x="6976424" y="6086235"/>
-                  <a:ext cx="914216" cy="285463"/>
+                  <a:off x="6897960" y="6094412"/>
+                  <a:ext cx="914216" cy="380682"/>
                 </a:xfrm>
                 <a:prstGeom prst="rect">
                   <a:avLst/>
@@ -11205,7 +11322,7 @@
                 <a:blipFill>
                   <a:blip r:embed="rId9"/>
                   <a:stretch>
-                    <a:fillRect b="-21739"/>
+                    <a:fillRect l="-10959" r="-4110" b="-20000"/>
                   </a:stretch>
                 </a:blipFill>
               </p:spPr>
@@ -11224,8 +11341,8 @@
             </p:sp>
           </mc:Fallback>
         </mc:AlternateContent>
-        <mc:AlternateContent xmlns:mc="http://schemas.openxmlformats.org/markup-compatibility/2006">
-          <mc:Choice xmlns:a14="http://schemas.microsoft.com/office/drawing/2010/main" Requires="a14">
+        <mc:AlternateContent xmlns:mc="http://schemas.openxmlformats.org/markup-compatibility/2006" xmlns:a14="http://schemas.microsoft.com/office/drawing/2010/main">
+          <mc:Choice Requires="a14">
             <p:sp>
               <p:nvSpPr>
                 <p:cNvPr id="103" name="TextBox 102">
@@ -11240,8 +11357,8 @@
               </p:nvSpPr>
               <p:spPr>
                 <a:xfrm>
-                  <a:off x="6928211" y="4453697"/>
-                  <a:ext cx="964351" cy="553998"/>
+                  <a:off x="6776245" y="4453697"/>
+                  <a:ext cx="1116317" cy="750014"/>
                 </a:xfrm>
                 <a:prstGeom prst="rect">
                   <a:avLst/>
@@ -11264,14 +11381,14 @@
                         <m:sSubSup>
                           <m:sSubSupPr>
                             <m:ctrlPr>
-                              <a:rPr lang="en-US" b="0" i="1" smtClean="0">
+                              <a:rPr lang="en-US" sz="2400" b="0" i="1" smtClean="0">
                                 <a:latin typeface="Cambria Math" panose="02040503050406030204" pitchFamily="18" charset="0"/>
                               </a:rPr>
                             </m:ctrlPr>
                           </m:sSubSupPr>
                           <m:e>
                             <m:r>
-                              <a:rPr lang="en-US" b="0" i="1" smtClean="0">
+                              <a:rPr lang="en-US" sz="2400" b="0" i="1" smtClean="0">
                                 <a:latin typeface="Cambria Math" panose="02040503050406030204" pitchFamily="18" charset="0"/>
                               </a:rPr>
                               <m:t>𝛾</m:t>
@@ -11279,15 +11396,15 @@
                           </m:e>
                           <m:sub>
                             <m:r>
-                              <a:rPr lang="en-US" b="0" i="1" smtClean="0">
+                              <a:rPr lang="en-US" sz="2400" b="0" i="1" smtClean="0">
                                 <a:latin typeface="Cambria Math" panose="02040503050406030204" pitchFamily="18" charset="0"/>
                               </a:rPr>
-                              <m:t>2</m:t>
+                              <m:t>3</m:t>
                             </m:r>
                           </m:sub>
                           <m:sup>
                             <m:r>
-                              <a:rPr lang="en-US" b="0" i="1" smtClean="0">
+                              <a:rPr lang="en-US" sz="2400" b="0" i="1" smtClean="0">
                                 <a:latin typeface="Cambria Math" panose="02040503050406030204" pitchFamily="18" charset="0"/>
                               </a:rPr>
                               <m:t>⋆</m:t>
@@ -11295,7 +11412,7 @@
                           </m:sup>
                         </m:sSubSup>
                         <m:r>
-                          <a:rPr lang="en-US" b="0" i="1" smtClean="0">
+                          <a:rPr lang="en-US" sz="2400" b="0" i="1" smtClean="0">
                             <a:latin typeface="Cambria Math" panose="02040503050406030204" pitchFamily="18" charset="0"/>
                           </a:rPr>
                           <m:t>,</m:t>
@@ -11303,14 +11420,14 @@
                         <m:sSubSup>
                           <m:sSubSupPr>
                             <m:ctrlPr>
-                              <a:rPr lang="en-US" i="1">
+                              <a:rPr lang="en-US" sz="2400" i="1">
                                 <a:latin typeface="Cambria Math" panose="02040503050406030204" pitchFamily="18" charset="0"/>
                               </a:rPr>
                             </m:ctrlPr>
                           </m:sSubSupPr>
                           <m:e>
                             <m:r>
-                              <a:rPr lang="en-US" i="1">
+                              <a:rPr lang="en-US" sz="2400" i="1">
                                 <a:latin typeface="Cambria Math" panose="02040503050406030204" pitchFamily="18" charset="0"/>
                               </a:rPr>
                               <m:t>𝛾</m:t>
@@ -11318,7 +11435,7 @@
                           </m:e>
                           <m:sub>
                             <m:r>
-                              <a:rPr lang="en-US" i="1">
+                              <a:rPr lang="en-US" sz="2400" b="0" i="1" smtClean="0">
                                 <a:latin typeface="Cambria Math" panose="02040503050406030204" pitchFamily="18" charset="0"/>
                               </a:rPr>
                               <m:t>3</m:t>
@@ -11326,7 +11443,7 @@
                           </m:sub>
                           <m:sup>
                             <m:r>
-                              <a:rPr lang="en-US" i="1">
+                              <a:rPr lang="en-US" sz="2400" i="1">
                                 <a:latin typeface="Cambria Math" panose="02040503050406030204" pitchFamily="18" charset="0"/>
                               </a:rPr>
                               <m:t>⋆</m:t>
@@ -11334,7 +11451,7 @@
                           </m:sup>
                         </m:sSubSup>
                         <m:r>
-                          <a:rPr lang="en-US" b="0" i="1" smtClean="0">
+                          <a:rPr lang="en-US" sz="2400" b="0" i="1" smtClean="0">
                             <a:latin typeface="Cambria Math" panose="02040503050406030204" pitchFamily="18" charset="0"/>
                           </a:rPr>
                           <m:t>, </m:t>
@@ -11342,7 +11459,7 @@
                       </m:oMath>
                     </m:oMathPara>
                   </a14:m>
-                  <a:endParaRPr lang="en-US" b="0" i="1" dirty="0">
+                  <a:endParaRPr lang="en-US" sz="2400" b="0" i="1" dirty="0">
                     <a:latin typeface="Cambria Math" panose="02040503050406030204" pitchFamily="18" charset="0"/>
                   </a:endParaRPr>
                 </a:p>
@@ -11357,7 +11474,7 @@
                         <m:sSubSup>
                           <m:sSubSupPr>
                             <m:ctrlPr>
-                              <a:rPr lang="en-US" i="1">
+                              <a:rPr lang="en-US" sz="2400" i="1">
                                 <a:latin typeface="Cambria Math" panose="02040503050406030204" pitchFamily="18" charset="0"/>
                               </a:rPr>
                             </m:ctrlPr>
@@ -11367,13 +11484,13 @@
                               <m:rPr>
                                 <m:sty m:val="p"/>
                               </m:rPr>
-                              <a:rPr lang="en-US" b="0" i="0" smtClean="0">
+                              <a:rPr lang="en-US" sz="2400" b="0" i="0" smtClean="0">
                                 <a:latin typeface="Cambria Math" panose="02040503050406030204" pitchFamily="18" charset="0"/>
                               </a:rPr>
                               <m:t>Δ</m:t>
                             </m:r>
                             <m:r>
-                              <a:rPr lang="en-US" i="1">
+                              <a:rPr lang="en-US" sz="2400" i="1">
                                 <a:latin typeface="Cambria Math" panose="02040503050406030204" pitchFamily="18" charset="0"/>
                               </a:rPr>
                               <m:t>𝛾</m:t>
@@ -11381,15 +11498,15 @@
                           </m:e>
                           <m:sub>
                             <m:r>
-                              <a:rPr lang="en-US" b="0" i="1" smtClean="0">
+                              <a:rPr lang="en-US" sz="2400" b="0" i="1" smtClean="0">
                                 <a:latin typeface="Cambria Math" panose="02040503050406030204" pitchFamily="18" charset="0"/>
                               </a:rPr>
-                              <m:t>2</m:t>
+                              <m:t>3</m:t>
                             </m:r>
                           </m:sub>
                           <m:sup>
                             <m:r>
-                              <a:rPr lang="en-US" i="1">
+                              <a:rPr lang="en-US" sz="2400" i="1">
                                 <a:latin typeface="Cambria Math" panose="02040503050406030204" pitchFamily="18" charset="0"/>
                               </a:rPr>
                               <m:t>⋆</m:t>
@@ -11397,7 +11514,7 @@
                           </m:sup>
                         </m:sSubSup>
                         <m:r>
-                          <a:rPr lang="en-US" b="0" i="1" smtClean="0">
+                          <a:rPr lang="en-US" sz="2400" b="0" i="1" smtClean="0">
                             <a:latin typeface="Cambria Math" panose="02040503050406030204" pitchFamily="18" charset="0"/>
                           </a:rPr>
                           <m:t>,</m:t>
@@ -11405,7 +11522,7 @@
                         <m:sSubSup>
                           <m:sSubSupPr>
                             <m:ctrlPr>
-                              <a:rPr lang="en-US" i="1">
+                              <a:rPr lang="en-US" sz="2400" i="1">
                                 <a:latin typeface="Cambria Math" panose="02040503050406030204" pitchFamily="18" charset="0"/>
                               </a:rPr>
                             </m:ctrlPr>
@@ -11415,13 +11532,13 @@
                               <m:rPr>
                                 <m:sty m:val="p"/>
                               </m:rPr>
-                              <a:rPr lang="en-US">
+                              <a:rPr lang="en-US" sz="2400">
                                 <a:latin typeface="Cambria Math" panose="02040503050406030204" pitchFamily="18" charset="0"/>
                               </a:rPr>
                               <m:t>Δ</m:t>
                             </m:r>
                             <m:r>
-                              <a:rPr lang="en-US" i="1">
+                              <a:rPr lang="en-US" sz="2400" i="1">
                                 <a:latin typeface="Cambria Math" panose="02040503050406030204" pitchFamily="18" charset="0"/>
                               </a:rPr>
                               <m:t>𝛾</m:t>
@@ -11429,15 +11546,15 @@
                           </m:e>
                           <m:sub>
                             <m:r>
-                              <a:rPr lang="en-US" b="0" i="1" smtClean="0">
+                              <a:rPr lang="en-US" sz="2400" b="0" i="1" smtClean="0">
                                 <a:latin typeface="Cambria Math" panose="02040503050406030204" pitchFamily="18" charset="0"/>
                               </a:rPr>
-                              <m:t>3</m:t>
+                              <m:t>4</m:t>
                             </m:r>
                           </m:sub>
                           <m:sup>
                             <m:r>
-                              <a:rPr lang="en-US" i="1">
+                              <a:rPr lang="en-US" sz="2400" i="1">
                                 <a:latin typeface="Cambria Math" panose="02040503050406030204" pitchFamily="18" charset="0"/>
                               </a:rPr>
                               <m:t>⋆</m:t>
@@ -11447,12 +11564,12 @@
                       </m:oMath>
                     </m:oMathPara>
                   </a14:m>
-                  <a:endParaRPr lang="en-US" dirty="0"/>
+                  <a:endParaRPr lang="en-US" sz="2400" dirty="0"/>
                 </a:p>
               </p:txBody>
             </p:sp>
           </mc:Choice>
-          <mc:Fallback>
+          <mc:Fallback xmlns="">
             <p:sp>
               <p:nvSpPr>
                 <p:cNvPr id="103" name="TextBox 102">
@@ -11469,8 +11586,8 @@
               </p:nvSpPr>
               <p:spPr>
                 <a:xfrm>
-                  <a:off x="6928211" y="4453697"/>
-                  <a:ext cx="964351" cy="553998"/>
+                  <a:off x="6776245" y="4453697"/>
+                  <a:ext cx="1116317" cy="750014"/>
                 </a:xfrm>
                 <a:prstGeom prst="rect">
                   <a:avLst/>
@@ -11478,7 +11595,7 @@
                 <a:blipFill>
                   <a:blip r:embed="rId10"/>
                   <a:stretch>
-                    <a:fillRect l="-1299" t="-4444" b="-13333"/>
+                    <a:fillRect l="-7865" t="-3333" r="-2247" b="-8333"/>
                   </a:stretch>
                 </a:blipFill>
               </p:spPr>
@@ -11542,10 +11659,10 @@
         </p:nvGrpSpPr>
         <p:grpSpPr>
           <a:xfrm>
-            <a:off x="99881" y="4226603"/>
-            <a:ext cx="11991676" cy="4210905"/>
-            <a:chOff x="99881" y="1561190"/>
-            <a:chExt cx="11991676" cy="4210905"/>
+            <a:off x="90716" y="4226603"/>
+            <a:ext cx="12000841" cy="4210905"/>
+            <a:chOff x="90716" y="1561190"/>
+            <a:chExt cx="12000841" cy="4210905"/>
           </a:xfrm>
         </p:grpSpPr>
         <mc:AlternateContent xmlns:mc="http://schemas.openxmlformats.org/markup-compatibility/2006" xmlns:a14="http://schemas.microsoft.com/office/drawing/2010/main">
@@ -12054,10 +12171,10 @@
           </p:nvGrpSpPr>
           <p:grpSpPr>
             <a:xfrm>
-              <a:off x="99881" y="1561190"/>
-              <a:ext cx="9184860" cy="4210905"/>
-              <a:chOff x="99881" y="1561190"/>
-              <a:chExt cx="9184860" cy="4210905"/>
+              <a:off x="90716" y="1561190"/>
+              <a:ext cx="9194025" cy="4210905"/>
+              <a:chOff x="90716" y="1561190"/>
+              <a:chExt cx="9194025" cy="4210905"/>
             </a:xfrm>
           </p:grpSpPr>
           <p:cxnSp>
@@ -12665,7 +12782,7 @@
                         <m:sSub>
                           <m:sSubPr>
                             <m:ctrlPr>
-                              <a:rPr lang="en-US" b="1" i="1">
+                              <a:rPr lang="en-US" b="1" i="1" smtClean="0">
                                 <a:latin typeface="Cambria Math" panose="02040503050406030204" pitchFamily="18" charset="0"/>
                               </a:rPr>
                             </m:ctrlPr>
@@ -12907,10 +13024,10 @@
                             </m:e>
                             <m:sub>
                               <m:r>
-                                <a:rPr lang="en-US" i="1">
+                                <a:rPr lang="en-US" b="0" i="1" smtClean="0">
                                   <a:latin typeface="Cambria Math" panose="02040503050406030204" pitchFamily="18" charset="0"/>
                                 </a:rPr>
-                                <m:t>𝐽</m:t>
+                                <m:t>𝑗</m:t>
                               </m:r>
                             </m:sub>
                           </m:sSub>
@@ -13153,10 +13270,10 @@
                             </m:e>
                             <m:sub>
                               <m:r>
-                                <a:rPr lang="en-US" b="1" i="1">
+                                <a:rPr lang="en-US" b="0" i="1">
                                   <a:latin typeface="Cambria Math" panose="02040503050406030204" pitchFamily="18" charset="0"/>
                                 </a:rPr>
-                                <m:t>𝟎</m:t>
+                                <m:t>0</m:t>
                               </m:r>
                             </m:sub>
                           </m:sSub>
@@ -13260,8 +13377,8 @@
                 </p:nvSpPr>
                 <p:spPr>
                   <a:xfrm>
-                    <a:off x="100443" y="4887353"/>
-                    <a:ext cx="5957181" cy="880369"/>
+                    <a:off x="90716" y="4887353"/>
+                    <a:ext cx="2447532" cy="518925"/>
                   </a:xfrm>
                   <a:prstGeom prst="rect">
                     <a:avLst/>
@@ -13284,7 +13401,7 @@
                           <m:sSub>
                             <m:sSubPr>
                               <m:ctrlPr>
-                                <a:rPr lang="en-US" i="1" dirty="0">
+                                <a:rPr lang="en-US" i="1" dirty="0" smtClean="0">
                                   <a:latin typeface="Cambria Math" panose="02040503050406030204" pitchFamily="18" charset="0"/>
                                   <a:ea typeface="Cambria Math" panose="02040503050406030204" pitchFamily="18" charset="0"/>
                                 </a:rPr>
@@ -13319,10 +13436,10 @@
                                 </m:sSubPr>
                                 <m:e>
                                   <m:r>
-                                    <a:rPr lang="en-US" i="1" dirty="0">
+                                    <a:rPr lang="en-US" b="1" i="1" dirty="0" smtClean="0">
                                       <a:latin typeface="Cambria Math" panose="02040503050406030204" pitchFamily="18" charset="0"/>
                                     </a:rPr>
-                                    <m:t>𝑦</m:t>
+                                    <m:t>𝒘</m:t>
                                   </m:r>
                                 </m:e>
                                 <m:sub>
@@ -13414,88 +13531,132 @@
                               </m:ctrlPr>
                             </m:dPr>
                             <m:e>
-                              <m:nary>
-                                <m:naryPr>
-                                  <m:chr m:val="∑"/>
+                              <m:r>
+                                <a:rPr lang="en-US" b="0" i="1" dirty="0" smtClean="0">
+                                  <a:latin typeface="Cambria Math" panose="02040503050406030204" pitchFamily="18" charset="0"/>
+                                </a:rPr>
+                                <m:t> </m:t>
+                              </m:r>
+                              <m:r>
+                                <a:rPr lang="en-US" i="1" dirty="0">
+                                  <a:latin typeface="Cambria Math" panose="02040503050406030204" pitchFamily="18" charset="0"/>
+                                </a:rPr>
+                                <m:t>𝐽</m:t>
+                              </m:r>
+                              <m:d>
+                                <m:dPr>
                                   <m:ctrlPr>
                                     <a:rPr lang="en-US" i="1" dirty="0">
                                       <a:latin typeface="Cambria Math" panose="02040503050406030204" pitchFamily="18" charset="0"/>
                                     </a:rPr>
                                   </m:ctrlPr>
-                                </m:naryPr>
-                                <m:sub>
-                                  <m:r>
-                                    <m:rPr>
-                                      <m:brk m:alnAt="23"/>
-                                    </m:rPr>
-                                    <a:rPr lang="en-US" i="1" dirty="0">
-                                      <a:latin typeface="Cambria Math" panose="02040503050406030204" pitchFamily="18" charset="0"/>
-                                    </a:rPr>
-                                    <m:t>𝑗</m:t>
-                                  </m:r>
-                                  <m:r>
-                                    <a:rPr lang="en-US" i="1" dirty="0">
-                                      <a:latin typeface="Cambria Math" panose="02040503050406030204" pitchFamily="18" charset="0"/>
-                                    </a:rPr>
-                                    <m:t>=0</m:t>
-                                  </m:r>
-                                </m:sub>
-                                <m:sup>
-                                  <m:sSub>
-                                    <m:sSubPr>
+                                </m:dPr>
+                                <m:e>
+                                  <m:sSubSup>
+                                    <m:sSubSupPr>
                                       <m:ctrlPr>
-                                        <a:rPr lang="en-US" i="1" dirty="0">
+                                        <a:rPr lang="en-US" i="1" dirty="0" smtClean="0">
                                           <a:latin typeface="Cambria Math" panose="02040503050406030204" pitchFamily="18" charset="0"/>
                                         </a:rPr>
                                       </m:ctrlPr>
-                                    </m:sSubPr>
+                                    </m:sSubSupPr>
                                     <m:e>
-                                      <m:r>
-                                        <a:rPr lang="en-US" i="1" dirty="0">
-                                          <a:latin typeface="Cambria Math" panose="02040503050406030204" pitchFamily="18" charset="0"/>
-                                        </a:rPr>
-                                        <m:t>𝑁</m:t>
-                                      </m:r>
+                                      <m:d>
+                                        <m:dPr>
+                                          <m:begChr m:val="{"/>
+                                          <m:endChr m:val="}"/>
+                                          <m:ctrlPr>
+                                            <a:rPr lang="en-US" i="1" dirty="0">
+                                              <a:latin typeface="Cambria Math" panose="02040503050406030204" pitchFamily="18" charset="0"/>
+                                            </a:rPr>
+                                          </m:ctrlPr>
+                                        </m:dPr>
+                                        <m:e>
+                                          <m:sSub>
+                                            <m:sSubPr>
+                                              <m:ctrlPr>
+                                                <a:rPr lang="en-US" i="1" dirty="0">
+                                                  <a:latin typeface="Cambria Math" panose="02040503050406030204" pitchFamily="18" charset="0"/>
+                                                </a:rPr>
+                                              </m:ctrlPr>
+                                            </m:sSubPr>
+                                            <m:e>
+                                              <m:r>
+                                                <a:rPr lang="en-US" b="1" i="1" dirty="0">
+                                                  <a:latin typeface="Cambria Math" panose="02040503050406030204" pitchFamily="18" charset="0"/>
+                                                </a:rPr>
+                                                <m:t>𝒚</m:t>
+                                              </m:r>
+                                            </m:e>
+                                            <m:sub>
+                                              <m:r>
+                                                <a:rPr lang="en-US" i="1" dirty="0">
+                                                  <a:latin typeface="Cambria Math" panose="02040503050406030204" pitchFamily="18" charset="0"/>
+                                                </a:rPr>
+                                                <m:t>𝑗</m:t>
+                                              </m:r>
+                                            </m:sub>
+                                          </m:sSub>
+                                          <m:r>
+                                            <a:rPr lang="en-US" i="1" dirty="0">
+                                              <a:latin typeface="Cambria Math" panose="02040503050406030204" pitchFamily="18" charset="0"/>
+                                            </a:rPr>
+                                            <m:t>, </m:t>
+                                          </m:r>
+                                          <m:sSub>
+                                            <m:sSubPr>
+                                              <m:ctrlPr>
+                                                <a:rPr lang="en-US" i="1" dirty="0">
+                                                  <a:latin typeface="Cambria Math" panose="02040503050406030204" pitchFamily="18" charset="0"/>
+                                                </a:rPr>
+                                              </m:ctrlPr>
+                                            </m:sSubPr>
+                                            <m:e>
+                                              <m:r>
+                                                <a:rPr lang="en-US" b="1" i="1" dirty="0">
+                                                  <a:latin typeface="Cambria Math" panose="02040503050406030204" pitchFamily="18" charset="0"/>
+                                                </a:rPr>
+                                                <m:t>𝝂</m:t>
+                                              </m:r>
+                                            </m:e>
+                                            <m:sub>
+                                              <m:r>
+                                                <a:rPr lang="en-US" i="1" dirty="0">
+                                                  <a:latin typeface="Cambria Math" panose="02040503050406030204" pitchFamily="18" charset="0"/>
+                                                </a:rPr>
+                                                <m:t>𝑗</m:t>
+                                              </m:r>
+                                            </m:sub>
+                                          </m:sSub>
+                                        </m:e>
+                                      </m:d>
                                     </m:e>
                                     <m:sub>
                                       <m:r>
-                                        <a:rPr lang="en-US" i="1" dirty="0">
+                                        <a:rPr lang="en-US" b="0" i="1" dirty="0" smtClean="0">
                                           <a:latin typeface="Cambria Math" panose="02040503050406030204" pitchFamily="18" charset="0"/>
                                         </a:rPr>
-                                        <m:t>𝑝</m:t>
+                                        <m:t>𝑗</m:t>
+                                      </m:r>
+                                      <m:r>
+                                        <a:rPr lang="en-US" b="0" i="1" dirty="0" smtClean="0">
+                                          <a:latin typeface="Cambria Math" panose="02040503050406030204" pitchFamily="18" charset="0"/>
+                                        </a:rPr>
+                                        <m:t>=0</m:t>
                                       </m:r>
                                     </m:sub>
-                                  </m:sSub>
-                                  <m:r>
-                                    <a:rPr lang="en-US" i="1" dirty="0">
-                                      <a:latin typeface="Cambria Math" panose="02040503050406030204" pitchFamily="18" charset="0"/>
-                                    </a:rPr>
-                                    <m:t>−1</m:t>
-                                  </m:r>
-                                </m:sup>
-                                <m:e>
-                                  <m:d>
-                                    <m:dPr>
-                                      <m:begChr m:val="{"/>
-                                      <m:endChr m:val="}"/>
-                                      <m:ctrlPr>
-                                        <a:rPr lang="en-US" i="1" dirty="0">
-                                          <a:latin typeface="Cambria Math" panose="02040503050406030204" pitchFamily="18" charset="0"/>
-                                        </a:rPr>
-                                      </m:ctrlPr>
-                                    </m:dPr>
-                                    <m:e>
+                                    <m:sup>
                                       <m:sSub>
                                         <m:sSubPr>
                                           <m:ctrlPr>
-                                            <a:rPr lang="en-US" i="1" dirty="0">
+                                            <a:rPr lang="en-US" b="0" i="1" dirty="0" smtClean="0">
                                               <a:latin typeface="Cambria Math" panose="02040503050406030204" pitchFamily="18" charset="0"/>
                                             </a:rPr>
                                           </m:ctrlPr>
                                         </m:sSubPr>
                                         <m:e>
                                           <m:r>
-                                            <a:rPr lang="en-US" i="1" dirty="0">
+                                            <a:rPr lang="en-US" b="0" i="1" dirty="0" smtClean="0">
                                               <a:latin typeface="Cambria Math" panose="02040503050406030204" pitchFamily="18" charset="0"/>
                                             </a:rPr>
                                             <m:t>𝑁</m:t>
@@ -13503,7 +13664,7 @@
                                         </m:e>
                                         <m:sub>
                                           <m:r>
-                                            <a:rPr lang="en-US" i="1" dirty="0">
+                                            <a:rPr lang="en-US" b="0" i="1" dirty="0" smtClean="0">
                                               <a:latin typeface="Cambria Math" panose="02040503050406030204" pitchFamily="18" charset="0"/>
                                             </a:rPr>
                                             <m:t>𝑝</m:t>
@@ -13511,160 +13672,15 @@
                                         </m:sub>
                                       </m:sSub>
                                       <m:r>
-                                        <a:rPr lang="en-US" i="1" dirty="0">
+                                        <a:rPr lang="en-US" b="0" i="1" dirty="0" smtClean="0">
                                           <a:latin typeface="Cambria Math" panose="02040503050406030204" pitchFamily="18" charset="0"/>
                                         </a:rPr>
                                         <m:t>−1</m:t>
                                       </m:r>
-                                    </m:e>
-                                  </m:d>
-                                  <m:d>
-                                    <m:dPr>
-                                      <m:ctrlPr>
-                                        <a:rPr lang="en-US" i="1" dirty="0">
-                                          <a:latin typeface="Cambria Math" panose="02040503050406030204" pitchFamily="18" charset="0"/>
-                                        </a:rPr>
-                                      </m:ctrlPr>
-                                    </m:dPr>
-                                    <m:e>
-                                      <m:f>
-                                        <m:fPr>
-                                          <m:ctrlPr>
-                                            <a:rPr lang="en-US" i="1" dirty="0">
-                                              <a:latin typeface="Cambria Math" panose="02040503050406030204" pitchFamily="18" charset="0"/>
-                                            </a:rPr>
-                                          </m:ctrlPr>
-                                        </m:fPr>
-                                        <m:num>
-                                          <m:r>
-                                            <a:rPr lang="en-US" i="1" dirty="0">
-                                              <a:latin typeface="Cambria Math" panose="02040503050406030204" pitchFamily="18" charset="0"/>
-                                            </a:rPr>
-                                            <m:t>1</m:t>
-                                          </m:r>
-                                        </m:num>
-                                        <m:den>
-                                          <m:r>
-                                            <a:rPr lang="en-US" i="1" dirty="0">
-                                              <a:latin typeface="Cambria Math" panose="02040503050406030204" pitchFamily="18" charset="0"/>
-                                            </a:rPr>
-                                            <m:t>2</m:t>
-                                          </m:r>
-                                        </m:den>
-                                      </m:f>
-                                      <m:r>
-                                        <a:rPr lang="en-US" i="1" dirty="0">
-                                          <a:latin typeface="Cambria Math" panose="02040503050406030204" pitchFamily="18" charset="0"/>
-                                        </a:rPr>
-                                        <m:t>𝑄</m:t>
-                                      </m:r>
-                                      <m:sSubSup>
-                                        <m:sSubSupPr>
-                                          <m:ctrlPr>
-                                            <a:rPr lang="en-US" i="1" dirty="0">
-                                              <a:latin typeface="Cambria Math" panose="02040503050406030204" pitchFamily="18" charset="0"/>
-                                            </a:rPr>
-                                          </m:ctrlPr>
-                                        </m:sSubSupPr>
-                                        <m:e>
-                                          <m:r>
-                                            <a:rPr lang="en-US" b="1" i="1" dirty="0">
-                                              <a:latin typeface="Cambria Math" panose="02040503050406030204" pitchFamily="18" charset="0"/>
-                                            </a:rPr>
-                                            <m:t>𝒚</m:t>
-                                          </m:r>
-                                        </m:e>
-                                        <m:sub>
-                                          <m:r>
-                                            <a:rPr lang="en-US" i="1" dirty="0">
-                                              <a:latin typeface="Cambria Math" panose="02040503050406030204" pitchFamily="18" charset="0"/>
-                                            </a:rPr>
-                                            <m:t>𝑗</m:t>
-                                          </m:r>
-                                        </m:sub>
-                                        <m:sup>
-                                          <m:r>
-                                            <a:rPr lang="en-US" i="1" dirty="0">
-                                              <a:latin typeface="Cambria Math" panose="02040503050406030204" pitchFamily="18" charset="0"/>
-                                            </a:rPr>
-                                            <m:t>2</m:t>
-                                          </m:r>
-                                        </m:sup>
-                                      </m:sSubSup>
-                                      <m:r>
-                                        <a:rPr lang="en-US" i="1" dirty="0">
-                                          <a:latin typeface="Cambria Math" panose="02040503050406030204" pitchFamily="18" charset="0"/>
-                                        </a:rPr>
-                                        <m:t> +</m:t>
-                                      </m:r>
-                                      <m:f>
-                                        <m:fPr>
-                                          <m:ctrlPr>
-                                            <a:rPr lang="en-US" i="1" dirty="0">
-                                              <a:latin typeface="Cambria Math" panose="02040503050406030204" pitchFamily="18" charset="0"/>
-                                            </a:rPr>
-                                          </m:ctrlPr>
-                                        </m:fPr>
-                                        <m:num>
-                                          <m:r>
-                                            <a:rPr lang="en-US" i="1" dirty="0">
-                                              <a:latin typeface="Cambria Math" panose="02040503050406030204" pitchFamily="18" charset="0"/>
-                                            </a:rPr>
-                                            <m:t>1</m:t>
-                                          </m:r>
-                                        </m:num>
-                                        <m:den>
-                                          <m:r>
-                                            <a:rPr lang="en-US" i="1" dirty="0">
-                                              <a:latin typeface="Cambria Math" panose="02040503050406030204" pitchFamily="18" charset="0"/>
-                                            </a:rPr>
-                                            <m:t>2</m:t>
-                                          </m:r>
-                                        </m:den>
-                                      </m:f>
-                                      <m:r>
-                                        <a:rPr lang="en-US" i="1" dirty="0">
-                                          <a:latin typeface="Cambria Math" panose="02040503050406030204" pitchFamily="18" charset="0"/>
-                                        </a:rPr>
-                                        <m:t>𝑅</m:t>
-                                      </m:r>
-                                      <m:sSubSup>
-                                        <m:sSubSupPr>
-                                          <m:ctrlPr>
-                                            <a:rPr lang="en-US" i="1" dirty="0">
-                                              <a:latin typeface="Cambria Math" panose="02040503050406030204" pitchFamily="18" charset="0"/>
-                                            </a:rPr>
-                                          </m:ctrlPr>
-                                        </m:sSubSupPr>
-                                        <m:e>
-                                          <m:r>
-                                            <a:rPr lang="en-US" b="1" i="1" dirty="0">
-                                              <a:latin typeface="Cambria Math" panose="02040503050406030204" pitchFamily="18" charset="0"/>
-                                            </a:rPr>
-                                            <m:t>𝝂</m:t>
-                                          </m:r>
-                                        </m:e>
-                                        <m:sub>
-                                          <m:r>
-                                            <a:rPr lang="en-US" i="1" dirty="0">
-                                              <a:latin typeface="Cambria Math" panose="02040503050406030204" pitchFamily="18" charset="0"/>
-                                            </a:rPr>
-                                            <m:t>𝑗</m:t>
-                                          </m:r>
-                                        </m:sub>
-                                        <m:sup>
-                                          <m:r>
-                                            <a:rPr lang="en-US" i="1" dirty="0">
-                                              <a:latin typeface="Cambria Math" panose="02040503050406030204" pitchFamily="18" charset="0"/>
-                                            </a:rPr>
-                                            <m:t>2</m:t>
-                                          </m:r>
-                                        </m:sup>
-                                      </m:sSubSup>
-                                    </m:e>
-                                  </m:d>
+                                    </m:sup>
+                                  </m:sSubSup>
                                 </m:e>
-                              </m:nary>
+                              </m:d>
                             </m:e>
                           </m:d>
                         </m:oMath>
@@ -13694,8 +13710,8 @@
                 </p:nvSpPr>
                 <p:spPr>
                   <a:xfrm>
-                    <a:off x="100443" y="4887353"/>
-                    <a:ext cx="5957181" cy="880369"/>
+                    <a:off x="90716" y="4887353"/>
+                    <a:ext cx="2447532" cy="518925"/>
                   </a:xfrm>
                   <a:prstGeom prst="rect">
                     <a:avLst/>
@@ -13703,7 +13719,7 @@
                   <a:blipFill>
                     <a:blip r:embed="rId5"/>
                     <a:stretch>
-                      <a:fillRect l="-1274" t="-92958" b="-145070"/>
+                      <a:fillRect l="-3627" r="-7254" b="-11905"/>
                     </a:stretch>
                   </a:blipFill>
                 </p:spPr>
@@ -14164,6 +14180,1069 @@
     <p:extLst>
       <p:ext uri="{BB962C8B-B14F-4D97-AF65-F5344CB8AC3E}">
         <p14:creationId xmlns:p14="http://schemas.microsoft.com/office/powerpoint/2010/main" val="2572691738"/>
+      </p:ext>
+    </p:extLst>
+  </p:cSld>
+  <p:clrMapOvr>
+    <a:masterClrMapping/>
+  </p:clrMapOvr>
+</p:sld>
+</file>
+
+<file path=ppt/slides/slide7.xml><?xml version="1.0" encoding="utf-8"?>
+<p:sld xmlns:a="http://schemas.openxmlformats.org/drawingml/2006/main" xmlns:r="http://schemas.openxmlformats.org/officeDocument/2006/relationships" xmlns:p="http://schemas.openxmlformats.org/presentationml/2006/main">
+  <p:cSld>
+    <p:spTree>
+      <p:nvGrpSpPr>
+        <p:cNvPr id="1" name="">
+          <a:extLst>
+            <a:ext uri="{FF2B5EF4-FFF2-40B4-BE49-F238E27FC236}">
+              <a16:creationId xmlns:a16="http://schemas.microsoft.com/office/drawing/2014/main" id="{B3F9F5FC-D601-B950-85A1-76AE34E5A440}"/>
+            </a:ext>
+          </a:extLst>
+        </p:cNvPr>
+        <p:cNvGrpSpPr/>
+        <p:nvPr/>
+      </p:nvGrpSpPr>
+      <p:grpSpPr>
+        <a:xfrm>
+          <a:off x="0" y="0"/>
+          <a:ext cx="0" cy="0"/>
+          <a:chOff x="0" y="0"/>
+          <a:chExt cx="0" cy="0"/>
+        </a:xfrm>
+      </p:grpSpPr>
+      <p:grpSp>
+        <p:nvGrpSpPr>
+          <p:cNvPr id="98" name="Group 97">
+            <a:extLst>
+              <a:ext uri="{FF2B5EF4-FFF2-40B4-BE49-F238E27FC236}">
+                <a16:creationId xmlns:a16="http://schemas.microsoft.com/office/drawing/2014/main" id="{958D04C0-1591-8FE8-0A35-32B273EED760}"/>
+              </a:ext>
+            </a:extLst>
+          </p:cNvPr>
+          <p:cNvGrpSpPr/>
+          <p:nvPr/>
+        </p:nvGrpSpPr>
+        <p:grpSpPr>
+          <a:xfrm>
+            <a:off x="99881" y="4226603"/>
+            <a:ext cx="9184860" cy="3199388"/>
+            <a:chOff x="99881" y="1561190"/>
+            <a:chExt cx="9184860" cy="3199388"/>
+          </a:xfrm>
+        </p:grpSpPr>
+        <p:cxnSp>
+          <p:nvCxnSpPr>
+            <p:cNvPr id="6" name="Straight Arrow Connector 5">
+              <a:extLst>
+                <a:ext uri="{FF2B5EF4-FFF2-40B4-BE49-F238E27FC236}">
+                  <a16:creationId xmlns:a16="http://schemas.microsoft.com/office/drawing/2014/main" id="{0CD82B6A-20CE-9E57-E954-2F30598E042A}"/>
+                </a:ext>
+              </a:extLst>
+            </p:cNvPr>
+            <p:cNvCxnSpPr>
+              <a:cxnSpLocks/>
+              <a:stCxn id="14" idx="3"/>
+              <a:endCxn id="36" idx="5"/>
+            </p:cNvCxnSpPr>
+            <p:nvPr/>
+          </p:nvCxnSpPr>
+          <p:spPr>
+            <a:xfrm>
+              <a:off x="5901389" y="2568559"/>
+              <a:ext cx="486821" cy="3"/>
+            </a:xfrm>
+            <a:prstGeom prst="straightConnector1">
+              <a:avLst/>
+            </a:prstGeom>
+            <a:ln w="38100">
+              <a:solidFill>
+                <a:schemeClr val="tx1"/>
+              </a:solidFill>
+              <a:tailEnd type="triangle"/>
+            </a:ln>
+          </p:spPr>
+          <p:style>
+            <a:lnRef idx="1">
+              <a:schemeClr val="accent1"/>
+            </a:lnRef>
+            <a:fillRef idx="0">
+              <a:schemeClr val="accent1"/>
+            </a:fillRef>
+            <a:effectRef idx="0">
+              <a:schemeClr val="accent1"/>
+            </a:effectRef>
+            <a:fontRef idx="minor">
+              <a:schemeClr val="tx1"/>
+            </a:fontRef>
+          </p:style>
+        </p:cxnSp>
+        <p:sp>
+          <p:nvSpPr>
+            <p:cNvPr id="14" name="Rectangle 13">
+              <a:extLst>
+                <a:ext uri="{FF2B5EF4-FFF2-40B4-BE49-F238E27FC236}">
+                  <a16:creationId xmlns:a16="http://schemas.microsoft.com/office/drawing/2014/main" id="{360D2734-BC24-3557-8948-8A246E867F3C}"/>
+                </a:ext>
+              </a:extLst>
+            </p:cNvPr>
+            <p:cNvSpPr/>
+            <p:nvPr/>
+          </p:nvSpPr>
+          <p:spPr>
+            <a:xfrm>
+              <a:off x="4631389" y="2223119"/>
+              <a:ext cx="1270000" cy="690880"/>
+            </a:xfrm>
+            <a:prstGeom prst="rect">
+              <a:avLst/>
+            </a:prstGeom>
+          </p:spPr>
+          <p:style>
+            <a:lnRef idx="1">
+              <a:schemeClr val="accent3"/>
+            </a:lnRef>
+            <a:fillRef idx="2">
+              <a:schemeClr val="accent3"/>
+            </a:fillRef>
+            <a:effectRef idx="1">
+              <a:schemeClr val="accent3"/>
+            </a:effectRef>
+            <a:fontRef idx="minor">
+              <a:schemeClr val="dk1"/>
+            </a:fontRef>
+          </p:style>
+          <p:txBody>
+            <a:bodyPr rtlCol="0" anchor="ctr"/>
+            <a:lstStyle/>
+            <a:p>
+              <a:pPr algn="ctr"/>
+              <a:r>
+                <a:rPr lang="en-US" dirty="0">
+                  <a:latin typeface="Modern No. 20" panose="02070704070505020303" pitchFamily="18" charset="77"/>
+                </a:rPr>
+                <a:t>Solver</a:t>
+              </a:r>
+              <a:endParaRPr lang="en-US" dirty="0"/>
+            </a:p>
+          </p:txBody>
+        </p:sp>
+        <p:cxnSp>
+          <p:nvCxnSpPr>
+            <p:cNvPr id="17" name="Straight Arrow Connector 16">
+              <a:extLst>
+                <a:ext uri="{FF2B5EF4-FFF2-40B4-BE49-F238E27FC236}">
+                  <a16:creationId xmlns:a16="http://schemas.microsoft.com/office/drawing/2014/main" id="{2C31C6B4-18FB-82CB-02EA-79438A9692B1}"/>
+                </a:ext>
+              </a:extLst>
+            </p:cNvPr>
+            <p:cNvCxnSpPr>
+              <a:cxnSpLocks/>
+              <a:stCxn id="65" idx="2"/>
+            </p:cNvCxnSpPr>
+            <p:nvPr/>
+          </p:nvCxnSpPr>
+          <p:spPr>
+            <a:xfrm>
+              <a:off x="3116426" y="2688056"/>
+              <a:ext cx="1514963" cy="0"/>
+            </a:xfrm>
+            <a:prstGeom prst="straightConnector1">
+              <a:avLst/>
+            </a:prstGeom>
+            <a:ln w="38100">
+              <a:solidFill>
+                <a:schemeClr val="tx1"/>
+              </a:solidFill>
+              <a:tailEnd type="triangle"/>
+            </a:ln>
+          </p:spPr>
+          <p:style>
+            <a:lnRef idx="1">
+              <a:schemeClr val="accent1"/>
+            </a:lnRef>
+            <a:fillRef idx="0">
+              <a:schemeClr val="accent1"/>
+            </a:fillRef>
+            <a:effectRef idx="0">
+              <a:schemeClr val="accent1"/>
+            </a:effectRef>
+            <a:fontRef idx="minor">
+              <a:schemeClr val="tx1"/>
+            </a:fontRef>
+          </p:style>
+        </p:cxnSp>
+        <p:cxnSp>
+          <p:nvCxnSpPr>
+            <p:cNvPr id="19" name="Elbow Connector 18">
+              <a:extLst>
+                <a:ext uri="{FF2B5EF4-FFF2-40B4-BE49-F238E27FC236}">
+                  <a16:creationId xmlns:a16="http://schemas.microsoft.com/office/drawing/2014/main" id="{41A64082-3906-2614-B412-D86825AAFA84}"/>
+                </a:ext>
+              </a:extLst>
+            </p:cNvPr>
+            <p:cNvCxnSpPr>
+              <a:cxnSpLocks/>
+              <a:stCxn id="66" idx="2"/>
+            </p:cNvCxnSpPr>
+            <p:nvPr/>
+          </p:nvCxnSpPr>
+          <p:spPr>
+            <a:xfrm>
+              <a:off x="3176264" y="1906628"/>
+              <a:ext cx="1455125" cy="545703"/>
+            </a:xfrm>
+            <a:prstGeom prst="bentConnector3">
+              <a:avLst/>
+            </a:prstGeom>
+            <a:ln w="38100">
+              <a:solidFill>
+                <a:schemeClr val="tx1"/>
+              </a:solidFill>
+              <a:tailEnd type="triangle"/>
+            </a:ln>
+          </p:spPr>
+          <p:style>
+            <a:lnRef idx="1">
+              <a:schemeClr val="accent1"/>
+            </a:lnRef>
+            <a:fillRef idx="0">
+              <a:schemeClr val="accent1"/>
+            </a:fillRef>
+            <a:effectRef idx="0">
+              <a:schemeClr val="accent1"/>
+            </a:effectRef>
+            <a:fontRef idx="minor">
+              <a:schemeClr val="tx1"/>
+            </a:fontRef>
+          </p:style>
+        </p:cxnSp>
+        <p:sp>
+          <p:nvSpPr>
+            <p:cNvPr id="36" name="Parallelogram 35">
+              <a:extLst>
+                <a:ext uri="{FF2B5EF4-FFF2-40B4-BE49-F238E27FC236}">
+                  <a16:creationId xmlns:a16="http://schemas.microsoft.com/office/drawing/2014/main" id="{2594E6B7-DC72-5D1F-F1D6-5BF8FB276D85}"/>
+                </a:ext>
+              </a:extLst>
+            </p:cNvPr>
+            <p:cNvSpPr/>
+            <p:nvPr/>
+          </p:nvSpPr>
+          <p:spPr>
+            <a:xfrm>
+              <a:off x="6301851" y="2223124"/>
+              <a:ext cx="1988222" cy="690875"/>
+            </a:xfrm>
+            <a:prstGeom prst="parallelogram">
+              <a:avLst/>
+            </a:prstGeom>
+            <a:ln/>
+          </p:spPr>
+          <p:style>
+            <a:lnRef idx="1">
+              <a:schemeClr val="accent3"/>
+            </a:lnRef>
+            <a:fillRef idx="2">
+              <a:schemeClr val="accent3"/>
+            </a:fillRef>
+            <a:effectRef idx="1">
+              <a:schemeClr val="accent3"/>
+            </a:effectRef>
+            <a:fontRef idx="minor">
+              <a:schemeClr val="dk1"/>
+            </a:fontRef>
+          </p:style>
+          <p:txBody>
+            <a:bodyPr rtlCol="0" anchor="ctr"/>
+            <a:lstStyle/>
+            <a:p>
+              <a:pPr algn="ctr"/>
+              <a:r>
+                <a:rPr lang="en-US" dirty="0">
+                  <a:latin typeface="Modern No. 20" panose="02070704070505020303" pitchFamily="18" charset="77"/>
+                </a:rPr>
+                <a:t>Turbine Yaw Setpoints</a:t>
+              </a:r>
+            </a:p>
+          </p:txBody>
+        </p:sp>
+        <p:sp>
+          <p:nvSpPr>
+            <p:cNvPr id="3" name="Rectangle 2">
+              <a:extLst>
+                <a:ext uri="{FF2B5EF4-FFF2-40B4-BE49-F238E27FC236}">
+                  <a16:creationId xmlns:a16="http://schemas.microsoft.com/office/drawing/2014/main" id="{EA69B766-9FBF-F0D1-E9BD-9958C50258D5}"/>
+                </a:ext>
+              </a:extLst>
+            </p:cNvPr>
+            <p:cNvSpPr/>
+            <p:nvPr/>
+          </p:nvSpPr>
+          <p:spPr>
+            <a:xfrm>
+              <a:off x="4631389" y="4069698"/>
+              <a:ext cx="1270000" cy="690880"/>
+            </a:xfrm>
+            <a:prstGeom prst="rect">
+              <a:avLst/>
+            </a:prstGeom>
+          </p:spPr>
+          <p:style>
+            <a:lnRef idx="1">
+              <a:schemeClr val="accent3"/>
+            </a:lnRef>
+            <a:fillRef idx="2">
+              <a:schemeClr val="accent3"/>
+            </a:fillRef>
+            <a:effectRef idx="1">
+              <a:schemeClr val="accent3"/>
+            </a:effectRef>
+            <a:fontRef idx="minor">
+              <a:schemeClr val="dk1"/>
+            </a:fontRef>
+          </p:style>
+          <p:txBody>
+            <a:bodyPr rtlCol="0" anchor="ctr"/>
+            <a:lstStyle/>
+            <a:p>
+              <a:pPr algn="ctr"/>
+              <a:r>
+                <a:rPr lang="en-US" dirty="0">
+                  <a:latin typeface="Modern No. 20" panose="02070704070505020303" pitchFamily="18" charset="77"/>
+                </a:rPr>
+                <a:t>Model</a:t>
+              </a:r>
+              <a:endParaRPr lang="en-US" dirty="0"/>
+            </a:p>
+          </p:txBody>
+        </p:sp>
+        <p:sp>
+          <p:nvSpPr>
+            <p:cNvPr id="4" name="Rectangle 3">
+              <a:extLst>
+                <a:ext uri="{FF2B5EF4-FFF2-40B4-BE49-F238E27FC236}">
+                  <a16:creationId xmlns:a16="http://schemas.microsoft.com/office/drawing/2014/main" id="{CF978A5F-4980-8E7A-8D43-16DC9CCA179C}"/>
+                </a:ext>
+              </a:extLst>
+            </p:cNvPr>
+            <p:cNvSpPr/>
+            <p:nvPr/>
+          </p:nvSpPr>
+          <p:spPr>
+            <a:xfrm>
+              <a:off x="8014741" y="4047817"/>
+              <a:ext cx="1270000" cy="690880"/>
+            </a:xfrm>
+            <a:prstGeom prst="rect">
+              <a:avLst/>
+            </a:prstGeom>
+          </p:spPr>
+          <p:style>
+            <a:lnRef idx="1">
+              <a:schemeClr val="accent3"/>
+            </a:lnRef>
+            <a:fillRef idx="2">
+              <a:schemeClr val="accent3"/>
+            </a:fillRef>
+            <a:effectRef idx="1">
+              <a:schemeClr val="accent3"/>
+            </a:effectRef>
+            <a:fontRef idx="minor">
+              <a:schemeClr val="dk1"/>
+            </a:fontRef>
+          </p:style>
+          <p:txBody>
+            <a:bodyPr rtlCol="0" anchor="ctr"/>
+            <a:lstStyle/>
+            <a:p>
+              <a:pPr algn="ctr"/>
+              <a:r>
+                <a:rPr lang="en-US" dirty="0">
+                  <a:latin typeface="Modern No. 20" panose="02070704070505020303" pitchFamily="18" charset="77"/>
+                </a:rPr>
+                <a:t>Constraints</a:t>
+              </a:r>
+              <a:endParaRPr lang="en-US" dirty="0"/>
+            </a:p>
+          </p:txBody>
+        </p:sp>
+        <p:sp>
+          <p:nvSpPr>
+            <p:cNvPr id="5" name="Rectangle 4">
+              <a:extLst>
+                <a:ext uri="{FF2B5EF4-FFF2-40B4-BE49-F238E27FC236}">
+                  <a16:creationId xmlns:a16="http://schemas.microsoft.com/office/drawing/2014/main" id="{B4D52D36-7643-8832-8119-E3843E43DE71}"/>
+                </a:ext>
+              </a:extLst>
+            </p:cNvPr>
+            <p:cNvSpPr/>
+            <p:nvPr/>
+          </p:nvSpPr>
+          <p:spPr>
+            <a:xfrm>
+              <a:off x="99881" y="4047821"/>
+              <a:ext cx="1270000" cy="690880"/>
+            </a:xfrm>
+            <a:prstGeom prst="rect">
+              <a:avLst/>
+            </a:prstGeom>
+          </p:spPr>
+          <p:style>
+            <a:lnRef idx="1">
+              <a:schemeClr val="accent3"/>
+            </a:lnRef>
+            <a:fillRef idx="2">
+              <a:schemeClr val="accent3"/>
+            </a:fillRef>
+            <a:effectRef idx="1">
+              <a:schemeClr val="accent3"/>
+            </a:effectRef>
+            <a:fontRef idx="minor">
+              <a:schemeClr val="dk1"/>
+            </a:fontRef>
+          </p:style>
+          <p:txBody>
+            <a:bodyPr rtlCol="0" anchor="ctr"/>
+            <a:lstStyle/>
+            <a:p>
+              <a:pPr algn="ctr"/>
+              <a:r>
+                <a:rPr lang="en-US" dirty="0">
+                  <a:latin typeface="Modern No. 20" panose="02070704070505020303" pitchFamily="18" charset="77"/>
+                </a:rPr>
+                <a:t>Cost Function</a:t>
+              </a:r>
+              <a:endParaRPr lang="en-US" dirty="0"/>
+            </a:p>
+          </p:txBody>
+        </p:sp>
+        <p:cxnSp>
+          <p:nvCxnSpPr>
+            <p:cNvPr id="7" name="Elbow Connector 6">
+              <a:extLst>
+                <a:ext uri="{FF2B5EF4-FFF2-40B4-BE49-F238E27FC236}">
+                  <a16:creationId xmlns:a16="http://schemas.microsoft.com/office/drawing/2014/main" id="{4C537AC6-9EE0-31D3-F961-CF214C9D5F13}"/>
+                </a:ext>
+              </a:extLst>
+            </p:cNvPr>
+            <p:cNvCxnSpPr>
+              <a:cxnSpLocks/>
+              <a:stCxn id="36" idx="0"/>
+              <a:endCxn id="14" idx="0"/>
+            </p:cNvCxnSpPr>
+            <p:nvPr/>
+          </p:nvCxnSpPr>
+          <p:spPr>
+            <a:xfrm rot="16200000" flipV="1">
+              <a:off x="6281174" y="1208335"/>
+              <a:ext cx="5" cy="2029573"/>
+            </a:xfrm>
+            <a:prstGeom prst="bentConnector3">
+              <a:avLst>
+                <a:gd name="adj1" fmla="val 4572100000"/>
+              </a:avLst>
+            </a:prstGeom>
+            <a:ln w="38100">
+              <a:solidFill>
+                <a:schemeClr val="tx1"/>
+              </a:solidFill>
+              <a:tailEnd type="triangle"/>
+            </a:ln>
+          </p:spPr>
+          <p:style>
+            <a:lnRef idx="1">
+              <a:schemeClr val="accent1"/>
+            </a:lnRef>
+            <a:fillRef idx="0">
+              <a:schemeClr val="accent1"/>
+            </a:fillRef>
+            <a:effectRef idx="0">
+              <a:schemeClr val="accent1"/>
+            </a:effectRef>
+            <a:fontRef idx="minor">
+              <a:schemeClr val="tx1"/>
+            </a:fontRef>
+          </p:style>
+        </p:cxnSp>
+        <p:cxnSp>
+          <p:nvCxnSpPr>
+            <p:cNvPr id="18" name="Elbow Connector 17">
+              <a:extLst>
+                <a:ext uri="{FF2B5EF4-FFF2-40B4-BE49-F238E27FC236}">
+                  <a16:creationId xmlns:a16="http://schemas.microsoft.com/office/drawing/2014/main" id="{81BDB0E5-67CA-EAF2-5ECD-B0246353EA92}"/>
+                </a:ext>
+              </a:extLst>
+            </p:cNvPr>
+            <p:cNvCxnSpPr>
+              <a:cxnSpLocks/>
+              <a:stCxn id="4" idx="0"/>
+            </p:cNvCxnSpPr>
+            <p:nvPr/>
+          </p:nvCxnSpPr>
+          <p:spPr>
+            <a:xfrm rot="16200000" flipV="1">
+              <a:off x="6981878" y="2379954"/>
+              <a:ext cx="223309" cy="3112418"/>
+            </a:xfrm>
+            <a:prstGeom prst="bentConnector2">
+              <a:avLst/>
+            </a:prstGeom>
+            <a:ln w="38100">
+              <a:solidFill>
+                <a:schemeClr val="tx1"/>
+              </a:solidFill>
+              <a:tailEnd type="none"/>
+            </a:ln>
+          </p:spPr>
+          <p:style>
+            <a:lnRef idx="1">
+              <a:schemeClr val="accent1"/>
+            </a:lnRef>
+            <a:fillRef idx="0">
+              <a:schemeClr val="accent1"/>
+            </a:fillRef>
+            <a:effectRef idx="0">
+              <a:schemeClr val="accent1"/>
+            </a:effectRef>
+            <a:fontRef idx="minor">
+              <a:schemeClr val="tx1"/>
+            </a:fontRef>
+          </p:style>
+        </p:cxnSp>
+        <p:cxnSp>
+          <p:nvCxnSpPr>
+            <p:cNvPr id="22" name="Straight Arrow Connector 21">
+              <a:extLst>
+                <a:ext uri="{FF2B5EF4-FFF2-40B4-BE49-F238E27FC236}">
+                  <a16:creationId xmlns:a16="http://schemas.microsoft.com/office/drawing/2014/main" id="{52F3C342-B24F-D6C9-B22E-EF60E7A8B36B}"/>
+                </a:ext>
+              </a:extLst>
+            </p:cNvPr>
+            <p:cNvCxnSpPr>
+              <a:cxnSpLocks/>
+              <a:stCxn id="3" idx="0"/>
+              <a:endCxn id="14" idx="2"/>
+            </p:cNvCxnSpPr>
+            <p:nvPr/>
+          </p:nvCxnSpPr>
+          <p:spPr>
+            <a:xfrm flipV="1">
+              <a:off x="5266389" y="2913999"/>
+              <a:ext cx="0" cy="1155699"/>
+            </a:xfrm>
+            <a:prstGeom prst="straightConnector1">
+              <a:avLst/>
+            </a:prstGeom>
+            <a:ln w="38100">
+              <a:solidFill>
+                <a:schemeClr val="tx1"/>
+              </a:solidFill>
+              <a:tailEnd type="triangle"/>
+            </a:ln>
+          </p:spPr>
+          <p:style>
+            <a:lnRef idx="1">
+              <a:schemeClr val="accent1"/>
+            </a:lnRef>
+            <a:fillRef idx="0">
+              <a:schemeClr val="accent1"/>
+            </a:fillRef>
+            <a:effectRef idx="0">
+              <a:schemeClr val="accent1"/>
+            </a:effectRef>
+            <a:fontRef idx="minor">
+              <a:schemeClr val="tx1"/>
+            </a:fontRef>
+          </p:style>
+        </p:cxnSp>
+        <p:cxnSp>
+          <p:nvCxnSpPr>
+            <p:cNvPr id="25" name="Elbow Connector 24">
+              <a:extLst>
+                <a:ext uri="{FF2B5EF4-FFF2-40B4-BE49-F238E27FC236}">
+                  <a16:creationId xmlns:a16="http://schemas.microsoft.com/office/drawing/2014/main" id="{BDBF2520-AC9E-D8FA-C277-9A9C330AB557}"/>
+                </a:ext>
+              </a:extLst>
+            </p:cNvPr>
+            <p:cNvCxnSpPr>
+              <a:cxnSpLocks/>
+              <a:stCxn id="5" idx="0"/>
+            </p:cNvCxnSpPr>
+            <p:nvPr/>
+          </p:nvCxnSpPr>
+          <p:spPr>
+            <a:xfrm rot="5400000" flipH="1" flipV="1">
+              <a:off x="2753451" y="1805939"/>
+              <a:ext cx="223313" cy="4260452"/>
+            </a:xfrm>
+            <a:prstGeom prst="bentConnector2">
+              <a:avLst/>
+            </a:prstGeom>
+            <a:ln w="38100">
+              <a:solidFill>
+                <a:schemeClr val="tx1"/>
+              </a:solidFill>
+              <a:tailEnd type="none"/>
+            </a:ln>
+          </p:spPr>
+          <p:style>
+            <a:lnRef idx="1">
+              <a:schemeClr val="accent1"/>
+            </a:lnRef>
+            <a:fillRef idx="0">
+              <a:schemeClr val="accent1"/>
+            </a:fillRef>
+            <a:effectRef idx="0">
+              <a:schemeClr val="accent1"/>
+            </a:effectRef>
+            <a:fontRef idx="minor">
+              <a:schemeClr val="tx1"/>
+            </a:fontRef>
+          </p:style>
+        </p:cxnSp>
+        <p:sp>
+          <p:nvSpPr>
+            <p:cNvPr id="65" name="Parallelogram 64">
+              <a:extLst>
+                <a:ext uri="{FF2B5EF4-FFF2-40B4-BE49-F238E27FC236}">
+                  <a16:creationId xmlns:a16="http://schemas.microsoft.com/office/drawing/2014/main" id="{02BBF544-F435-6483-C2E2-77602413D866}"/>
+                </a:ext>
+              </a:extLst>
+            </p:cNvPr>
+            <p:cNvSpPr/>
+            <p:nvPr/>
+          </p:nvSpPr>
+          <p:spPr>
+            <a:xfrm>
+              <a:off x="579508" y="2342618"/>
+              <a:ext cx="2623277" cy="690875"/>
+            </a:xfrm>
+            <a:prstGeom prst="parallelogram">
+              <a:avLst/>
+            </a:prstGeom>
+            <a:ln/>
+          </p:spPr>
+          <p:style>
+            <a:lnRef idx="1">
+              <a:schemeClr val="accent3"/>
+            </a:lnRef>
+            <a:fillRef idx="2">
+              <a:schemeClr val="accent3"/>
+            </a:fillRef>
+            <a:effectRef idx="1">
+              <a:schemeClr val="accent3"/>
+            </a:effectRef>
+            <a:fontRef idx="minor">
+              <a:schemeClr val="dk1"/>
+            </a:fontRef>
+          </p:style>
+          <p:txBody>
+            <a:bodyPr rtlCol="0" anchor="ctr"/>
+            <a:lstStyle/>
+            <a:p>
+              <a:pPr algn="ctr"/>
+              <a:r>
+                <a:rPr lang="en-US" dirty="0">
+                  <a:latin typeface="Modern No. 20" panose="02070704070505020303" pitchFamily="18" charset="77"/>
+                </a:rPr>
+                <a:t>Freestream Wind Direction Preview</a:t>
+              </a:r>
+            </a:p>
+          </p:txBody>
+        </p:sp>
+        <p:sp>
+          <p:nvSpPr>
+            <p:cNvPr id="66" name="Parallelogram 65">
+              <a:extLst>
+                <a:ext uri="{FF2B5EF4-FFF2-40B4-BE49-F238E27FC236}">
+                  <a16:creationId xmlns:a16="http://schemas.microsoft.com/office/drawing/2014/main" id="{3A6B26D8-4FC2-D79C-E0A3-79AFDD783EED}"/>
+                </a:ext>
+              </a:extLst>
+            </p:cNvPr>
+            <p:cNvSpPr/>
+            <p:nvPr/>
+          </p:nvSpPr>
+          <p:spPr>
+            <a:xfrm>
+              <a:off x="639346" y="1561190"/>
+              <a:ext cx="2623277" cy="690875"/>
+            </a:xfrm>
+            <a:prstGeom prst="parallelogram">
+              <a:avLst/>
+            </a:prstGeom>
+            <a:ln/>
+          </p:spPr>
+          <p:style>
+            <a:lnRef idx="1">
+              <a:schemeClr val="accent3"/>
+            </a:lnRef>
+            <a:fillRef idx="2">
+              <a:schemeClr val="accent3"/>
+            </a:fillRef>
+            <a:effectRef idx="1">
+              <a:schemeClr val="accent3"/>
+            </a:effectRef>
+            <a:fontRef idx="minor">
+              <a:schemeClr val="dk1"/>
+            </a:fontRef>
+          </p:style>
+          <p:txBody>
+            <a:bodyPr rtlCol="0" anchor="ctr"/>
+            <a:lstStyle/>
+            <a:p>
+              <a:pPr algn="ctr"/>
+              <a:r>
+                <a:rPr lang="en-US" dirty="0">
+                  <a:latin typeface="Modern No. 20" panose="02070704070505020303" pitchFamily="18" charset="77"/>
+                </a:rPr>
+                <a:t>Freestream Wind Magnitude Preview</a:t>
+              </a:r>
+            </a:p>
+          </p:txBody>
+        </p:sp>
+        <mc:AlternateContent xmlns:mc="http://schemas.openxmlformats.org/markup-compatibility/2006">
+          <mc:Choice xmlns:a14="http://schemas.microsoft.com/office/drawing/2010/main" Requires="a14">
+            <p:sp>
+              <p:nvSpPr>
+                <p:cNvPr id="68" name="TextBox 67">
+                  <a:extLst>
+                    <a:ext uri="{FF2B5EF4-FFF2-40B4-BE49-F238E27FC236}">
+                      <a16:creationId xmlns:a16="http://schemas.microsoft.com/office/drawing/2014/main" id="{35249FDE-1E96-DA5B-969C-C2143BEAF744}"/>
+                    </a:ext>
+                  </a:extLst>
+                </p:cNvPr>
+                <p:cNvSpPr txBox="1"/>
+                <p:nvPr/>
+              </p:nvSpPr>
+              <p:spPr>
+                <a:xfrm>
+                  <a:off x="455756" y="3065226"/>
+                  <a:ext cx="2623277" cy="438774"/>
+                </a:xfrm>
+                <a:prstGeom prst="rect">
+                  <a:avLst/>
+                </a:prstGeom>
+                <a:noFill/>
+              </p:spPr>
+              <p:txBody>
+                <a:bodyPr wrap="square">
+                  <a:spAutoFit/>
+                </a:bodyPr>
+                <a:lstStyle/>
+                <a:p>
+                  <a:pPr/>
+                  <a14:m>
+                    <m:oMathPara xmlns:m="http://schemas.openxmlformats.org/officeDocument/2006/math">
+                      <m:oMathParaPr>
+                        <m:jc m:val="centerGroup"/>
+                      </m:oMathParaPr>
+                      <m:oMath xmlns:m="http://schemas.openxmlformats.org/officeDocument/2006/math">
+                        <m:sSub>
+                          <m:sSubPr>
+                            <m:ctrlPr>
+                              <a:rPr lang="en-US" i="1">
+                                <a:latin typeface="Cambria Math" panose="02040503050406030204" pitchFamily="18" charset="0"/>
+                                <a:ea typeface="Cambria Math" panose="02040503050406030204" pitchFamily="18" charset="0"/>
+                              </a:rPr>
+                            </m:ctrlPr>
+                          </m:sSubPr>
+                          <m:e>
+                            <m:r>
+                              <a:rPr lang="en-US" b="1" i="1">
+                                <a:latin typeface="Cambria Math" panose="02040503050406030204" pitchFamily="18" charset="0"/>
+                                <a:ea typeface="Cambria Math" panose="02040503050406030204" pitchFamily="18" charset="0"/>
+                              </a:rPr>
+                              <m:t>𝒘</m:t>
+                            </m:r>
+                          </m:e>
+                          <m:sub>
+                            <m:r>
+                              <a:rPr lang="en-US" i="1">
+                                <a:latin typeface="Cambria Math" panose="02040503050406030204" pitchFamily="18" charset="0"/>
+                                <a:ea typeface="Cambria Math" panose="02040503050406030204" pitchFamily="18" charset="0"/>
+                              </a:rPr>
+                              <m:t>𝑗</m:t>
+                            </m:r>
+                          </m:sub>
+                        </m:sSub>
+                        <m:r>
+                          <a:rPr lang="en-US" i="1">
+                            <a:latin typeface="Cambria Math" panose="02040503050406030204" pitchFamily="18" charset="0"/>
+                            <a:ea typeface="Cambria Math" panose="02040503050406030204" pitchFamily="18" charset="0"/>
+                          </a:rPr>
+                          <m:t>∼</m:t>
+                        </m:r>
+                        <m:sSub>
+                          <m:sSubPr>
+                            <m:ctrlPr>
+                              <a:rPr lang="en-US" i="1">
+                                <a:latin typeface="Cambria Math" panose="02040503050406030204" pitchFamily="18" charset="0"/>
+                                <a:ea typeface="Cambria Math" panose="02040503050406030204" pitchFamily="18" charset="0"/>
+                              </a:rPr>
+                            </m:ctrlPr>
+                          </m:sSubPr>
+                          <m:e>
+                            <m:r>
+                              <a:rPr lang="en-US" i="1">
+                                <a:latin typeface="Cambria Math" panose="02040503050406030204" pitchFamily="18" charset="0"/>
+                                <a:ea typeface="Cambria Math" panose="02040503050406030204" pitchFamily="18" charset="0"/>
+                              </a:rPr>
+                              <m:t>𝑃</m:t>
+                            </m:r>
+                          </m:e>
+                          <m:sub>
+                            <m:r>
+                              <a:rPr lang="en-US" i="1">
+                                <a:latin typeface="Cambria Math" panose="02040503050406030204" pitchFamily="18" charset="0"/>
+                                <a:ea typeface="Cambria Math" panose="02040503050406030204" pitchFamily="18" charset="0"/>
+                              </a:rPr>
+                              <m:t>𝑤</m:t>
+                            </m:r>
+                          </m:sub>
+                        </m:sSub>
+                        <m:r>
+                          <a:rPr lang="en-US" i="1">
+                            <a:latin typeface="Cambria Math" panose="02040503050406030204" pitchFamily="18" charset="0"/>
+                          </a:rPr>
+                          <m:t>∀</m:t>
+                        </m:r>
+                        <m:r>
+                          <a:rPr lang="en-US" i="1">
+                            <a:latin typeface="Cambria Math" panose="02040503050406030204" pitchFamily="18" charset="0"/>
+                          </a:rPr>
+                          <m:t>𝑗</m:t>
+                        </m:r>
+                        <m:r>
+                          <a:rPr lang="en-US" i="1">
+                            <a:latin typeface="Cambria Math" panose="02040503050406030204" pitchFamily="18" charset="0"/>
+                          </a:rPr>
+                          <m:t>∈</m:t>
+                        </m:r>
+                        <m:sSub>
+                          <m:sSubPr>
+                            <m:ctrlPr>
+                              <a:rPr lang="en-US" i="1">
+                                <a:latin typeface="Cambria Math" panose="02040503050406030204" pitchFamily="18" charset="0"/>
+                                <a:ea typeface="Cambria Math" panose="02040503050406030204" pitchFamily="18" charset="0"/>
+                              </a:rPr>
+                            </m:ctrlPr>
+                          </m:sSubPr>
+                          <m:e>
+                            <m:r>
+                              <a:rPr lang="en-US" i="1">
+                                <a:latin typeface="Cambria Math" panose="02040503050406030204" pitchFamily="18" charset="0"/>
+                                <a:ea typeface="Cambria Math" panose="02040503050406030204" pitchFamily="18" charset="0"/>
+                              </a:rPr>
+                              <m:t>ℤ</m:t>
+                            </m:r>
+                          </m:e>
+                          <m:sub>
+                            <m:d>
+                              <m:dPr>
+                                <m:begChr m:val="["/>
+                                <m:endChr m:val="]"/>
+                                <m:ctrlPr>
+                                  <a:rPr lang="en-US" i="1">
+                                    <a:latin typeface="Cambria Math" panose="02040503050406030204" pitchFamily="18" charset="0"/>
+                                    <a:ea typeface="Cambria Math" panose="02040503050406030204" pitchFamily="18" charset="0"/>
+                                  </a:rPr>
+                                </m:ctrlPr>
+                              </m:dPr>
+                              <m:e>
+                                <m:r>
+                                  <a:rPr lang="en-US" i="1">
+                                    <a:latin typeface="Cambria Math" panose="02040503050406030204" pitchFamily="18" charset="0"/>
+                                    <a:ea typeface="Cambria Math" panose="02040503050406030204" pitchFamily="18" charset="0"/>
+                                  </a:rPr>
+                                  <m:t>0, </m:t>
+                                </m:r>
+                                <m:sSub>
+                                  <m:sSubPr>
+                                    <m:ctrlPr>
+                                      <a:rPr lang="en-US" i="1">
+                                        <a:latin typeface="Cambria Math" panose="02040503050406030204" pitchFamily="18" charset="0"/>
+                                        <a:ea typeface="Cambria Math" panose="02040503050406030204" pitchFamily="18" charset="0"/>
+                                      </a:rPr>
+                                    </m:ctrlPr>
+                                  </m:sSubPr>
+                                  <m:e>
+                                    <m:r>
+                                      <a:rPr lang="en-US" i="1">
+                                        <a:latin typeface="Cambria Math" panose="02040503050406030204" pitchFamily="18" charset="0"/>
+                                        <a:ea typeface="Cambria Math" panose="02040503050406030204" pitchFamily="18" charset="0"/>
+                                      </a:rPr>
+                                      <m:t>𝑁</m:t>
+                                    </m:r>
+                                  </m:e>
+                                  <m:sub>
+                                    <m:r>
+                                      <a:rPr lang="en-US" i="1">
+                                        <a:latin typeface="Cambria Math" panose="02040503050406030204" pitchFamily="18" charset="0"/>
+                                        <a:ea typeface="Cambria Math" panose="02040503050406030204" pitchFamily="18" charset="0"/>
+                                      </a:rPr>
+                                      <m:t>𝑝</m:t>
+                                    </m:r>
+                                  </m:sub>
+                                </m:sSub>
+                                <m:r>
+                                  <a:rPr lang="en-US" i="1">
+                                    <a:latin typeface="Cambria Math" panose="02040503050406030204" pitchFamily="18" charset="0"/>
+                                    <a:ea typeface="Cambria Math" panose="02040503050406030204" pitchFamily="18" charset="0"/>
+                                  </a:rPr>
+                                  <m:t>−1</m:t>
+                                </m:r>
+                              </m:e>
+                            </m:d>
+                          </m:sub>
+                        </m:sSub>
+                      </m:oMath>
+                    </m:oMathPara>
+                  </a14:m>
+                  <a:endParaRPr lang="en-US" dirty="0"/>
+                </a:p>
+              </p:txBody>
+            </p:sp>
+          </mc:Choice>
+          <mc:Fallback>
+            <p:sp>
+              <p:nvSpPr>
+                <p:cNvPr id="68" name="TextBox 67">
+                  <a:extLst>
+                    <a:ext uri="{FF2B5EF4-FFF2-40B4-BE49-F238E27FC236}">
+                      <a16:creationId xmlns:a16="http://schemas.microsoft.com/office/drawing/2014/main" id="{35249FDE-1E96-DA5B-969C-C2143BEAF744}"/>
+                    </a:ext>
+                  </a:extLst>
+                </p:cNvPr>
+                <p:cNvSpPr txBox="1">
+                  <a:spLocks noRot="1" noChangeAspect="1" noMove="1" noResize="1" noEditPoints="1" noAdjustHandles="1" noChangeArrowheads="1" noChangeShapeType="1" noTextEdit="1"/>
+                </p:cNvSpPr>
+                <p:nvPr/>
+              </p:nvSpPr>
+              <p:spPr>
+                <a:xfrm>
+                  <a:off x="455756" y="3065226"/>
+                  <a:ext cx="2623277" cy="438774"/>
+                </a:xfrm>
+                <a:prstGeom prst="rect">
+                  <a:avLst/>
+                </a:prstGeom>
+                <a:blipFill>
+                  <a:blip r:embed="rId3"/>
+                  <a:stretch>
+                    <a:fillRect b="-2857"/>
+                  </a:stretch>
+                </a:blipFill>
+              </p:spPr>
+              <p:txBody>
+                <a:bodyPr/>
+                <a:lstStyle/>
+                <a:p>
+                  <a:r>
+                    <a:rPr lang="en-US">
+                      <a:noFill/>
+                    </a:rPr>
+                    <a:t> </a:t>
+                  </a:r>
+                </a:p>
+              </p:txBody>
+            </p:sp>
+          </mc:Fallback>
+        </mc:AlternateContent>
+        <p:cxnSp>
+          <p:nvCxnSpPr>
+            <p:cNvPr id="94" name="Straight Arrow Connector 93">
+              <a:extLst>
+                <a:ext uri="{FF2B5EF4-FFF2-40B4-BE49-F238E27FC236}">
+                  <a16:creationId xmlns:a16="http://schemas.microsoft.com/office/drawing/2014/main" id="{82F87BB9-8F8D-AF4F-8F54-0E8325D4FFB9}"/>
+                </a:ext>
+              </a:extLst>
+            </p:cNvPr>
+            <p:cNvCxnSpPr>
+              <a:cxnSpLocks/>
+            </p:cNvCxnSpPr>
+            <p:nvPr/>
+          </p:nvCxnSpPr>
+          <p:spPr>
+            <a:xfrm flipV="1">
+              <a:off x="4995456" y="2913998"/>
+              <a:ext cx="0" cy="929757"/>
+            </a:xfrm>
+            <a:prstGeom prst="straightConnector1">
+              <a:avLst/>
+            </a:prstGeom>
+            <a:ln w="38100">
+              <a:solidFill>
+                <a:schemeClr val="tx1"/>
+              </a:solidFill>
+              <a:tailEnd type="triangle"/>
+            </a:ln>
+          </p:spPr>
+          <p:style>
+            <a:lnRef idx="1">
+              <a:schemeClr val="accent1"/>
+            </a:lnRef>
+            <a:fillRef idx="0">
+              <a:schemeClr val="accent1"/>
+            </a:fillRef>
+            <a:effectRef idx="0">
+              <a:schemeClr val="accent1"/>
+            </a:effectRef>
+            <a:fontRef idx="minor">
+              <a:schemeClr val="tx1"/>
+            </a:fontRef>
+          </p:style>
+        </p:cxnSp>
+        <p:cxnSp>
+          <p:nvCxnSpPr>
+            <p:cNvPr id="96" name="Straight Arrow Connector 95">
+              <a:extLst>
+                <a:ext uri="{FF2B5EF4-FFF2-40B4-BE49-F238E27FC236}">
+                  <a16:creationId xmlns:a16="http://schemas.microsoft.com/office/drawing/2014/main" id="{DD89DFAE-5532-CD72-025C-26906D4CCF47}"/>
+                </a:ext>
+              </a:extLst>
+            </p:cNvPr>
+            <p:cNvCxnSpPr>
+              <a:cxnSpLocks/>
+            </p:cNvCxnSpPr>
+            <p:nvPr/>
+          </p:nvCxnSpPr>
+          <p:spPr>
+            <a:xfrm flipV="1">
+              <a:off x="5537446" y="2913998"/>
+              <a:ext cx="0" cy="929757"/>
+            </a:xfrm>
+            <a:prstGeom prst="straightConnector1">
+              <a:avLst/>
+            </a:prstGeom>
+            <a:ln w="38100">
+              <a:solidFill>
+                <a:schemeClr val="tx1"/>
+              </a:solidFill>
+              <a:tailEnd type="triangle"/>
+            </a:ln>
+          </p:spPr>
+          <p:style>
+            <a:lnRef idx="1">
+              <a:schemeClr val="accent1"/>
+            </a:lnRef>
+            <a:fillRef idx="0">
+              <a:schemeClr val="accent1"/>
+            </a:fillRef>
+            <a:effectRef idx="0">
+              <a:schemeClr val="accent1"/>
+            </a:effectRef>
+            <a:fontRef idx="minor">
+              <a:schemeClr val="tx1"/>
+            </a:fontRef>
+          </p:style>
+        </p:cxnSp>
+      </p:grpSp>
+    </p:spTree>
+    <p:extLst>
+      <p:ext uri="{BB962C8B-B14F-4D97-AF65-F5344CB8AC3E}">
+        <p14:creationId xmlns:p14="http://schemas.microsoft.com/office/powerpoint/2010/main" val="3417885514"/>
       </p:ext>
     </p:extLst>
   </p:cSld>
@@ -14727,4 +15806,10 @@
     </a:ext>
   </a:extLst>
 </a:theme>
+</file>
+
+<file path=docMetadata/LabelInfo.xml><?xml version="1.0" encoding="utf-8"?>
+<clbl:labelList xmlns:clbl="http://schemas.microsoft.com/office/2020/mipLabelMetadata">
+  <clbl:label id="{95965d95-ecc0-4720-b759-1f33c42ed7da}" enabled="1" method="Standard" siteId="{a0f29d7e-28cd-4f54-8442-7885aee7c080}" contentBits="0" removed="0"/>
+</clbl:labelList>
 </file>